--- a/Presentation/Presentation_06_01_2026.pptx
+++ b/Presentation/Presentation_06_01_2026.pptx
@@ -6,13 +6,17 @@
     <p:sldMasterId id="2147483660" r:id="rId2"/>
   </p:sldMasterIdLst>
   <p:notesMasterIdLst>
-    <p:notesMasterId r:id="rId7"/>
+    <p:notesMasterId r:id="rId11"/>
   </p:notesMasterIdLst>
   <p:sldIdLst>
     <p:sldId id="256" r:id="rId3"/>
     <p:sldId id="258" r:id="rId4"/>
     <p:sldId id="259" r:id="rId5"/>
     <p:sldId id="260" r:id="rId6"/>
+    <p:sldId id="261" r:id="rId7"/>
+    <p:sldId id="263" r:id="rId8"/>
+    <p:sldId id="264" r:id="rId9"/>
+    <p:sldId id="262" r:id="rId10"/>
   </p:sldIdLst>
   <p:sldSz cx="12192000" cy="6858000"/>
   <p:notesSz cx="6858000" cy="9144000"/>
@@ -7869,7 +7873,7 @@
                 <a:ea typeface="Aptos" panose="020B0004020202020204" pitchFamily="34" charset="0"/>
                 <a:cs typeface="Times New Roman" panose="02020603050405020304" pitchFamily="18" charset="0"/>
               </a:rPr>
-              <a:t>Machine Learning Models</a:t>
+              <a:t>Flowchart</a:t>
             </a:r>
           </a:p>
           <a:p>
@@ -7887,7 +7891,7 @@
                 <a:ea typeface="Aptos" panose="020B0004020202020204" pitchFamily="34" charset="0"/>
                 <a:cs typeface="Times New Roman" panose="02020603050405020304" pitchFamily="18" charset="0"/>
               </a:rPr>
-              <a:t>Hydrogen Storage Concepts</a:t>
+              <a:t>Machine Learning Models</a:t>
             </a:r>
           </a:p>
           <a:p>
@@ -7905,7 +7909,7 @@
                 <a:ea typeface="Aptos" panose="020B0004020202020204" pitchFamily="34" charset="0"/>
                 <a:cs typeface="Times New Roman" panose="02020603050405020304" pitchFamily="18" charset="0"/>
               </a:rPr>
-              <a:t>Economic Calculation</a:t>
+              <a:t>Hydrogen Storage Concepts</a:t>
             </a:r>
           </a:p>
           <a:p>
@@ -7923,7 +7927,7 @@
                 <a:ea typeface="Aptos" panose="020B0004020202020204" pitchFamily="34" charset="0"/>
                 <a:cs typeface="Times New Roman" panose="02020603050405020304" pitchFamily="18" charset="0"/>
               </a:rPr>
-              <a:t>Results</a:t>
+              <a:t>Economic Calculation</a:t>
             </a:r>
           </a:p>
           <a:p>
@@ -7941,17 +7945,18 @@
                 <a:ea typeface="Aptos" panose="020B0004020202020204" pitchFamily="34" charset="0"/>
                 <a:cs typeface="Times New Roman" panose="02020603050405020304" pitchFamily="18" charset="0"/>
               </a:rPr>
-              <a:t>Conclusion </a:t>
-            </a:r>
-          </a:p>
-          <a:p>
-            <a:pPr marL="342900" lvl="0" indent="-342900">
+              <a:t>Results</a:t>
+            </a:r>
+          </a:p>
+          <a:p>
+            <a:pPr marL="342900" indent="-342900">
               <a:lnSpc>
                 <a:spcPct val="107000"/>
               </a:lnSpc>
               <a:spcAft>
                 <a:spcPts val="800"/>
               </a:spcAft>
+              <a:buFont typeface="Arial" panose="020B0604020202020204" pitchFamily="34" charset="0"/>
               <a:buAutoNum type="arabicPeriod"/>
             </a:pPr>
             <a:r>
@@ -7959,37 +7964,8 @@
                 <a:ea typeface="Aptos" panose="020B0004020202020204" pitchFamily="34" charset="0"/>
                 <a:cs typeface="Times New Roman" panose="02020603050405020304" pitchFamily="18" charset="0"/>
               </a:rPr>
-              <a:t>Future Tasks</a:t>
-            </a:r>
-          </a:p>
-          <a:p>
-            <a:pPr marL="0" lvl="0" indent="0">
-              <a:lnSpc>
-                <a:spcPct val="107000"/>
-              </a:lnSpc>
-              <a:spcAft>
-                <a:spcPts val="800"/>
-              </a:spcAft>
-              <a:buNone/>
-            </a:pPr>
-            <a:r>
-              <a:rPr lang="en-GB" sz="2000" b="1" kern="100" dirty="0">
-                <a:ea typeface="Aptos" panose="020B0004020202020204" pitchFamily="34" charset="0"/>
-                <a:cs typeface="Times New Roman" panose="02020603050405020304" pitchFamily="18" charset="0"/>
-              </a:rPr>
-              <a:t>10. </a:t>
-            </a:r>
-            <a:r>
-              <a:rPr lang="en-GB" sz="2000" b="1" kern="100" dirty="0" err="1">
-                <a:ea typeface="Aptos" panose="020B0004020202020204" pitchFamily="34" charset="0"/>
-                <a:cs typeface="Times New Roman" panose="02020603050405020304" pitchFamily="18" charset="0"/>
-              </a:rPr>
-              <a:t>Referances</a:t>
-            </a:r>
-            <a:endParaRPr lang="en-GB" sz="2000" b="1" kern="100" dirty="0">
-              <a:ea typeface="Aptos" panose="020B0004020202020204" pitchFamily="34" charset="0"/>
-              <a:cs typeface="Times New Roman" panose="02020603050405020304" pitchFamily="18" charset="0"/>
-            </a:endParaRPr>
+              <a:t>Conclusion &amp; Future Tasks</a:t>
+            </a:r>
           </a:p>
         </p:txBody>
       </p:sp>
@@ -8734,8 +8710,8 @@
         </p:nvSpPr>
         <p:spPr bwMode="auto">
           <a:xfrm>
-            <a:off x="170978" y="1629786"/>
-            <a:ext cx="6421120" cy="1140697"/>
+            <a:off x="0" y="1191275"/>
+            <a:ext cx="6607810" cy="1427635"/>
           </a:xfrm>
           <a:prstGeom prst="rect">
             <a:avLst/>
@@ -8800,15 +8776,15 @@
               <a:tabLst/>
             </a:pPr>
             <a:r>
-              <a:rPr lang="en-US" altLang="en-DE" sz="2400" b="1" dirty="0"/>
+              <a:rPr lang="en-US" altLang="en-DE" sz="2000" b="1" dirty="0"/>
               <a:t>Wind Energy: </a:t>
             </a:r>
             <a:r>
-              <a:rPr lang="en-US" altLang="en-DE" sz="2400" dirty="0"/>
+              <a:rPr lang="en-US" altLang="en-DE" sz="2000" dirty="0"/>
               <a:t>O</a:t>
             </a:r>
             <a:r>
-              <a:rPr kumimoji="0" lang="en-DE" altLang="en-DE" sz="2400" b="0" i="0" u="none" strike="noStrike" cap="none" normalizeH="0" baseline="0" dirty="0">
+              <a:rPr kumimoji="0" lang="en-DE" altLang="en-DE" sz="2000" b="0" i="0" u="none" strike="noStrike" cap="none" normalizeH="0" baseline="0" dirty="0">
                 <a:ln>
                   <a:noFill/>
                 </a:ln>
@@ -8819,6 +8795,27 @@
               </a:rPr>
               <a:t>ne of the fastest‑growing</a:t>
             </a:r>
+            <a:r>
+              <a:rPr kumimoji="0" lang="en-US" altLang="en-DE" sz="2000" b="0" i="0" u="none" strike="noStrike" cap="none" normalizeH="0" baseline="0" dirty="0">
+                <a:ln>
+                  <a:noFill/>
+                </a:ln>
+                <a:solidFill>
+                  <a:schemeClr val="tx1"/>
+                </a:solidFill>
+                <a:effectLst/>
+              </a:rPr>
+              <a:t> (Germany)</a:t>
+            </a:r>
+            <a:endParaRPr kumimoji="0" lang="en-DE" altLang="en-DE" sz="2000" b="0" i="0" u="none" strike="noStrike" cap="none" normalizeH="0" baseline="0" dirty="0">
+              <a:ln>
+                <a:noFill/>
+              </a:ln>
+              <a:solidFill>
+                <a:schemeClr val="tx1"/>
+              </a:solidFill>
+              <a:effectLst/>
+            </a:endParaRPr>
           </a:p>
           <a:p>
             <a:pPr marL="342900" marR="0" lvl="0" indent="-342900" algn="just" defTabSz="914400" rtl="0" eaLnBrk="0" fontAlgn="base" latinLnBrk="0" hangingPunct="0">
@@ -8838,11 +8835,11 @@
               <a:tabLst/>
             </a:pPr>
             <a:r>
-              <a:rPr lang="en-US" altLang="en-DE" sz="2400" dirty="0"/>
+              <a:rPr lang="en-US" altLang="en-DE" sz="2000" dirty="0"/>
               <a:t>W</a:t>
             </a:r>
             <a:r>
-              <a:rPr kumimoji="0" lang="en-DE" altLang="en-DE" sz="2400" b="0" i="0" u="none" strike="noStrike" cap="none" normalizeH="0" baseline="0" dirty="0">
+              <a:rPr kumimoji="0" lang="en-DE" altLang="en-DE" sz="2000" b="0" i="0" u="none" strike="noStrike" cap="none" normalizeH="0" baseline="0" dirty="0">
                 <a:ln>
                   <a:noFill/>
                 </a:ln>
@@ -8854,7 +8851,7 @@
               <a:t>in</a:t>
             </a:r>
             <a:r>
-              <a:rPr kumimoji="0" lang="en-US" altLang="en-DE" sz="2400" b="0" i="0" u="none" strike="noStrike" cap="none" normalizeH="0" baseline="0" dirty="0">
+              <a:rPr kumimoji="0" lang="en-US" altLang="en-DE" sz="2000" b="0" i="0" u="none" strike="noStrike" cap="none" normalizeH="0" baseline="0" dirty="0">
                 <a:ln>
                   <a:noFill/>
                 </a:ln>
@@ -8866,7 +8863,7 @@
               <a:t>d </a:t>
             </a:r>
             <a:r>
-              <a:rPr kumimoji="0" lang="en-DE" altLang="en-DE" sz="2400" b="0" i="0" u="none" strike="noStrike" cap="none" normalizeH="0" baseline="0" dirty="0">
+              <a:rPr kumimoji="0" lang="en-DE" altLang="en-DE" sz="2000" b="0" i="0" u="none" strike="noStrike" cap="none" normalizeH="0" baseline="0" dirty="0">
                 <a:ln>
                   <a:noFill/>
                 </a:ln>
@@ -8878,11 +8875,11 @@
               <a:t>power</a:t>
             </a:r>
             <a:r>
-              <a:rPr lang="en-US" altLang="en-DE" sz="2400" dirty="0"/>
+              <a:rPr lang="en-US" altLang="en-DE" sz="2000" dirty="0"/>
               <a:t> (</a:t>
             </a:r>
             <a:r>
-              <a:rPr kumimoji="0" lang="en-DE" altLang="en-DE" sz="2400" b="0" i="0" u="none" strike="noStrike" cap="none" normalizeH="0" baseline="0" dirty="0">
+              <a:rPr kumimoji="0" lang="en-DE" altLang="en-DE" sz="2000" b="0" i="0" u="none" strike="noStrike" cap="none" normalizeH="0" baseline="0" dirty="0">
                 <a:ln>
                   <a:noFill/>
                 </a:ln>
@@ -8894,7 +8891,7 @@
               <a:t>variable</a:t>
             </a:r>
             <a:r>
-              <a:rPr kumimoji="0" lang="en-US" altLang="en-DE" sz="2400" b="0" i="0" u="none" strike="noStrike" cap="none" normalizeH="0" baseline="0" dirty="0">
+              <a:rPr kumimoji="0" lang="en-US" altLang="en-DE" sz="2000" b="0" i="0" u="none" strike="noStrike" cap="none" normalizeH="0" baseline="0" dirty="0">
                 <a:ln>
                   <a:noFill/>
                 </a:ln>
@@ -8906,7 +8903,7 @@
               <a:t>) </a:t>
             </a:r>
             <a:r>
-              <a:rPr kumimoji="0" lang="en-US" altLang="en-DE" sz="2400" b="0" i="0" u="none" strike="noStrike" cap="none" normalizeH="0" baseline="0" dirty="0">
+              <a:rPr kumimoji="0" lang="en-US" altLang="en-DE" sz="2000" b="0" i="0" u="none" strike="noStrike" cap="none" normalizeH="0" baseline="0" dirty="0">
                 <a:ln>
                   <a:noFill/>
                 </a:ln>
@@ -8919,7 +8916,7 @@
               <a:t></a:t>
             </a:r>
             <a:r>
-              <a:rPr kumimoji="0" lang="en-US" altLang="en-DE" sz="2400" b="0" i="0" u="none" strike="noStrike" cap="none" normalizeH="0" baseline="0" dirty="0">
+              <a:rPr kumimoji="0" lang="en-US" altLang="en-DE" sz="2000" b="0" i="0" u="none" strike="noStrike" cap="none" normalizeH="0" baseline="0" dirty="0">
                 <a:ln>
                   <a:noFill/>
                 </a:ln>
@@ -8931,7 +8928,7 @@
               <a:t> </a:t>
             </a:r>
             <a:r>
-              <a:rPr kumimoji="0" lang="en-DE" altLang="en-DE" sz="2400" b="0" i="0" u="none" strike="noStrike" cap="none" normalizeH="0" baseline="0" dirty="0">
+              <a:rPr kumimoji="0" lang="en-DE" altLang="en-DE" sz="2000" b="0" i="0" u="none" strike="noStrike" cap="none" normalizeH="0" baseline="0" dirty="0">
                 <a:ln>
                   <a:noFill/>
                 </a:ln>
@@ -8943,7 +8940,7 @@
               <a:t>wind speeds </a:t>
             </a:r>
             <a:r>
-              <a:rPr kumimoji="0" lang="en-US" altLang="en-DE" sz="2400" b="0" i="0" u="none" strike="noStrike" cap="none" normalizeH="0" baseline="0" dirty="0">
+              <a:rPr kumimoji="0" lang="en-US" altLang="en-DE" sz="2000" b="0" i="0" u="none" strike="noStrike" cap="none" normalizeH="0" baseline="0" dirty="0">
                 <a:ln>
                   <a:noFill/>
                 </a:ln>
@@ -8955,7 +8952,7 @@
               <a:t>(</a:t>
             </a:r>
             <a:r>
-              <a:rPr kumimoji="0" lang="en-DE" altLang="en-DE" sz="2400" b="0" i="0" u="none" strike="noStrike" cap="none" normalizeH="0" baseline="0" dirty="0">
+              <a:rPr kumimoji="0" lang="en-DE" altLang="en-DE" sz="2000" b="0" i="0" u="none" strike="noStrike" cap="none" normalizeH="0" baseline="0" dirty="0">
                 <a:ln>
                   <a:noFill/>
                 </a:ln>
@@ -8967,7 +8964,7 @@
               <a:t>change</a:t>
             </a:r>
             <a:r>
-              <a:rPr kumimoji="0" lang="en-US" altLang="en-DE" sz="2400" b="0" i="0" u="none" strike="noStrike" cap="none" normalizeH="0" baseline="0" dirty="0">
+              <a:rPr kumimoji="0" lang="en-US" altLang="en-DE" sz="2000" b="0" i="0" u="none" strike="noStrike" cap="none" normalizeH="0" baseline="0" dirty="0">
                 <a:ln>
                   <a:noFill/>
                 </a:ln>
@@ -8978,27 +8975,64 @@
               </a:rPr>
               <a:t>)</a:t>
             </a:r>
-            <a:r>
-              <a:rPr kumimoji="0" lang="en-DE" altLang="en-DE" sz="2400" b="0" i="0" u="none" strike="noStrike" cap="none" normalizeH="0" baseline="0" dirty="0">
-                <a:ln>
-                  <a:noFill/>
-                </a:ln>
-                <a:solidFill>
-                  <a:schemeClr val="tx1"/>
-                </a:solidFill>
-                <a:effectLst/>
+          </a:p>
+          <a:p>
+            <a:pPr marL="342900" indent="-342900" algn="just" eaLnBrk="0" fontAlgn="base" hangingPunct="0">
+              <a:lnSpc>
+                <a:spcPct val="150000"/>
+              </a:lnSpc>
+              <a:spcBef>
+                <a:spcPct val="0"/>
+              </a:spcBef>
+              <a:spcAft>
+                <a:spcPct val="0"/>
+              </a:spcAft>
+              <a:buFont typeface="Wingdings" panose="05000000000000000000" pitchFamily="2" charset="2"/>
+              <a:buChar char="Ø"/>
+            </a:pPr>
+            <a:r>
+              <a:rPr lang="en-DE" altLang="en-DE" sz="2000" dirty="0"/>
+              <a:t>Electricity markets</a:t>
+            </a:r>
+            <a:r>
+              <a:rPr lang="en-US" altLang="en-DE" sz="2000" dirty="0"/>
+              <a:t> (</a:t>
+            </a:r>
+            <a:r>
+              <a:rPr lang="en-DE" altLang="en-DE" sz="2000" dirty="0"/>
+              <a:t>fluctuate</a:t>
+            </a:r>
+            <a:r>
+              <a:rPr lang="en-US" altLang="en-DE" sz="2000" dirty="0"/>
+              <a:t>) </a:t>
+            </a:r>
+            <a:r>
+              <a:rPr lang="en-US" altLang="en-DE" sz="2000" dirty="0">
+                <a:sym typeface="Wingdings" panose="05000000000000000000" pitchFamily="2" charset="2"/>
               </a:rPr>
+              <a:t> Wind</a:t>
+            </a:r>
+            <a:r>
+              <a:rPr lang="en-US" altLang="en-DE" sz="2000" dirty="0"/>
               <a:t> </a:t>
             </a:r>
-            <a:endParaRPr kumimoji="0" lang="en-US" altLang="en-DE" sz="2400" b="0" i="0" u="none" strike="noStrike" cap="none" normalizeH="0" baseline="0" dirty="0">
-              <a:ln>
-                <a:noFill/>
-              </a:ln>
-              <a:solidFill>
-                <a:schemeClr val="tx1"/>
-              </a:solidFill>
-              <a:effectLst/>
-            </a:endParaRPr>
+            <a:r>
+              <a:rPr lang="en-DE" altLang="en-DE" sz="2000" dirty="0"/>
+              <a:t>production </a:t>
+            </a:r>
+            <a:r>
+              <a:rPr lang="en-US" altLang="en-DE" sz="2000" dirty="0"/>
+              <a:t>(</a:t>
+            </a:r>
+            <a:r>
+              <a:rPr lang="en-DE" altLang="en-DE" sz="2000" dirty="0"/>
+              <a:t>high</a:t>
+            </a:r>
+            <a:r>
+              <a:rPr lang="en-US" altLang="en-DE" sz="2000" dirty="0"/>
+              <a:t>)</a:t>
+            </a:r>
+            <a:endParaRPr lang="en-DE" altLang="en-DE" sz="2000" dirty="0"/>
           </a:p>
         </p:txBody>
       </p:sp>
@@ -9024,8 +9058,8 @@
         </p:blipFill>
         <p:spPr>
           <a:xfrm>
-            <a:off x="229098" y="3040354"/>
-            <a:ext cx="6304881" cy="2506449"/>
+            <a:off x="1484776" y="2636607"/>
+            <a:ext cx="8831126" cy="3510735"/>
           </a:xfrm>
           <a:prstGeom prst="rect">
             <a:avLst/>
@@ -9046,8 +9080,8 @@
         </p:nvSpPr>
         <p:spPr>
           <a:xfrm>
-            <a:off x="6882602" y="1861208"/>
-            <a:ext cx="5138420" cy="3600986"/>
+            <a:off x="6384290" y="1240156"/>
+            <a:ext cx="5807710" cy="1261884"/>
           </a:xfrm>
           <a:prstGeom prst="rect">
             <a:avLst/>
@@ -9059,168 +9093,6 @@
             <a:spAutoFit/>
           </a:bodyPr>
           <a:lstStyle/>
-          <a:p>
-            <a:pPr marL="342900" marR="0" lvl="0" indent="-342900" defTabSz="914400" rtl="0" eaLnBrk="0" fontAlgn="base" latinLnBrk="0" hangingPunct="0">
-              <a:lnSpc>
-                <a:spcPct val="150000"/>
-              </a:lnSpc>
-              <a:spcBef>
-                <a:spcPct val="0"/>
-              </a:spcBef>
-              <a:spcAft>
-                <a:spcPct val="0"/>
-              </a:spcAft>
-              <a:buClrTx/>
-              <a:buSzTx/>
-              <a:buFont typeface="Wingdings" panose="05000000000000000000" pitchFamily="2" charset="2"/>
-              <a:buChar char="Ø"/>
-              <a:tabLst/>
-            </a:pPr>
-            <a:r>
-              <a:rPr kumimoji="0" lang="en-DE" altLang="en-DE" sz="2400" b="0" i="0" u="none" strike="noStrike" cap="none" normalizeH="0" baseline="0" dirty="0">
-                <a:ln>
-                  <a:noFill/>
-                </a:ln>
-                <a:solidFill>
-                  <a:schemeClr val="tx1"/>
-                </a:solidFill>
-                <a:effectLst/>
-              </a:rPr>
-              <a:t>Electricity markets</a:t>
-            </a:r>
-            <a:r>
-              <a:rPr kumimoji="0" lang="en-US" altLang="en-DE" sz="2400" b="0" i="0" u="none" strike="noStrike" cap="none" normalizeH="0" baseline="0" dirty="0">
-                <a:ln>
-                  <a:noFill/>
-                </a:ln>
-                <a:solidFill>
-                  <a:schemeClr val="tx1"/>
-                </a:solidFill>
-                <a:effectLst/>
-              </a:rPr>
-              <a:t> (</a:t>
-            </a:r>
-            <a:r>
-              <a:rPr kumimoji="0" lang="en-DE" altLang="en-DE" sz="2400" b="0" i="0" u="none" strike="noStrike" cap="none" normalizeH="0" baseline="0" dirty="0">
-                <a:ln>
-                  <a:noFill/>
-                </a:ln>
-                <a:solidFill>
-                  <a:schemeClr val="tx1"/>
-                </a:solidFill>
-                <a:effectLst/>
-              </a:rPr>
-              <a:t>fluctuate</a:t>
-            </a:r>
-            <a:r>
-              <a:rPr kumimoji="0" lang="en-US" altLang="en-DE" sz="2400" b="0" i="0" u="none" strike="noStrike" cap="none" normalizeH="0" baseline="0" dirty="0">
-                <a:ln>
-                  <a:noFill/>
-                </a:ln>
-                <a:solidFill>
-                  <a:schemeClr val="tx1"/>
-                </a:solidFill>
-                <a:effectLst/>
-              </a:rPr>
-              <a:t>) </a:t>
-            </a:r>
-            <a:r>
-              <a:rPr kumimoji="0" lang="en-US" altLang="en-DE" sz="2400" b="0" i="0" u="none" strike="noStrike" cap="none" normalizeH="0" baseline="0" dirty="0">
-                <a:ln>
-                  <a:noFill/>
-                </a:ln>
-                <a:solidFill>
-                  <a:schemeClr val="tx1"/>
-                </a:solidFill>
-                <a:effectLst/>
-                <a:sym typeface="Wingdings" panose="05000000000000000000" pitchFamily="2" charset="2"/>
-              </a:rPr>
-              <a:t></a:t>
-            </a:r>
-            <a:r>
-              <a:rPr lang="en-US" altLang="en-DE" sz="2400" dirty="0">
-                <a:sym typeface="Wingdings" panose="05000000000000000000" pitchFamily="2" charset="2"/>
-              </a:rPr>
-              <a:t> Wind</a:t>
-            </a:r>
-            <a:r>
-              <a:rPr kumimoji="0" lang="en-US" altLang="en-DE" sz="2400" b="0" i="0" u="none" strike="noStrike" cap="none" normalizeH="0" baseline="0" dirty="0">
-                <a:ln>
-                  <a:noFill/>
-                </a:ln>
-                <a:solidFill>
-                  <a:schemeClr val="tx1"/>
-                </a:solidFill>
-                <a:effectLst/>
-              </a:rPr>
-              <a:t> </a:t>
-            </a:r>
-            <a:r>
-              <a:rPr kumimoji="0" lang="en-DE" altLang="en-DE" sz="2400" b="0" i="0" u="none" strike="noStrike" cap="none" normalizeH="0" baseline="0" dirty="0">
-                <a:ln>
-                  <a:noFill/>
-                </a:ln>
-                <a:solidFill>
-                  <a:schemeClr val="tx1"/>
-                </a:solidFill>
-                <a:effectLst/>
-              </a:rPr>
-              <a:t>production </a:t>
-            </a:r>
-            <a:r>
-              <a:rPr kumimoji="0" lang="en-US" altLang="en-DE" sz="2400" b="0" i="0" u="none" strike="noStrike" cap="none" normalizeH="0" baseline="0" dirty="0">
-                <a:ln>
-                  <a:noFill/>
-                </a:ln>
-                <a:solidFill>
-                  <a:schemeClr val="tx1"/>
-                </a:solidFill>
-                <a:effectLst/>
-              </a:rPr>
-              <a:t>(</a:t>
-            </a:r>
-            <a:r>
-              <a:rPr kumimoji="0" lang="en-DE" altLang="en-DE" sz="2400" b="0" i="0" u="none" strike="noStrike" cap="none" normalizeH="0" baseline="0" dirty="0">
-                <a:ln>
-                  <a:noFill/>
-                </a:ln>
-                <a:solidFill>
-                  <a:schemeClr val="tx1"/>
-                </a:solidFill>
-                <a:effectLst/>
-              </a:rPr>
-              <a:t>high</a:t>
-            </a:r>
-            <a:r>
-              <a:rPr lang="en-US" altLang="en-DE" sz="2400" dirty="0"/>
-              <a:t>)</a:t>
-            </a:r>
-          </a:p>
-          <a:p>
-            <a:pPr marR="0" lvl="0" defTabSz="914400" rtl="0" eaLnBrk="0" fontAlgn="base" latinLnBrk="0" hangingPunct="0">
-              <a:lnSpc>
-                <a:spcPct val="150000"/>
-              </a:lnSpc>
-              <a:spcBef>
-                <a:spcPct val="0"/>
-              </a:spcBef>
-              <a:spcAft>
-                <a:spcPct val="0"/>
-              </a:spcAft>
-              <a:buClrTx/>
-              <a:buSzTx/>
-              <a:tabLst/>
-            </a:pPr>
-            <a:endParaRPr kumimoji="0" lang="en-DE" altLang="en-DE" sz="2400" b="0" i="0" u="none" strike="noStrike" cap="none" normalizeH="0" baseline="0" dirty="0">
-              <a:ln>
-                <a:noFill/>
-              </a:ln>
-              <a:solidFill>
-                <a:schemeClr val="tx1"/>
-              </a:solidFill>
-              <a:effectLst/>
-            </a:endParaRPr>
-          </a:p>
           <a:p>
             <a:pPr marL="342900" marR="0" lvl="0" indent="-342900" defTabSz="914400" rtl="0" eaLnBrk="0" fontAlgn="base" latinLnBrk="0" hangingPunct="0">
               <a:spcBef>
@@ -9236,7 +9108,7 @@
               <a:tabLst/>
             </a:pPr>
             <a:r>
-              <a:rPr kumimoji="0" lang="en-DE" altLang="en-DE" sz="2400" b="0" i="0" u="none" strike="noStrike" cap="none" normalizeH="0" baseline="0" dirty="0">
+              <a:rPr kumimoji="0" lang="en-DE" altLang="en-DE" sz="2000" b="0" i="0" u="none" strike="noStrike" cap="none" normalizeH="0" baseline="0" dirty="0">
                 <a:ln>
                   <a:noFill/>
                 </a:ln>
@@ -9248,7 +9120,7 @@
               <a:t>Modern energy systems increasingly use </a:t>
             </a:r>
             <a:r>
-              <a:rPr kumimoji="0" lang="en-DE" altLang="en-DE" sz="2400" b="1" i="0" u="none" strike="noStrike" cap="none" normalizeH="0" baseline="0" dirty="0">
+              <a:rPr kumimoji="0" lang="en-DE" altLang="en-DE" sz="2000" b="1" i="0" u="none" strike="noStrike" cap="none" normalizeH="0" baseline="0" dirty="0">
                 <a:ln>
                   <a:noFill/>
                 </a:ln>
@@ -9260,7 +9132,7 @@
               <a:t>data</a:t>
             </a:r>
             <a:r>
-              <a:rPr kumimoji="0" lang="en-DE" altLang="en-DE" sz="2400" b="0" i="0" u="none" strike="noStrike" cap="none" normalizeH="0" baseline="0" dirty="0">
+              <a:rPr kumimoji="0" lang="en-DE" altLang="en-DE" sz="2000" b="0" i="0" u="none" strike="noStrike" cap="none" normalizeH="0" baseline="0" dirty="0">
                 <a:ln>
                   <a:noFill/>
                 </a:ln>
@@ -9272,7 +9144,7 @@
               <a:t> and </a:t>
             </a:r>
             <a:r>
-              <a:rPr kumimoji="0" lang="en-DE" altLang="en-DE" sz="2400" b="1" i="0" u="none" strike="noStrike" cap="none" normalizeH="0" baseline="0" dirty="0">
+              <a:rPr kumimoji="0" lang="en-DE" altLang="en-DE" sz="2000" b="1" i="0" u="none" strike="noStrike" cap="none" normalizeH="0" baseline="0" dirty="0">
                 <a:ln>
                   <a:noFill/>
                 </a:ln>
@@ -9284,7 +9156,7 @@
               <a:t>machine learning</a:t>
             </a:r>
             <a:r>
-              <a:rPr kumimoji="0" lang="en-US" altLang="en-DE" sz="2400" b="1" i="0" u="none" strike="noStrike" cap="none" normalizeH="0" baseline="0" dirty="0">
+              <a:rPr kumimoji="0" lang="en-US" altLang="en-DE" sz="2000" b="1" i="0" u="none" strike="noStrike" cap="none" normalizeH="0" baseline="0" dirty="0">
                 <a:ln>
                   <a:noFill/>
                 </a:ln>
@@ -9295,28 +9167,6 @@
               </a:rPr>
               <a:t>:</a:t>
             </a:r>
-          </a:p>
-          <a:p>
-            <a:pPr marR="0" lvl="0" defTabSz="914400" rtl="0" eaLnBrk="0" fontAlgn="base" latinLnBrk="0" hangingPunct="0">
-              <a:spcBef>
-                <a:spcPct val="0"/>
-              </a:spcBef>
-              <a:spcAft>
-                <a:spcPct val="0"/>
-              </a:spcAft>
-              <a:buClrTx/>
-              <a:buSzTx/>
-              <a:tabLst/>
-            </a:pPr>
-            <a:endParaRPr kumimoji="0" lang="en-US" altLang="en-DE" sz="2400" b="1" i="0" u="none" strike="noStrike" cap="none" normalizeH="0" baseline="0" dirty="0">
-              <a:ln>
-                <a:noFill/>
-              </a:ln>
-              <a:solidFill>
-                <a:schemeClr val="tx1"/>
-              </a:solidFill>
-              <a:effectLst/>
-            </a:endParaRPr>
           </a:p>
           <a:p>
             <a:pPr marL="800100" lvl="1" indent="-342900" eaLnBrk="0" fontAlgn="base" hangingPunct="0">
@@ -9330,7 +9180,7 @@
               <a:buChar char="•"/>
             </a:pPr>
             <a:r>
-              <a:rPr kumimoji="0" lang="en-DE" altLang="en-DE" sz="2400" b="0" i="0" u="none" strike="noStrike" cap="none" normalizeH="0" baseline="0" dirty="0">
+              <a:rPr kumimoji="0" lang="en-DE" altLang="en-DE" b="0" i="0" u="none" strike="noStrike" cap="none" normalizeH="0" baseline="0" dirty="0">
                 <a:ln>
                   <a:noFill/>
                 </a:ln>
@@ -9341,7 +9191,7 @@
               </a:rPr>
               <a:t>improve forecasting</a:t>
             </a:r>
-            <a:endParaRPr lang="en-US" altLang="en-DE" sz="2400" dirty="0"/>
+            <a:endParaRPr lang="en-US" altLang="en-DE" dirty="0"/>
           </a:p>
           <a:p>
             <a:pPr marL="800100" lvl="1" indent="-342900" eaLnBrk="0" fontAlgn="base" hangingPunct="0">
@@ -9355,7 +9205,7 @@
               <a:buChar char="•"/>
             </a:pPr>
             <a:r>
-              <a:rPr kumimoji="0" lang="en-DE" altLang="en-DE" sz="2400" b="0" i="0" u="none" strike="noStrike" cap="none" normalizeH="0" baseline="0" dirty="0">
+              <a:rPr kumimoji="0" lang="en-DE" altLang="en-DE" b="0" i="0" u="none" strike="noStrike" cap="none" normalizeH="0" baseline="0" dirty="0">
                 <a:ln>
                   <a:noFill/>
                 </a:ln>
@@ -9383,7 +9233,7 @@
         </p:nvSpPr>
         <p:spPr>
           <a:xfrm>
-            <a:off x="2143760" y="5606044"/>
+            <a:off x="5078730" y="6110128"/>
             <a:ext cx="2407920" cy="246221"/>
           </a:xfrm>
           <a:prstGeom prst="rect">
@@ -9786,10 +9636,5342 @@
           </a:p>
         </p:txBody>
       </p:sp>
+      <p:sp>
+        <p:nvSpPr>
+          <p:cNvPr id="4" name="Rectangle 1">
+            <a:extLst>
+              <a:ext uri="{FF2B5EF4-FFF2-40B4-BE49-F238E27FC236}">
+                <a16:creationId xmlns:a16="http://schemas.microsoft.com/office/drawing/2014/main" id="{2472D22C-3ED7-68F0-1F26-FFAB0530767E}"/>
+              </a:ext>
+            </a:extLst>
+          </p:cNvPr>
+          <p:cNvSpPr>
+            <a:spLocks noChangeArrowheads="1"/>
+          </p:cNvSpPr>
+          <p:nvPr/>
+        </p:nvSpPr>
+        <p:spPr bwMode="auto">
+          <a:xfrm>
+            <a:off x="176628" y="1307601"/>
+            <a:ext cx="3295526" cy="2814617"/>
+          </a:xfrm>
+          <a:prstGeom prst="rect">
+            <a:avLst/>
+          </a:prstGeom>
+          <a:noFill/>
+          <a:ln>
+            <a:noFill/>
+          </a:ln>
+          <a:effectLst/>
+          <a:extLst>
+            <a:ext uri="{909E8E84-426E-40DD-AFC4-6F175D3DCCD1}">
+              <a14:hiddenFill xmlns:a14="http://schemas.microsoft.com/office/drawing/2010/main">
+                <a:solidFill>
+                  <a:schemeClr val="accent1"/>
+                </a:solidFill>
+              </a14:hiddenFill>
+            </a:ext>
+            <a:ext uri="{91240B29-F687-4F45-9708-019B960494DF}">
+              <a14:hiddenLine xmlns:a14="http://schemas.microsoft.com/office/drawing/2010/main" w="9525">
+                <a:solidFill>
+                  <a:schemeClr val="tx1"/>
+                </a:solidFill>
+                <a:miter lim="800000"/>
+                <a:headEnd/>
+                <a:tailEnd/>
+              </a14:hiddenLine>
+            </a:ext>
+            <a:ext uri="{AF507438-7753-43E0-B8FC-AC1667EBCBE1}">
+              <a14:hiddenEffects xmlns:a14="http://schemas.microsoft.com/office/drawing/2010/main">
+                <a:effectLst>
+                  <a:outerShdw dist="35921" dir="2700000" algn="ctr" rotWithShape="0">
+                    <a:schemeClr val="bg2"/>
+                  </a:outerShdw>
+                </a:effectLst>
+              </a14:hiddenEffects>
+            </a:ext>
+          </a:extLst>
+        </p:spPr>
+        <p:txBody>
+          <a:bodyPr vert="horz" wrap="square" lIns="91440" tIns="45720" rIns="91440" bIns="45720" numCol="1" anchor="ctr" anchorCtr="0" compatLnSpc="1">
+            <a:prstTxWarp prst="textNoShape">
+              <a:avLst/>
+            </a:prstTxWarp>
+            <a:spAutoFit/>
+          </a:bodyPr>
+          <a:lstStyle/>
+          <a:p>
+            <a:pPr marL="342900" marR="0" lvl="0" indent="-342900" algn="l" defTabSz="914400" rtl="0" eaLnBrk="0" fontAlgn="base" latinLnBrk="0" hangingPunct="0">
+              <a:lnSpc>
+                <a:spcPct val="150000"/>
+              </a:lnSpc>
+              <a:spcBef>
+                <a:spcPct val="0"/>
+              </a:spcBef>
+              <a:spcAft>
+                <a:spcPct val="0"/>
+              </a:spcAft>
+              <a:buClrTx/>
+              <a:buSzTx/>
+              <a:buFont typeface="Wingdings" panose="05000000000000000000" pitchFamily="2" charset="2"/>
+              <a:buChar char="Ø"/>
+              <a:tabLst/>
+            </a:pPr>
+            <a:r>
+              <a:rPr kumimoji="0" lang="en-DE" altLang="en-DE" sz="2000" b="0" i="0" u="none" strike="noStrike" cap="none" normalizeH="0" baseline="0" dirty="0">
+                <a:ln>
+                  <a:noFill/>
+                </a:ln>
+                <a:solidFill>
+                  <a:schemeClr val="tx1"/>
+                </a:solidFill>
+                <a:effectLst/>
+              </a:rPr>
+              <a:t>Wind power output changes every hour → difficult to predict</a:t>
+            </a:r>
+          </a:p>
+          <a:p>
+            <a:pPr marL="342900" marR="0" lvl="0" indent="-342900" algn="l" defTabSz="914400" rtl="0" eaLnBrk="0" fontAlgn="base" latinLnBrk="0" hangingPunct="0">
+              <a:lnSpc>
+                <a:spcPct val="150000"/>
+              </a:lnSpc>
+              <a:spcBef>
+                <a:spcPct val="0"/>
+              </a:spcBef>
+              <a:spcAft>
+                <a:spcPct val="0"/>
+              </a:spcAft>
+              <a:buClrTx/>
+              <a:buSzTx/>
+              <a:buFont typeface="Wingdings" panose="05000000000000000000" pitchFamily="2" charset="2"/>
+              <a:buChar char="Ø"/>
+              <a:tabLst/>
+            </a:pPr>
+            <a:r>
+              <a:rPr kumimoji="0" lang="en-DE" altLang="en-DE" sz="2000" b="0" i="0" u="none" strike="noStrike" cap="none" normalizeH="0" baseline="0" dirty="0">
+                <a:ln>
+                  <a:noFill/>
+                </a:ln>
+                <a:solidFill>
+                  <a:schemeClr val="tx1"/>
+                </a:solidFill>
+                <a:effectLst/>
+              </a:rPr>
+              <a:t>Electricity prices fluctuate strongly → revenue is uncertain</a:t>
+            </a:r>
+          </a:p>
+        </p:txBody>
+      </p:sp>
+      <p:pic>
+        <p:nvPicPr>
+          <p:cNvPr id="13" name="Picture 12">
+            <a:extLst>
+              <a:ext uri="{FF2B5EF4-FFF2-40B4-BE49-F238E27FC236}">
+                <a16:creationId xmlns:a16="http://schemas.microsoft.com/office/drawing/2014/main" id="{A2FBAEA8-1C6B-A2C4-AE13-11F3C80A6CA3}"/>
+              </a:ext>
+            </a:extLst>
+          </p:cNvPr>
+          <p:cNvPicPr>
+            <a:picLocks noChangeAspect="1"/>
+          </p:cNvPicPr>
+          <p:nvPr/>
+        </p:nvPicPr>
+        <p:blipFill>
+          <a:blip r:embed="rId4"/>
+          <a:stretch>
+            <a:fillRect/>
+          </a:stretch>
+        </p:blipFill>
+        <p:spPr>
+          <a:xfrm>
+            <a:off x="3581400" y="1277765"/>
+            <a:ext cx="8488787" cy="3184423"/>
+          </a:xfrm>
+          <a:prstGeom prst="rect">
+            <a:avLst/>
+          </a:prstGeom>
+        </p:spPr>
+      </p:pic>
+      <p:sp>
+        <p:nvSpPr>
+          <p:cNvPr id="15" name="TextBox 14">
+            <a:extLst>
+              <a:ext uri="{FF2B5EF4-FFF2-40B4-BE49-F238E27FC236}">
+                <a16:creationId xmlns:a16="http://schemas.microsoft.com/office/drawing/2014/main" id="{CD14CE10-4B65-C8EB-F77D-8797F06A0355}"/>
+              </a:ext>
+            </a:extLst>
+          </p:cNvPr>
+          <p:cNvSpPr txBox="1"/>
+          <p:nvPr/>
+        </p:nvSpPr>
+        <p:spPr>
+          <a:xfrm>
+            <a:off x="176628" y="4694458"/>
+            <a:ext cx="9052830" cy="1429622"/>
+          </a:xfrm>
+          <a:prstGeom prst="rect">
+            <a:avLst/>
+          </a:prstGeom>
+          <a:noFill/>
+        </p:spPr>
+        <p:txBody>
+          <a:bodyPr wrap="square">
+            <a:spAutoFit/>
+          </a:bodyPr>
+          <a:lstStyle/>
+          <a:p>
+            <a:pPr marL="342900" marR="0" lvl="0" indent="-342900" algn="l" defTabSz="914400" rtl="0" eaLnBrk="0" fontAlgn="base" latinLnBrk="0" hangingPunct="0">
+              <a:lnSpc>
+                <a:spcPct val="150000"/>
+              </a:lnSpc>
+              <a:spcBef>
+                <a:spcPct val="0"/>
+              </a:spcBef>
+              <a:spcAft>
+                <a:spcPct val="0"/>
+              </a:spcAft>
+              <a:buClrTx/>
+              <a:buSzTx/>
+              <a:buFont typeface="Wingdings" panose="05000000000000000000" pitchFamily="2" charset="2"/>
+              <a:buChar char="Ø"/>
+              <a:tabLst/>
+            </a:pPr>
+            <a:r>
+              <a:rPr kumimoji="0" lang="en-DE" altLang="en-DE" sz="2000" b="0" i="0" u="none" strike="noStrike" cap="none" normalizeH="0" baseline="0" dirty="0">
+                <a:ln>
+                  <a:noFill/>
+                </a:ln>
+                <a:solidFill>
+                  <a:schemeClr val="tx1"/>
+                </a:solidFill>
+                <a:effectLst/>
+              </a:rPr>
+              <a:t>Selling at the wrong time reduces profit for wind‑farm operators</a:t>
+            </a:r>
+          </a:p>
+          <a:p>
+            <a:pPr marL="342900" marR="0" lvl="0" indent="-342900" algn="l" defTabSz="914400" rtl="0" eaLnBrk="0" fontAlgn="base" latinLnBrk="0" hangingPunct="0">
+              <a:lnSpc>
+                <a:spcPct val="150000"/>
+              </a:lnSpc>
+              <a:spcBef>
+                <a:spcPct val="0"/>
+              </a:spcBef>
+              <a:spcAft>
+                <a:spcPct val="0"/>
+              </a:spcAft>
+              <a:buClrTx/>
+              <a:buSzTx/>
+              <a:buFont typeface="Wingdings" panose="05000000000000000000" pitchFamily="2" charset="2"/>
+              <a:buChar char="Ø"/>
+              <a:tabLst/>
+            </a:pPr>
+            <a:r>
+              <a:rPr kumimoji="0" lang="en-DE" altLang="en-DE" sz="2000" b="0" i="0" u="none" strike="noStrike" cap="none" normalizeH="0" baseline="0" dirty="0">
+                <a:ln>
+                  <a:noFill/>
+                </a:ln>
+                <a:solidFill>
+                  <a:schemeClr val="tx1"/>
+                </a:solidFill>
+                <a:effectLst/>
+              </a:rPr>
+              <a:t>Hard to know when storing energy will be more profitable than selling</a:t>
+            </a:r>
+          </a:p>
+          <a:p>
+            <a:pPr marL="342900" marR="0" lvl="0" indent="-342900" algn="l" defTabSz="914400" rtl="0" eaLnBrk="0" fontAlgn="base" latinLnBrk="0" hangingPunct="0">
+              <a:lnSpc>
+                <a:spcPct val="150000"/>
+              </a:lnSpc>
+              <a:spcBef>
+                <a:spcPct val="0"/>
+              </a:spcBef>
+              <a:spcAft>
+                <a:spcPct val="0"/>
+              </a:spcAft>
+              <a:buClrTx/>
+              <a:buSzTx/>
+              <a:buFont typeface="Wingdings" panose="05000000000000000000" pitchFamily="2" charset="2"/>
+              <a:buChar char="Ø"/>
+              <a:tabLst/>
+            </a:pPr>
+            <a:r>
+              <a:rPr kumimoji="0" lang="en-DE" altLang="en-DE" sz="2000" b="0" i="0" u="none" strike="noStrike" cap="none" normalizeH="0" baseline="0" dirty="0">
+                <a:ln>
+                  <a:noFill/>
+                </a:ln>
+                <a:solidFill>
+                  <a:schemeClr val="tx1"/>
+                </a:solidFill>
+                <a:effectLst/>
+              </a:rPr>
+              <a:t>A </a:t>
+            </a:r>
+            <a:r>
+              <a:rPr kumimoji="0" lang="en-DE" altLang="en-DE" sz="2000" b="1" i="0" u="none" strike="noStrike" cap="none" normalizeH="0" baseline="0" dirty="0">
+                <a:ln>
+                  <a:noFill/>
+                </a:ln>
+                <a:solidFill>
+                  <a:schemeClr val="tx1"/>
+                </a:solidFill>
+                <a:effectLst/>
+              </a:rPr>
+              <a:t>data‑driven ML model</a:t>
+            </a:r>
+            <a:r>
+              <a:rPr kumimoji="0" lang="en-DE" altLang="en-DE" sz="2000" b="0" i="0" u="none" strike="noStrike" cap="none" normalizeH="0" baseline="0" dirty="0">
+                <a:ln>
+                  <a:noFill/>
+                </a:ln>
+                <a:solidFill>
+                  <a:schemeClr val="tx1"/>
+                </a:solidFill>
+                <a:effectLst/>
+              </a:rPr>
+              <a:t> is needed to support STORE vs SELL decisions</a:t>
+            </a:r>
+          </a:p>
+        </p:txBody>
+      </p:sp>
+      <p:sp>
+        <p:nvSpPr>
+          <p:cNvPr id="20" name="TextBox 19">
+            <a:extLst>
+              <a:ext uri="{FF2B5EF4-FFF2-40B4-BE49-F238E27FC236}">
+                <a16:creationId xmlns:a16="http://schemas.microsoft.com/office/drawing/2014/main" id="{6ED82A6A-E43D-7D46-91A2-9475D0E9A466}"/>
+              </a:ext>
+            </a:extLst>
+          </p:cNvPr>
+          <p:cNvSpPr txBox="1"/>
+          <p:nvPr/>
+        </p:nvSpPr>
+        <p:spPr>
+          <a:xfrm>
+            <a:off x="6077465" y="4436096"/>
+            <a:ext cx="4815840" cy="276999"/>
+          </a:xfrm>
+          <a:prstGeom prst="rect">
+            <a:avLst/>
+          </a:prstGeom>
+          <a:noFill/>
+        </p:spPr>
+        <p:txBody>
+          <a:bodyPr wrap="square" rtlCol="0">
+            <a:spAutoFit/>
+          </a:bodyPr>
+          <a:lstStyle/>
+          <a:p>
+            <a:r>
+              <a:rPr lang="en-US" sz="1200" dirty="0"/>
+              <a:t>Fig 2.1: Day Vs Power generation (MW) </a:t>
+            </a:r>
+            <a:r>
+              <a:rPr lang="en-US" sz="1200" u="sng" dirty="0">
+                <a:solidFill>
+                  <a:schemeClr val="accent1"/>
+                </a:solidFill>
+              </a:rPr>
+              <a:t>(</a:t>
+            </a:r>
+            <a:r>
+              <a:rPr lang="en-US" sz="1200" u="sng" dirty="0">
+                <a:solidFill>
+                  <a:schemeClr val="accent1"/>
+                </a:solidFill>
+                <a:hlinkClick r:id="rId5">
+                  <a:extLst>
+                    <a:ext uri="{A12FA001-AC4F-418D-AE19-62706E023703}">
+                      <ahyp:hlinkClr xmlns:ahyp="http://schemas.microsoft.com/office/drawing/2018/hyperlinkcolor" val="tx"/>
+                    </a:ext>
+                  </a:extLst>
+                </a:hlinkClick>
+              </a:rPr>
+              <a:t>Own)</a:t>
+            </a:r>
+            <a:r>
+              <a:rPr lang="en-US" sz="1000" u="sng" dirty="0">
+                <a:solidFill>
+                  <a:schemeClr val="accent1"/>
+                </a:solidFill>
+                <a:hlinkClick r:id="rId5">
+                  <a:extLst>
+                    <a:ext uri="{A12FA001-AC4F-418D-AE19-62706E023703}">
+                      <ahyp:hlinkClr xmlns:ahyp="http://schemas.microsoft.com/office/drawing/2018/hyperlinkcolor" val="tx"/>
+                    </a:ext>
+                  </a:extLst>
+                </a:hlinkClick>
+              </a:rPr>
+              <a:t>.</a:t>
+            </a:r>
+            <a:endParaRPr lang="en-DE" sz="1000" u="sng" dirty="0">
+              <a:solidFill>
+                <a:schemeClr val="accent1"/>
+              </a:solidFill>
+            </a:endParaRPr>
+          </a:p>
+        </p:txBody>
+      </p:sp>
     </p:spTree>
     <p:extLst>
       <p:ext uri="{BB962C8B-B14F-4D97-AF65-F5344CB8AC3E}">
         <p14:creationId xmlns:p14="http://schemas.microsoft.com/office/powerpoint/2010/main" val="2476490756"/>
+      </p:ext>
+    </p:extLst>
+  </p:cSld>
+  <p:clrMapOvr>
+    <a:masterClrMapping/>
+  </p:clrMapOvr>
+</p:sld>
+</file>
+
+<file path=ppt/slides/slide5.xml><?xml version="1.0" encoding="utf-8"?>
+<p:sld xmlns:a="http://schemas.openxmlformats.org/drawingml/2006/main" xmlns:r="http://schemas.openxmlformats.org/officeDocument/2006/relationships" xmlns:p="http://schemas.openxmlformats.org/presentationml/2006/main">
+  <p:cSld>
+    <p:spTree>
+      <p:nvGrpSpPr>
+        <p:cNvPr id="1" name="">
+          <a:extLst>
+            <a:ext uri="{FF2B5EF4-FFF2-40B4-BE49-F238E27FC236}">
+              <a16:creationId xmlns:a16="http://schemas.microsoft.com/office/drawing/2014/main" id="{F1956B9D-E4E8-6AD3-EDC1-677ECE9B16E8}"/>
+            </a:ext>
+          </a:extLst>
+        </p:cNvPr>
+        <p:cNvGrpSpPr/>
+        <p:nvPr/>
+      </p:nvGrpSpPr>
+      <p:grpSpPr>
+        <a:xfrm>
+          <a:off x="0" y="0"/>
+          <a:ext cx="0" cy="0"/>
+          <a:chOff x="0" y="0"/>
+          <a:chExt cx="0" cy="0"/>
+        </a:xfrm>
+      </p:grpSpPr>
+      <p:sp>
+        <p:nvSpPr>
+          <p:cNvPr id="2" name="Title 1">
+            <a:extLst>
+              <a:ext uri="{FF2B5EF4-FFF2-40B4-BE49-F238E27FC236}">
+                <a16:creationId xmlns:a16="http://schemas.microsoft.com/office/drawing/2014/main" id="{AA7F0B0D-8D95-7191-FD40-4E436B625C20}"/>
+              </a:ext>
+            </a:extLst>
+          </p:cNvPr>
+          <p:cNvSpPr>
+            <a:spLocks noGrp="1"/>
+          </p:cNvSpPr>
+          <p:nvPr>
+            <p:ph type="title"/>
+          </p:nvPr>
+        </p:nvSpPr>
+        <p:spPr>
+          <a:xfrm>
+            <a:off x="819665" y="235576"/>
+            <a:ext cx="10515600" cy="839755"/>
+          </a:xfrm>
+        </p:spPr>
+        <p:txBody>
+          <a:bodyPr>
+            <a:normAutofit/>
+          </a:bodyPr>
+          <a:lstStyle/>
+          <a:p>
+            <a:pPr algn="ctr"/>
+            <a:r>
+              <a:rPr lang="en-GB" b="1" dirty="0">
+                <a:solidFill>
+                  <a:schemeClr val="accent2">
+                    <a:lumMod val="50000"/>
+                  </a:schemeClr>
+                </a:solidFill>
+              </a:rPr>
+              <a:t>3. Data and Preprocessing</a:t>
+            </a:r>
+            <a:endParaRPr lang="en-IN" b="1" dirty="0">
+              <a:solidFill>
+                <a:schemeClr val="accent2">
+                  <a:lumMod val="50000"/>
+                </a:schemeClr>
+              </a:solidFill>
+            </a:endParaRPr>
+          </a:p>
+        </p:txBody>
+      </p:sp>
+      <p:pic>
+        <p:nvPicPr>
+          <p:cNvPr id="7" name="Picture 6">
+            <a:extLst>
+              <a:ext uri="{FF2B5EF4-FFF2-40B4-BE49-F238E27FC236}">
+                <a16:creationId xmlns:a16="http://schemas.microsoft.com/office/drawing/2014/main" id="{928E7B8B-24EF-A5F8-CEE1-8310DE930E01}"/>
+              </a:ext>
+            </a:extLst>
+          </p:cNvPr>
+          <p:cNvPicPr>
+            <a:picLocks noChangeAspect="1"/>
+          </p:cNvPicPr>
+          <p:nvPr/>
+        </p:nvPicPr>
+        <p:blipFill>
+          <a:blip r:embed="rId2">
+            <a:extLst>
+              <a:ext uri="{28A0092B-C50C-407E-A947-70E740481C1C}">
+                <a14:useLocalDpi xmlns:a14="http://schemas.microsoft.com/office/drawing/2010/main" val="0"/>
+              </a:ext>
+            </a:extLst>
+          </a:blip>
+          <a:srcRect/>
+          <a:stretch/>
+        </p:blipFill>
+        <p:spPr>
+          <a:xfrm>
+            <a:off x="229098" y="-104177"/>
+            <a:ext cx="2511357" cy="1412637"/>
+          </a:xfrm>
+          <a:prstGeom prst="rect">
+            <a:avLst/>
+          </a:prstGeom>
+        </p:spPr>
+      </p:pic>
+      <p:sp>
+        <p:nvSpPr>
+          <p:cNvPr id="6" name="Rectangle 5">
+            <a:extLst>
+              <a:ext uri="{FF2B5EF4-FFF2-40B4-BE49-F238E27FC236}">
+                <a16:creationId xmlns:a16="http://schemas.microsoft.com/office/drawing/2014/main" id="{E7331460-B780-1483-7890-88FD81121B0A}"/>
+              </a:ext>
+            </a:extLst>
+          </p:cNvPr>
+          <p:cNvSpPr/>
+          <p:nvPr/>
+        </p:nvSpPr>
+        <p:spPr>
+          <a:xfrm>
+            <a:off x="0" y="6356350"/>
+            <a:ext cx="12192000" cy="501650"/>
+          </a:xfrm>
+          <a:prstGeom prst="rect">
+            <a:avLst/>
+          </a:prstGeom>
+          <a:solidFill>
+            <a:schemeClr val="accent1">
+              <a:lumMod val="60000"/>
+              <a:lumOff val="40000"/>
+            </a:schemeClr>
+          </a:solidFill>
+        </p:spPr>
+        <p:style>
+          <a:lnRef idx="2">
+            <a:schemeClr val="accent1">
+              <a:shade val="15000"/>
+            </a:schemeClr>
+          </a:lnRef>
+          <a:fillRef idx="1">
+            <a:schemeClr val="accent1"/>
+          </a:fillRef>
+          <a:effectRef idx="0">
+            <a:schemeClr val="accent1"/>
+          </a:effectRef>
+          <a:fontRef idx="minor">
+            <a:schemeClr val="lt1"/>
+          </a:fontRef>
+        </p:style>
+        <p:txBody>
+          <a:bodyPr rtlCol="0" anchor="ctr"/>
+          <a:lstStyle/>
+          <a:p>
+            <a:pPr algn="ctr"/>
+            <a:endParaRPr lang="LID4096"/>
+          </a:p>
+        </p:txBody>
+      </p:sp>
+      <p:cxnSp>
+        <p:nvCxnSpPr>
+          <p:cNvPr id="5" name="Straight Connector 4">
+            <a:extLst>
+              <a:ext uri="{FF2B5EF4-FFF2-40B4-BE49-F238E27FC236}">
+                <a16:creationId xmlns:a16="http://schemas.microsoft.com/office/drawing/2014/main" id="{DEE0E1E4-C63F-9EBD-CCB2-39D5C23AFB89}"/>
+              </a:ext>
+            </a:extLst>
+          </p:cNvPr>
+          <p:cNvCxnSpPr>
+            <a:cxnSpLocks/>
+          </p:cNvCxnSpPr>
+          <p:nvPr/>
+        </p:nvCxnSpPr>
+        <p:spPr>
+          <a:xfrm>
+            <a:off x="0" y="1183609"/>
+            <a:ext cx="12192000" cy="0"/>
+          </a:xfrm>
+          <a:prstGeom prst="line">
+            <a:avLst/>
+          </a:prstGeom>
+          <a:ln>
+            <a:solidFill>
+              <a:schemeClr val="accent1">
+                <a:lumMod val="60000"/>
+                <a:lumOff val="40000"/>
+              </a:schemeClr>
+            </a:solidFill>
+          </a:ln>
+        </p:spPr>
+        <p:style>
+          <a:lnRef idx="1">
+            <a:schemeClr val="accent1"/>
+          </a:lnRef>
+          <a:fillRef idx="0">
+            <a:schemeClr val="accent1"/>
+          </a:fillRef>
+          <a:effectRef idx="0">
+            <a:schemeClr val="accent1"/>
+          </a:effectRef>
+          <a:fontRef idx="minor">
+            <a:schemeClr val="tx1"/>
+          </a:fontRef>
+        </p:style>
+      </p:cxnSp>
+      <p:sp>
+        <p:nvSpPr>
+          <p:cNvPr id="17" name="Date Placeholder 16">
+            <a:extLst>
+              <a:ext uri="{FF2B5EF4-FFF2-40B4-BE49-F238E27FC236}">
+                <a16:creationId xmlns:a16="http://schemas.microsoft.com/office/drawing/2014/main" id="{9F724A00-5956-B4B5-E284-226F59D4AE26}"/>
+              </a:ext>
+            </a:extLst>
+          </p:cNvPr>
+          <p:cNvSpPr>
+            <a:spLocks noGrp="1"/>
+          </p:cNvSpPr>
+          <p:nvPr>
+            <p:ph type="dt" sz="half" idx="10"/>
+          </p:nvPr>
+        </p:nvSpPr>
+        <p:spPr/>
+        <p:txBody>
+          <a:bodyPr/>
+          <a:lstStyle/>
+          <a:p>
+            <a:fld id="{036257E0-A100-4250-97F9-3E5E02DD86B0}" type="datetime1">
+              <a:rPr lang="en-IN" smtClean="0">
+                <a:solidFill>
+                  <a:schemeClr val="tx1"/>
+                </a:solidFill>
+              </a:rPr>
+              <a:t>25-12-2025</a:t>
+            </a:fld>
+            <a:endParaRPr lang="en-IN" dirty="0">
+              <a:solidFill>
+                <a:schemeClr val="tx1"/>
+              </a:solidFill>
+            </a:endParaRPr>
+          </a:p>
+        </p:txBody>
+      </p:sp>
+      <p:sp>
+        <p:nvSpPr>
+          <p:cNvPr id="18" name="Slide Number Placeholder 17">
+            <a:extLst>
+              <a:ext uri="{FF2B5EF4-FFF2-40B4-BE49-F238E27FC236}">
+                <a16:creationId xmlns:a16="http://schemas.microsoft.com/office/drawing/2014/main" id="{97495ED1-1C1F-9178-CB4A-7F1F13502A18}"/>
+              </a:ext>
+            </a:extLst>
+          </p:cNvPr>
+          <p:cNvSpPr>
+            <a:spLocks noGrp="1"/>
+          </p:cNvSpPr>
+          <p:nvPr>
+            <p:ph type="sldNum" sz="quarter" idx="12"/>
+          </p:nvPr>
+        </p:nvSpPr>
+        <p:spPr/>
+        <p:txBody>
+          <a:bodyPr/>
+          <a:lstStyle/>
+          <a:p>
+            <a:fld id="{E7687761-FC87-4A57-BD27-270B4C7228C2}" type="slidenum">
+              <a:rPr lang="en-IN" smtClean="0">
+                <a:solidFill>
+                  <a:schemeClr val="tx1"/>
+                </a:solidFill>
+              </a:rPr>
+              <a:t>5</a:t>
+            </a:fld>
+            <a:endParaRPr lang="en-IN" dirty="0">
+              <a:solidFill>
+                <a:schemeClr val="tx1"/>
+              </a:solidFill>
+            </a:endParaRPr>
+          </a:p>
+        </p:txBody>
+      </p:sp>
+      <p:pic>
+        <p:nvPicPr>
+          <p:cNvPr id="10" name="Picture 9">
+            <a:extLst>
+              <a:ext uri="{FF2B5EF4-FFF2-40B4-BE49-F238E27FC236}">
+                <a16:creationId xmlns:a16="http://schemas.microsoft.com/office/drawing/2014/main" id="{CE6BF284-5890-E915-CC5D-B4CDE761970F}"/>
+              </a:ext>
+            </a:extLst>
+          </p:cNvPr>
+          <p:cNvPicPr>
+            <a:picLocks noChangeAspect="1"/>
+          </p:cNvPicPr>
+          <p:nvPr/>
+        </p:nvPicPr>
+        <p:blipFill>
+          <a:blip r:embed="rId3">
+            <a:extLst>
+              <a:ext uri="{28A0092B-C50C-407E-A947-70E740481C1C}">
+                <a14:useLocalDpi xmlns:a14="http://schemas.microsoft.com/office/drawing/2010/main" val="0"/>
+              </a:ext>
+            </a:extLst>
+          </a:blip>
+          <a:srcRect/>
+          <a:stretch/>
+        </p:blipFill>
+        <p:spPr>
+          <a:xfrm>
+            <a:off x="10180973" y="31395"/>
+            <a:ext cx="1904503" cy="1058057"/>
+          </a:xfrm>
+          <a:prstGeom prst="rect">
+            <a:avLst/>
+          </a:prstGeom>
+        </p:spPr>
+      </p:pic>
+      <p:sp>
+        <p:nvSpPr>
+          <p:cNvPr id="11" name="Footer Placeholder 1">
+            <a:extLst>
+              <a:ext uri="{FF2B5EF4-FFF2-40B4-BE49-F238E27FC236}">
+                <a16:creationId xmlns:a16="http://schemas.microsoft.com/office/drawing/2014/main" id="{7BC0B0A6-B864-F840-F2CC-C6E16F2C80A5}"/>
+              </a:ext>
+            </a:extLst>
+          </p:cNvPr>
+          <p:cNvSpPr>
+            <a:spLocks noGrp="1"/>
+          </p:cNvSpPr>
+          <p:nvPr>
+            <p:ph type="ftr" sz="quarter" idx="11"/>
+          </p:nvPr>
+        </p:nvSpPr>
+        <p:spPr>
+          <a:xfrm>
+            <a:off x="3014980" y="6472294"/>
+            <a:ext cx="6162040" cy="269761"/>
+          </a:xfrm>
+        </p:spPr>
+        <p:txBody>
+          <a:bodyPr/>
+          <a:lstStyle/>
+          <a:p>
+            <a:r>
+              <a:rPr lang="en-US" b="1" dirty="0">
+                <a:solidFill>
+                  <a:schemeClr val="tx1"/>
+                </a:solidFill>
+              </a:rPr>
+              <a:t>Power Prediction and Energy Arbitrage Modeling for Wind Farms Using ML</a:t>
+            </a:r>
+            <a:endParaRPr lang="en-IN" dirty="0">
+              <a:solidFill>
+                <a:schemeClr val="tx1"/>
+              </a:solidFill>
+            </a:endParaRPr>
+          </a:p>
+        </p:txBody>
+      </p:sp>
+      <p:sp>
+        <p:nvSpPr>
+          <p:cNvPr id="12" name="TextBox 11">
+            <a:extLst>
+              <a:ext uri="{FF2B5EF4-FFF2-40B4-BE49-F238E27FC236}">
+                <a16:creationId xmlns:a16="http://schemas.microsoft.com/office/drawing/2014/main" id="{36C21595-AC88-1411-6729-3D538F539813}"/>
+              </a:ext>
+            </a:extLst>
+          </p:cNvPr>
+          <p:cNvSpPr txBox="1"/>
+          <p:nvPr/>
+        </p:nvSpPr>
+        <p:spPr>
+          <a:xfrm>
+            <a:off x="229098" y="1308460"/>
+            <a:ext cx="4861062" cy="3183949"/>
+          </a:xfrm>
+          <a:prstGeom prst="rect">
+            <a:avLst/>
+          </a:prstGeom>
+          <a:noFill/>
+        </p:spPr>
+        <p:txBody>
+          <a:bodyPr wrap="square">
+            <a:spAutoFit/>
+          </a:bodyPr>
+          <a:lstStyle/>
+          <a:p>
+            <a:pPr marL="342900" indent="-342900">
+              <a:buAutoNum type="arabicPeriod"/>
+            </a:pPr>
+            <a:r>
+              <a:rPr lang="en-US" sz="2400" b="1" dirty="0">
+                <a:effectLst/>
+              </a:rPr>
+              <a:t>Wind Data (ERA5):</a:t>
+            </a:r>
+          </a:p>
+          <a:p>
+            <a:pPr marL="342900" indent="-342900">
+              <a:lnSpc>
+                <a:spcPct val="150000"/>
+              </a:lnSpc>
+              <a:buFont typeface="Wingdings" panose="05000000000000000000" pitchFamily="2" charset="2"/>
+              <a:buChar char="Ø"/>
+            </a:pPr>
+            <a:r>
+              <a:rPr lang="en-US" sz="2000" b="1" dirty="0"/>
+              <a:t>Reference: </a:t>
+            </a:r>
+            <a:endParaRPr lang="en-US" sz="2000" b="1" dirty="0">
+              <a:effectLst/>
+            </a:endParaRPr>
+          </a:p>
+          <a:p>
+            <a:pPr marL="342900" indent="-342900">
+              <a:lnSpc>
+                <a:spcPct val="150000"/>
+              </a:lnSpc>
+              <a:buFont typeface="Wingdings" panose="05000000000000000000" pitchFamily="2" charset="2"/>
+              <a:buChar char="Ø"/>
+            </a:pPr>
+            <a:r>
+              <a:rPr lang="en-US" sz="2000" dirty="0">
+                <a:effectLst/>
+              </a:rPr>
+              <a:t>Used ERA5 reanalysis dataset for wind components (</a:t>
+            </a:r>
+            <a:r>
+              <a:rPr lang="en-US" sz="2000" b="1" dirty="0">
+                <a:effectLst/>
+              </a:rPr>
+              <a:t>u100</a:t>
+            </a:r>
+            <a:r>
+              <a:rPr lang="en-US" sz="2000" dirty="0">
+                <a:effectLst/>
+              </a:rPr>
+              <a:t>, </a:t>
+            </a:r>
+            <a:r>
+              <a:rPr lang="en-US" sz="2000" b="1" dirty="0">
+                <a:effectLst/>
+              </a:rPr>
+              <a:t>v100</a:t>
+            </a:r>
+            <a:r>
+              <a:rPr lang="en-US" sz="2000" dirty="0">
+                <a:effectLst/>
+              </a:rPr>
+              <a:t>)</a:t>
+            </a:r>
+          </a:p>
+          <a:p>
+            <a:pPr marL="342900" indent="-342900">
+              <a:lnSpc>
+                <a:spcPct val="150000"/>
+              </a:lnSpc>
+              <a:buFont typeface="Wingdings" panose="05000000000000000000" pitchFamily="2" charset="2"/>
+              <a:buChar char="Ø"/>
+            </a:pPr>
+            <a:r>
+              <a:rPr lang="en-US" sz="2000" dirty="0">
+                <a:effectLst/>
+              </a:rPr>
+              <a:t>Calculated wind speed at </a:t>
+            </a:r>
+            <a:r>
+              <a:rPr lang="en-US" sz="2000" b="1" dirty="0">
+                <a:effectLst/>
+              </a:rPr>
+              <a:t>100m</a:t>
+            </a:r>
+            <a:endParaRPr lang="en-US" sz="2000" dirty="0">
+              <a:effectLst/>
+            </a:endParaRPr>
+          </a:p>
+          <a:p>
+            <a:pPr marL="342900" indent="-342900">
+              <a:lnSpc>
+                <a:spcPct val="150000"/>
+              </a:lnSpc>
+              <a:buFont typeface="Wingdings" panose="05000000000000000000" pitchFamily="2" charset="2"/>
+              <a:buChar char="Ø"/>
+            </a:pPr>
+            <a:r>
+              <a:rPr lang="en-US" sz="2000" dirty="0">
+                <a:effectLst/>
+              </a:rPr>
+              <a:t>Converted to a clean CSV file </a:t>
+            </a:r>
+            <a:r>
+              <a:rPr lang="en-US" sz="2000" b="1" dirty="0">
+                <a:effectLst/>
+              </a:rPr>
+              <a:t>(wind_speed.csv)</a:t>
+            </a:r>
+          </a:p>
+        </p:txBody>
+      </p:sp>
+      <p:sp>
+        <p:nvSpPr>
+          <p:cNvPr id="16" name="TextBox 15">
+            <a:extLst>
+              <a:ext uri="{FF2B5EF4-FFF2-40B4-BE49-F238E27FC236}">
+                <a16:creationId xmlns:a16="http://schemas.microsoft.com/office/drawing/2014/main" id="{50488FEA-317D-D4BD-84D7-9609D8E004DF}"/>
+              </a:ext>
+            </a:extLst>
+          </p:cNvPr>
+          <p:cNvSpPr txBox="1"/>
+          <p:nvPr/>
+        </p:nvSpPr>
+        <p:spPr>
+          <a:xfrm>
+            <a:off x="5090160" y="1214302"/>
+            <a:ext cx="6776720" cy="1798954"/>
+          </a:xfrm>
+          <a:prstGeom prst="rect">
+            <a:avLst/>
+          </a:prstGeom>
+          <a:noFill/>
+        </p:spPr>
+        <p:txBody>
+          <a:bodyPr wrap="square">
+            <a:spAutoFit/>
+          </a:bodyPr>
+          <a:lstStyle/>
+          <a:p>
+            <a:pPr>
+              <a:buNone/>
+            </a:pPr>
+            <a:r>
+              <a:rPr lang="en-US" sz="2400" b="1" dirty="0">
+                <a:effectLst/>
+              </a:rPr>
+              <a:t>2. Electricity Price Data:</a:t>
+            </a:r>
+          </a:p>
+          <a:p>
+            <a:pPr marL="342900" indent="-342900">
+              <a:lnSpc>
+                <a:spcPct val="150000"/>
+              </a:lnSpc>
+              <a:buFont typeface="Wingdings" panose="05000000000000000000" pitchFamily="2" charset="2"/>
+              <a:buChar char="Ø"/>
+            </a:pPr>
+            <a:r>
+              <a:rPr lang="en-US" sz="2000" b="1" dirty="0">
+                <a:effectLst/>
+              </a:rPr>
+              <a:t>Reference:</a:t>
+            </a:r>
+          </a:p>
+          <a:p>
+            <a:pPr marL="342900" indent="-342900">
+              <a:lnSpc>
+                <a:spcPct val="150000"/>
+              </a:lnSpc>
+              <a:buFont typeface="Wingdings" panose="05000000000000000000" pitchFamily="2" charset="2"/>
+              <a:buChar char="Ø"/>
+            </a:pPr>
+            <a:r>
+              <a:rPr lang="en-US" sz="2000" dirty="0">
+                <a:effectLst/>
+              </a:rPr>
+              <a:t>Imported </a:t>
+            </a:r>
+            <a:r>
+              <a:rPr lang="en-US" sz="2000" b="1" dirty="0"/>
+              <a:t>sport</a:t>
+            </a:r>
+            <a:r>
+              <a:rPr lang="en-US" sz="2000" b="1" dirty="0">
+                <a:effectLst/>
+              </a:rPr>
+              <a:t> market prices</a:t>
+            </a:r>
+            <a:r>
+              <a:rPr lang="en-US" sz="2000" dirty="0">
+                <a:effectLst/>
+              </a:rPr>
+              <a:t> (</a:t>
+            </a:r>
+            <a:r>
+              <a:rPr lang="en-US" sz="2000" dirty="0"/>
+              <a:t>EUR/MW</a:t>
+            </a:r>
+            <a:r>
+              <a:rPr lang="en-US" sz="2000" dirty="0">
+                <a:effectLst/>
+              </a:rPr>
+              <a:t>)</a:t>
+            </a:r>
+          </a:p>
+          <a:p>
+            <a:pPr marL="342900" indent="-342900">
+              <a:lnSpc>
+                <a:spcPct val="150000"/>
+              </a:lnSpc>
+              <a:buFont typeface="Wingdings" panose="05000000000000000000" pitchFamily="2" charset="2"/>
+              <a:buChar char="Ø"/>
+            </a:pPr>
+            <a:r>
+              <a:rPr lang="en-US" sz="2000" dirty="0">
+                <a:effectLst/>
+              </a:rPr>
+              <a:t>Cleaned timestamps and extracted </a:t>
+            </a:r>
+            <a:r>
+              <a:rPr lang="en-US" sz="2000" b="1" dirty="0">
+                <a:effectLst/>
+              </a:rPr>
+              <a:t>hour</a:t>
+            </a:r>
+            <a:r>
+              <a:rPr lang="en-US" sz="2000" dirty="0">
+                <a:effectLst/>
+              </a:rPr>
+              <a:t> and </a:t>
+            </a:r>
+            <a:r>
+              <a:rPr lang="en-US" sz="2000" b="1" dirty="0">
+                <a:effectLst/>
+              </a:rPr>
+              <a:t>month</a:t>
+            </a:r>
+            <a:endParaRPr lang="en-US" sz="2000" dirty="0">
+              <a:effectLst/>
+            </a:endParaRPr>
+          </a:p>
+        </p:txBody>
+      </p:sp>
+      <p:sp>
+        <p:nvSpPr>
+          <p:cNvPr id="20" name="TextBox 19">
+            <a:extLst>
+              <a:ext uri="{FF2B5EF4-FFF2-40B4-BE49-F238E27FC236}">
+                <a16:creationId xmlns:a16="http://schemas.microsoft.com/office/drawing/2014/main" id="{D970F4D4-8E00-6210-47DE-9CA7E3739DDC}"/>
+              </a:ext>
+            </a:extLst>
+          </p:cNvPr>
+          <p:cNvSpPr txBox="1"/>
+          <p:nvPr/>
+        </p:nvSpPr>
+        <p:spPr>
+          <a:xfrm>
+            <a:off x="5090160" y="3229106"/>
+            <a:ext cx="6217920" cy="2445285"/>
+          </a:xfrm>
+          <a:prstGeom prst="rect">
+            <a:avLst/>
+          </a:prstGeom>
+          <a:noFill/>
+        </p:spPr>
+        <p:txBody>
+          <a:bodyPr wrap="square">
+            <a:spAutoFit/>
+          </a:bodyPr>
+          <a:lstStyle/>
+          <a:p>
+            <a:pPr>
+              <a:lnSpc>
+                <a:spcPct val="150000"/>
+              </a:lnSpc>
+              <a:buNone/>
+            </a:pPr>
+            <a:r>
+              <a:rPr lang="en-US" sz="2400" b="1" dirty="0">
+                <a:effectLst/>
+              </a:rPr>
+              <a:t>3. Power Curve Processing:</a:t>
+            </a:r>
+          </a:p>
+          <a:p>
+            <a:pPr marL="342900" indent="-342900">
+              <a:lnSpc>
+                <a:spcPct val="150000"/>
+              </a:lnSpc>
+              <a:buFont typeface="Wingdings" panose="05000000000000000000" pitchFamily="2" charset="2"/>
+              <a:buChar char="Ø"/>
+            </a:pPr>
+            <a:r>
+              <a:rPr lang="en-US" sz="2000" dirty="0">
+                <a:effectLst/>
+              </a:rPr>
+              <a:t>Location: </a:t>
+            </a:r>
+            <a:r>
+              <a:rPr lang="en-US" sz="2000" b="1" dirty="0" err="1"/>
+              <a:t>Reusenkoog</a:t>
+            </a:r>
+            <a:r>
+              <a:rPr lang="en-US" sz="2000" b="1" dirty="0"/>
+              <a:t>, Germany</a:t>
+            </a:r>
+          </a:p>
+          <a:p>
+            <a:pPr marL="342900" indent="-342900">
+              <a:lnSpc>
+                <a:spcPct val="150000"/>
+              </a:lnSpc>
+              <a:buFont typeface="Wingdings" panose="05000000000000000000" pitchFamily="2" charset="2"/>
+              <a:buChar char="Ø"/>
+            </a:pPr>
+            <a:r>
+              <a:rPr lang="en-US" sz="2000" dirty="0"/>
+              <a:t>Scaled for </a:t>
+            </a:r>
+            <a:r>
+              <a:rPr lang="en-US" sz="2000" b="1" dirty="0"/>
+              <a:t>51 turbines</a:t>
+            </a:r>
+            <a:r>
+              <a:rPr lang="en-US" sz="2000" dirty="0"/>
+              <a:t> (total farm capacity) </a:t>
+            </a:r>
+            <a:r>
+              <a:rPr lang="en-US" sz="2000" b="1" dirty="0">
+                <a:solidFill>
+                  <a:schemeClr val="accent1"/>
+                </a:solidFill>
+              </a:rPr>
+              <a:t>(1)</a:t>
+            </a:r>
+            <a:endParaRPr lang="en-US" sz="2000" b="1" dirty="0">
+              <a:solidFill>
+                <a:schemeClr val="accent1"/>
+              </a:solidFill>
+              <a:effectLst/>
+            </a:endParaRPr>
+          </a:p>
+          <a:p>
+            <a:pPr marL="342900" indent="-342900">
+              <a:lnSpc>
+                <a:spcPct val="150000"/>
+              </a:lnSpc>
+              <a:buFont typeface="Wingdings" panose="05000000000000000000" pitchFamily="2" charset="2"/>
+              <a:buChar char="Ø"/>
+            </a:pPr>
+            <a:r>
+              <a:rPr lang="en-US" sz="2000" dirty="0">
+                <a:effectLst/>
+              </a:rPr>
+              <a:t>Used </a:t>
+            </a:r>
+            <a:r>
+              <a:rPr lang="en-US" sz="2000" b="1" dirty="0">
+                <a:effectLst/>
+              </a:rPr>
+              <a:t>Vestas V112‑3.3 MW</a:t>
+            </a:r>
+            <a:r>
+              <a:rPr lang="en-US" sz="2000" dirty="0">
+                <a:effectLst/>
+              </a:rPr>
+              <a:t> turbine power curve </a:t>
+            </a:r>
+            <a:r>
+              <a:rPr lang="en-US" sz="2000" b="1" dirty="0">
+                <a:solidFill>
+                  <a:schemeClr val="accent1"/>
+                </a:solidFill>
+              </a:rPr>
+              <a:t>(2)</a:t>
+            </a:r>
+            <a:endParaRPr lang="en-US" sz="2000" dirty="0">
+              <a:effectLst/>
+            </a:endParaRPr>
+          </a:p>
+          <a:p>
+            <a:pPr marL="342900" indent="-342900">
+              <a:lnSpc>
+                <a:spcPct val="150000"/>
+              </a:lnSpc>
+              <a:buFont typeface="Wingdings" panose="05000000000000000000" pitchFamily="2" charset="2"/>
+              <a:buChar char="Ø"/>
+            </a:pPr>
+            <a:r>
+              <a:rPr lang="en-US" sz="2000" dirty="0">
+                <a:effectLst/>
+              </a:rPr>
+              <a:t>Converted wind speed → power output</a:t>
+            </a:r>
+            <a:endParaRPr lang="en-US" dirty="0"/>
+          </a:p>
+        </p:txBody>
+      </p:sp>
+    </p:spTree>
+    <p:extLst>
+      <p:ext uri="{BB962C8B-B14F-4D97-AF65-F5344CB8AC3E}">
+        <p14:creationId xmlns:p14="http://schemas.microsoft.com/office/powerpoint/2010/main" val="1147695142"/>
+      </p:ext>
+    </p:extLst>
+  </p:cSld>
+  <p:clrMapOvr>
+    <a:masterClrMapping/>
+  </p:clrMapOvr>
+</p:sld>
+</file>
+
+<file path=ppt/slides/slide6.xml><?xml version="1.0" encoding="utf-8"?>
+<p:sld xmlns:a="http://schemas.openxmlformats.org/drawingml/2006/main" xmlns:r="http://schemas.openxmlformats.org/officeDocument/2006/relationships" xmlns:p="http://schemas.openxmlformats.org/presentationml/2006/main">
+  <p:cSld>
+    <p:spTree>
+      <p:nvGrpSpPr>
+        <p:cNvPr id="1" name="">
+          <a:extLst>
+            <a:ext uri="{FF2B5EF4-FFF2-40B4-BE49-F238E27FC236}">
+              <a16:creationId xmlns:a16="http://schemas.microsoft.com/office/drawing/2014/main" id="{BEDA1613-9B75-4CBB-D37A-691710DAB629}"/>
+            </a:ext>
+          </a:extLst>
+        </p:cNvPr>
+        <p:cNvGrpSpPr/>
+        <p:nvPr/>
+      </p:nvGrpSpPr>
+      <p:grpSpPr>
+        <a:xfrm>
+          <a:off x="0" y="0"/>
+          <a:ext cx="0" cy="0"/>
+          <a:chOff x="0" y="0"/>
+          <a:chExt cx="0" cy="0"/>
+        </a:xfrm>
+      </p:grpSpPr>
+      <p:sp>
+        <p:nvSpPr>
+          <p:cNvPr id="2" name="Title 1">
+            <a:extLst>
+              <a:ext uri="{FF2B5EF4-FFF2-40B4-BE49-F238E27FC236}">
+                <a16:creationId xmlns:a16="http://schemas.microsoft.com/office/drawing/2014/main" id="{E7510B81-4490-C917-4EDE-6C9C9290F99E}"/>
+              </a:ext>
+            </a:extLst>
+          </p:cNvPr>
+          <p:cNvSpPr>
+            <a:spLocks noGrp="1"/>
+          </p:cNvSpPr>
+          <p:nvPr>
+            <p:ph type="title"/>
+          </p:nvPr>
+        </p:nvSpPr>
+        <p:spPr>
+          <a:xfrm>
+            <a:off x="819665" y="235576"/>
+            <a:ext cx="10515600" cy="839755"/>
+          </a:xfrm>
+        </p:spPr>
+        <p:txBody>
+          <a:bodyPr>
+            <a:normAutofit/>
+          </a:bodyPr>
+          <a:lstStyle/>
+          <a:p>
+            <a:pPr algn="ctr"/>
+            <a:r>
+              <a:rPr lang="en-GB" b="1" dirty="0">
+                <a:solidFill>
+                  <a:schemeClr val="accent2">
+                    <a:lumMod val="50000"/>
+                  </a:schemeClr>
+                </a:solidFill>
+              </a:rPr>
+              <a:t>4. Flowchart</a:t>
+            </a:r>
+            <a:endParaRPr lang="en-IN" b="1" dirty="0">
+              <a:solidFill>
+                <a:schemeClr val="accent2">
+                  <a:lumMod val="50000"/>
+                </a:schemeClr>
+              </a:solidFill>
+            </a:endParaRPr>
+          </a:p>
+        </p:txBody>
+      </p:sp>
+      <p:pic>
+        <p:nvPicPr>
+          <p:cNvPr id="7" name="Picture 6">
+            <a:extLst>
+              <a:ext uri="{FF2B5EF4-FFF2-40B4-BE49-F238E27FC236}">
+                <a16:creationId xmlns:a16="http://schemas.microsoft.com/office/drawing/2014/main" id="{0968AA75-D1F9-9C23-2239-A5D0DF1539E2}"/>
+              </a:ext>
+            </a:extLst>
+          </p:cNvPr>
+          <p:cNvPicPr>
+            <a:picLocks noChangeAspect="1"/>
+          </p:cNvPicPr>
+          <p:nvPr/>
+        </p:nvPicPr>
+        <p:blipFill>
+          <a:blip r:embed="rId2">
+            <a:extLst>
+              <a:ext uri="{28A0092B-C50C-407E-A947-70E740481C1C}">
+                <a14:useLocalDpi xmlns:a14="http://schemas.microsoft.com/office/drawing/2010/main" val="0"/>
+              </a:ext>
+            </a:extLst>
+          </a:blip>
+          <a:srcRect/>
+          <a:stretch/>
+        </p:blipFill>
+        <p:spPr>
+          <a:xfrm>
+            <a:off x="229098" y="-104177"/>
+            <a:ext cx="2511357" cy="1412637"/>
+          </a:xfrm>
+          <a:prstGeom prst="rect">
+            <a:avLst/>
+          </a:prstGeom>
+        </p:spPr>
+      </p:pic>
+      <p:sp>
+        <p:nvSpPr>
+          <p:cNvPr id="6" name="Rectangle 5">
+            <a:extLst>
+              <a:ext uri="{FF2B5EF4-FFF2-40B4-BE49-F238E27FC236}">
+                <a16:creationId xmlns:a16="http://schemas.microsoft.com/office/drawing/2014/main" id="{12342695-38DD-FCF4-74CA-12E2DA78F67E}"/>
+              </a:ext>
+            </a:extLst>
+          </p:cNvPr>
+          <p:cNvSpPr/>
+          <p:nvPr/>
+        </p:nvSpPr>
+        <p:spPr>
+          <a:xfrm>
+            <a:off x="0" y="6356350"/>
+            <a:ext cx="12192000" cy="501650"/>
+          </a:xfrm>
+          <a:prstGeom prst="rect">
+            <a:avLst/>
+          </a:prstGeom>
+          <a:solidFill>
+            <a:schemeClr val="accent1">
+              <a:lumMod val="60000"/>
+              <a:lumOff val="40000"/>
+            </a:schemeClr>
+          </a:solidFill>
+        </p:spPr>
+        <p:style>
+          <a:lnRef idx="2">
+            <a:schemeClr val="accent1">
+              <a:shade val="15000"/>
+            </a:schemeClr>
+          </a:lnRef>
+          <a:fillRef idx="1">
+            <a:schemeClr val="accent1"/>
+          </a:fillRef>
+          <a:effectRef idx="0">
+            <a:schemeClr val="accent1"/>
+          </a:effectRef>
+          <a:fontRef idx="minor">
+            <a:schemeClr val="lt1"/>
+          </a:fontRef>
+        </p:style>
+        <p:txBody>
+          <a:bodyPr rtlCol="0" anchor="ctr"/>
+          <a:lstStyle/>
+          <a:p>
+            <a:pPr algn="ctr"/>
+            <a:endParaRPr lang="LID4096"/>
+          </a:p>
+        </p:txBody>
+      </p:sp>
+      <p:cxnSp>
+        <p:nvCxnSpPr>
+          <p:cNvPr id="5" name="Straight Connector 4">
+            <a:extLst>
+              <a:ext uri="{FF2B5EF4-FFF2-40B4-BE49-F238E27FC236}">
+                <a16:creationId xmlns:a16="http://schemas.microsoft.com/office/drawing/2014/main" id="{BB13251A-1339-7643-59D2-BB0B5EE5D116}"/>
+              </a:ext>
+            </a:extLst>
+          </p:cNvPr>
+          <p:cNvCxnSpPr>
+            <a:cxnSpLocks/>
+          </p:cNvCxnSpPr>
+          <p:nvPr/>
+        </p:nvCxnSpPr>
+        <p:spPr>
+          <a:xfrm>
+            <a:off x="0" y="1183609"/>
+            <a:ext cx="12192000" cy="0"/>
+          </a:xfrm>
+          <a:prstGeom prst="line">
+            <a:avLst/>
+          </a:prstGeom>
+          <a:ln>
+            <a:solidFill>
+              <a:schemeClr val="accent1">
+                <a:lumMod val="60000"/>
+                <a:lumOff val="40000"/>
+              </a:schemeClr>
+            </a:solidFill>
+          </a:ln>
+        </p:spPr>
+        <p:style>
+          <a:lnRef idx="1">
+            <a:schemeClr val="accent1"/>
+          </a:lnRef>
+          <a:fillRef idx="0">
+            <a:schemeClr val="accent1"/>
+          </a:fillRef>
+          <a:effectRef idx="0">
+            <a:schemeClr val="accent1"/>
+          </a:effectRef>
+          <a:fontRef idx="minor">
+            <a:schemeClr val="tx1"/>
+          </a:fontRef>
+        </p:style>
+      </p:cxnSp>
+      <p:sp>
+        <p:nvSpPr>
+          <p:cNvPr id="17" name="Date Placeholder 16">
+            <a:extLst>
+              <a:ext uri="{FF2B5EF4-FFF2-40B4-BE49-F238E27FC236}">
+                <a16:creationId xmlns:a16="http://schemas.microsoft.com/office/drawing/2014/main" id="{C1D55B74-F352-0217-CCC0-2FEB98794961}"/>
+              </a:ext>
+            </a:extLst>
+          </p:cNvPr>
+          <p:cNvSpPr>
+            <a:spLocks noGrp="1"/>
+          </p:cNvSpPr>
+          <p:nvPr>
+            <p:ph type="dt" sz="half" idx="10"/>
+          </p:nvPr>
+        </p:nvSpPr>
+        <p:spPr/>
+        <p:txBody>
+          <a:bodyPr/>
+          <a:lstStyle/>
+          <a:p>
+            <a:fld id="{036257E0-A100-4250-97F9-3E5E02DD86B0}" type="datetime1">
+              <a:rPr lang="en-IN" smtClean="0">
+                <a:solidFill>
+                  <a:schemeClr val="tx1"/>
+                </a:solidFill>
+              </a:rPr>
+              <a:t>26-12-2025</a:t>
+            </a:fld>
+            <a:endParaRPr lang="en-IN" dirty="0">
+              <a:solidFill>
+                <a:schemeClr val="tx1"/>
+              </a:solidFill>
+            </a:endParaRPr>
+          </a:p>
+        </p:txBody>
+      </p:sp>
+      <p:sp>
+        <p:nvSpPr>
+          <p:cNvPr id="18" name="Slide Number Placeholder 17">
+            <a:extLst>
+              <a:ext uri="{FF2B5EF4-FFF2-40B4-BE49-F238E27FC236}">
+                <a16:creationId xmlns:a16="http://schemas.microsoft.com/office/drawing/2014/main" id="{AC3DF7DE-23C3-17FE-1253-A7E59E4984FC}"/>
+              </a:ext>
+            </a:extLst>
+          </p:cNvPr>
+          <p:cNvSpPr>
+            <a:spLocks noGrp="1"/>
+          </p:cNvSpPr>
+          <p:nvPr>
+            <p:ph type="sldNum" sz="quarter" idx="12"/>
+          </p:nvPr>
+        </p:nvSpPr>
+        <p:spPr/>
+        <p:txBody>
+          <a:bodyPr/>
+          <a:lstStyle/>
+          <a:p>
+            <a:fld id="{E7687761-FC87-4A57-BD27-270B4C7228C2}" type="slidenum">
+              <a:rPr lang="en-IN" smtClean="0">
+                <a:solidFill>
+                  <a:schemeClr val="tx1"/>
+                </a:solidFill>
+              </a:rPr>
+              <a:t>6</a:t>
+            </a:fld>
+            <a:endParaRPr lang="en-IN" dirty="0">
+              <a:solidFill>
+                <a:schemeClr val="tx1"/>
+              </a:solidFill>
+            </a:endParaRPr>
+          </a:p>
+        </p:txBody>
+      </p:sp>
+      <p:pic>
+        <p:nvPicPr>
+          <p:cNvPr id="10" name="Picture 9">
+            <a:extLst>
+              <a:ext uri="{FF2B5EF4-FFF2-40B4-BE49-F238E27FC236}">
+                <a16:creationId xmlns:a16="http://schemas.microsoft.com/office/drawing/2014/main" id="{24E0325E-3499-954A-04D5-D1DE41E6B5F1}"/>
+              </a:ext>
+            </a:extLst>
+          </p:cNvPr>
+          <p:cNvPicPr>
+            <a:picLocks noChangeAspect="1"/>
+          </p:cNvPicPr>
+          <p:nvPr/>
+        </p:nvPicPr>
+        <p:blipFill>
+          <a:blip r:embed="rId3">
+            <a:extLst>
+              <a:ext uri="{28A0092B-C50C-407E-A947-70E740481C1C}">
+                <a14:useLocalDpi xmlns:a14="http://schemas.microsoft.com/office/drawing/2010/main" val="0"/>
+              </a:ext>
+            </a:extLst>
+          </a:blip>
+          <a:srcRect/>
+          <a:stretch/>
+        </p:blipFill>
+        <p:spPr>
+          <a:xfrm>
+            <a:off x="10180973" y="31395"/>
+            <a:ext cx="1904503" cy="1058057"/>
+          </a:xfrm>
+          <a:prstGeom prst="rect">
+            <a:avLst/>
+          </a:prstGeom>
+        </p:spPr>
+      </p:pic>
+      <p:sp>
+        <p:nvSpPr>
+          <p:cNvPr id="11" name="Footer Placeholder 1">
+            <a:extLst>
+              <a:ext uri="{FF2B5EF4-FFF2-40B4-BE49-F238E27FC236}">
+                <a16:creationId xmlns:a16="http://schemas.microsoft.com/office/drawing/2014/main" id="{00188286-C376-0B51-8627-5B0211C807A7}"/>
+              </a:ext>
+            </a:extLst>
+          </p:cNvPr>
+          <p:cNvSpPr>
+            <a:spLocks noGrp="1"/>
+          </p:cNvSpPr>
+          <p:nvPr>
+            <p:ph type="ftr" sz="quarter" idx="11"/>
+          </p:nvPr>
+        </p:nvSpPr>
+        <p:spPr>
+          <a:xfrm>
+            <a:off x="3014980" y="6472294"/>
+            <a:ext cx="6162040" cy="269761"/>
+          </a:xfrm>
+        </p:spPr>
+        <p:txBody>
+          <a:bodyPr/>
+          <a:lstStyle/>
+          <a:p>
+            <a:r>
+              <a:rPr lang="en-US" b="1" dirty="0">
+                <a:solidFill>
+                  <a:schemeClr val="tx1"/>
+                </a:solidFill>
+              </a:rPr>
+              <a:t>Power Prediction and Energy Arbitrage Modeling for Wind Farms Using ML</a:t>
+            </a:r>
+            <a:endParaRPr lang="en-IN" dirty="0">
+              <a:solidFill>
+                <a:schemeClr val="tx1"/>
+              </a:solidFill>
+            </a:endParaRPr>
+          </a:p>
+        </p:txBody>
+      </p:sp>
+      <p:sp>
+        <p:nvSpPr>
+          <p:cNvPr id="9" name="Flowchart: Connector 8">
+            <a:extLst>
+              <a:ext uri="{FF2B5EF4-FFF2-40B4-BE49-F238E27FC236}">
+                <a16:creationId xmlns:a16="http://schemas.microsoft.com/office/drawing/2014/main" id="{948B291B-4DB2-5764-6C94-CA3B6993545D}"/>
+              </a:ext>
+            </a:extLst>
+          </p:cNvPr>
+          <p:cNvSpPr/>
+          <p:nvPr/>
+        </p:nvSpPr>
+        <p:spPr>
+          <a:xfrm>
+            <a:off x="426721" y="1512641"/>
+            <a:ext cx="995680" cy="640080"/>
+          </a:xfrm>
+          <a:prstGeom prst="flowChartConnector">
+            <a:avLst/>
+          </a:prstGeom>
+        </p:spPr>
+        <p:style>
+          <a:lnRef idx="1">
+            <a:schemeClr val="accent2"/>
+          </a:lnRef>
+          <a:fillRef idx="2">
+            <a:schemeClr val="accent2"/>
+          </a:fillRef>
+          <a:effectRef idx="1">
+            <a:schemeClr val="accent2"/>
+          </a:effectRef>
+          <a:fontRef idx="minor">
+            <a:schemeClr val="dk1"/>
+          </a:fontRef>
+        </p:style>
+        <p:txBody>
+          <a:bodyPr rtlCol="0" anchor="ctr"/>
+          <a:lstStyle/>
+          <a:p>
+            <a:pPr algn="ctr"/>
+            <a:r>
+              <a:rPr lang="en-US" dirty="0"/>
+              <a:t>Start</a:t>
+            </a:r>
+            <a:endParaRPr lang="en-DE" dirty="0"/>
+          </a:p>
+        </p:txBody>
+      </p:sp>
+      <p:sp>
+        <p:nvSpPr>
+          <p:cNvPr id="12" name="Flowchart: Alternate Process 11">
+            <a:extLst>
+              <a:ext uri="{FF2B5EF4-FFF2-40B4-BE49-F238E27FC236}">
+                <a16:creationId xmlns:a16="http://schemas.microsoft.com/office/drawing/2014/main" id="{7DBDB01F-0566-119C-1195-AC94F1A2B62F}"/>
+              </a:ext>
+            </a:extLst>
+          </p:cNvPr>
+          <p:cNvSpPr/>
+          <p:nvPr/>
+        </p:nvSpPr>
+        <p:spPr>
+          <a:xfrm>
+            <a:off x="1825283" y="1316128"/>
+            <a:ext cx="2288540" cy="1046989"/>
+          </a:xfrm>
+          <a:prstGeom prst="flowChartAlternateProcess">
+            <a:avLst/>
+          </a:prstGeom>
+        </p:spPr>
+        <p:style>
+          <a:lnRef idx="1">
+            <a:schemeClr val="accent5"/>
+          </a:lnRef>
+          <a:fillRef idx="2">
+            <a:schemeClr val="accent5"/>
+          </a:fillRef>
+          <a:effectRef idx="1">
+            <a:schemeClr val="accent5"/>
+          </a:effectRef>
+          <a:fontRef idx="minor">
+            <a:schemeClr val="dk1"/>
+          </a:fontRef>
+        </p:style>
+        <p:txBody>
+          <a:bodyPr rtlCol="0" anchor="ctr"/>
+          <a:lstStyle/>
+          <a:p>
+            <a:pPr algn="ctr"/>
+            <a:r>
+              <a:rPr lang="en-US" dirty="0"/>
+              <a:t>Load wind data, Finding wind speed &amp; Save CSV file </a:t>
+            </a:r>
+            <a:endParaRPr lang="en-DE" dirty="0"/>
+          </a:p>
+        </p:txBody>
+      </p:sp>
+      <p:sp>
+        <p:nvSpPr>
+          <p:cNvPr id="15" name="Flowchart: Alternate Process 14">
+            <a:extLst>
+              <a:ext uri="{FF2B5EF4-FFF2-40B4-BE49-F238E27FC236}">
+                <a16:creationId xmlns:a16="http://schemas.microsoft.com/office/drawing/2014/main" id="{3B250FBE-22D2-EDDD-64F7-E7EBB4F3ED6A}"/>
+              </a:ext>
+            </a:extLst>
+          </p:cNvPr>
+          <p:cNvSpPr/>
+          <p:nvPr/>
+        </p:nvSpPr>
+        <p:spPr>
+          <a:xfrm>
+            <a:off x="4557165" y="1318541"/>
+            <a:ext cx="1680895" cy="1046988"/>
+          </a:xfrm>
+          <a:prstGeom prst="flowChartAlternateProcess">
+            <a:avLst/>
+          </a:prstGeom>
+        </p:spPr>
+        <p:style>
+          <a:lnRef idx="1">
+            <a:schemeClr val="accent5"/>
+          </a:lnRef>
+          <a:fillRef idx="2">
+            <a:schemeClr val="accent5"/>
+          </a:fillRef>
+          <a:effectRef idx="1">
+            <a:schemeClr val="accent5"/>
+          </a:effectRef>
+          <a:fontRef idx="minor">
+            <a:schemeClr val="dk1"/>
+          </a:fontRef>
+        </p:style>
+        <p:txBody>
+          <a:bodyPr rtlCol="0" anchor="ctr"/>
+          <a:lstStyle/>
+          <a:p>
+            <a:pPr algn="ctr"/>
+            <a:r>
+              <a:rPr lang="en-US" dirty="0"/>
+              <a:t>Load market prize data</a:t>
+            </a:r>
+            <a:endParaRPr lang="en-DE" dirty="0"/>
+          </a:p>
+        </p:txBody>
+      </p:sp>
+      <p:sp>
+        <p:nvSpPr>
+          <p:cNvPr id="16" name="Flowchart: Alternate Process 15">
+            <a:extLst>
+              <a:ext uri="{FF2B5EF4-FFF2-40B4-BE49-F238E27FC236}">
+                <a16:creationId xmlns:a16="http://schemas.microsoft.com/office/drawing/2014/main" id="{703B2D3C-6DC6-A9F0-43A5-74551743547F}"/>
+              </a:ext>
+            </a:extLst>
+          </p:cNvPr>
+          <p:cNvSpPr/>
+          <p:nvPr/>
+        </p:nvSpPr>
+        <p:spPr>
+          <a:xfrm>
+            <a:off x="6835544" y="1316129"/>
+            <a:ext cx="2341476" cy="1046988"/>
+          </a:xfrm>
+          <a:prstGeom prst="flowChartAlternateProcess">
+            <a:avLst/>
+          </a:prstGeom>
+        </p:spPr>
+        <p:style>
+          <a:lnRef idx="1">
+            <a:schemeClr val="accent5"/>
+          </a:lnRef>
+          <a:fillRef idx="2">
+            <a:schemeClr val="accent5"/>
+          </a:fillRef>
+          <a:effectRef idx="1">
+            <a:schemeClr val="accent5"/>
+          </a:effectRef>
+          <a:fontRef idx="minor">
+            <a:schemeClr val="dk1"/>
+          </a:fontRef>
+        </p:style>
+        <p:txBody>
+          <a:bodyPr rtlCol="0" anchor="ctr"/>
+          <a:lstStyle/>
+          <a:p>
+            <a:pPr algn="ctr"/>
+            <a:r>
+              <a:rPr lang="en-US" dirty="0"/>
+              <a:t>Compute form power output based on power curve</a:t>
+            </a:r>
+            <a:endParaRPr lang="en-DE" dirty="0"/>
+          </a:p>
+        </p:txBody>
+      </p:sp>
+      <p:sp>
+        <p:nvSpPr>
+          <p:cNvPr id="19" name="Flowchart: Alternate Process 18">
+            <a:extLst>
+              <a:ext uri="{FF2B5EF4-FFF2-40B4-BE49-F238E27FC236}">
+                <a16:creationId xmlns:a16="http://schemas.microsoft.com/office/drawing/2014/main" id="{DE615038-333C-B0FB-2466-0C84323116B4}"/>
+              </a:ext>
+            </a:extLst>
+          </p:cNvPr>
+          <p:cNvSpPr/>
+          <p:nvPr/>
+        </p:nvSpPr>
+        <p:spPr>
+          <a:xfrm>
+            <a:off x="9557265" y="1330250"/>
+            <a:ext cx="2341476" cy="1046988"/>
+          </a:xfrm>
+          <a:prstGeom prst="flowChartAlternateProcess">
+            <a:avLst/>
+          </a:prstGeom>
+        </p:spPr>
+        <p:style>
+          <a:lnRef idx="1">
+            <a:schemeClr val="accent4"/>
+          </a:lnRef>
+          <a:fillRef idx="2">
+            <a:schemeClr val="accent4"/>
+          </a:fillRef>
+          <a:effectRef idx="1">
+            <a:schemeClr val="accent4"/>
+          </a:effectRef>
+          <a:fontRef idx="minor">
+            <a:schemeClr val="dk1"/>
+          </a:fontRef>
+        </p:style>
+        <p:txBody>
+          <a:bodyPr rtlCol="0" anchor="ctr"/>
+          <a:lstStyle/>
+          <a:p>
+            <a:pPr algn="ctr"/>
+            <a:r>
+              <a:rPr lang="en-US" dirty="0"/>
+              <a:t>Apply Polynomial &amp; Linear regression ML models</a:t>
+            </a:r>
+            <a:endParaRPr lang="en-DE" dirty="0"/>
+          </a:p>
+        </p:txBody>
+      </p:sp>
+      <p:sp>
+        <p:nvSpPr>
+          <p:cNvPr id="20" name="Flowchart: Alternate Process 19">
+            <a:extLst>
+              <a:ext uri="{FF2B5EF4-FFF2-40B4-BE49-F238E27FC236}">
+                <a16:creationId xmlns:a16="http://schemas.microsoft.com/office/drawing/2014/main" id="{AAC931A2-9D20-467A-0106-105ABDDA8759}"/>
+              </a:ext>
+            </a:extLst>
+          </p:cNvPr>
+          <p:cNvSpPr/>
+          <p:nvPr/>
+        </p:nvSpPr>
+        <p:spPr>
+          <a:xfrm>
+            <a:off x="9705855" y="3207548"/>
+            <a:ext cx="2044296" cy="1046988"/>
+          </a:xfrm>
+          <a:prstGeom prst="flowChartAlternateProcess">
+            <a:avLst/>
+          </a:prstGeom>
+        </p:spPr>
+        <p:style>
+          <a:lnRef idx="1">
+            <a:schemeClr val="accent4"/>
+          </a:lnRef>
+          <a:fillRef idx="2">
+            <a:schemeClr val="accent4"/>
+          </a:fillRef>
+          <a:effectRef idx="1">
+            <a:schemeClr val="accent4"/>
+          </a:effectRef>
+          <a:fontRef idx="minor">
+            <a:schemeClr val="dk1"/>
+          </a:fontRef>
+        </p:style>
+        <p:txBody>
+          <a:bodyPr rtlCol="0" anchor="ctr"/>
+          <a:lstStyle/>
+          <a:p>
+            <a:pPr algn="ctr"/>
+            <a:r>
+              <a:rPr lang="en-US" dirty="0"/>
+              <a:t>Evaluate or verification of models</a:t>
+            </a:r>
+            <a:endParaRPr lang="en-DE" dirty="0"/>
+          </a:p>
+        </p:txBody>
+      </p:sp>
+      <p:sp>
+        <p:nvSpPr>
+          <p:cNvPr id="21" name="Flowchart: Alternate Process 20">
+            <a:extLst>
+              <a:ext uri="{FF2B5EF4-FFF2-40B4-BE49-F238E27FC236}">
+                <a16:creationId xmlns:a16="http://schemas.microsoft.com/office/drawing/2014/main" id="{44352169-2481-AB76-6223-99611E4C4CEF}"/>
+              </a:ext>
+            </a:extLst>
+          </p:cNvPr>
+          <p:cNvSpPr/>
+          <p:nvPr/>
+        </p:nvSpPr>
+        <p:spPr>
+          <a:xfrm>
+            <a:off x="6984134" y="3207548"/>
+            <a:ext cx="2044296" cy="1046988"/>
+          </a:xfrm>
+          <a:prstGeom prst="flowChartAlternateProcess">
+            <a:avLst/>
+          </a:prstGeom>
+        </p:spPr>
+        <p:style>
+          <a:lnRef idx="1">
+            <a:schemeClr val="accent4"/>
+          </a:lnRef>
+          <a:fillRef idx="2">
+            <a:schemeClr val="accent4"/>
+          </a:fillRef>
+          <a:effectRef idx="1">
+            <a:schemeClr val="accent4"/>
+          </a:effectRef>
+          <a:fontRef idx="minor">
+            <a:schemeClr val="dk1"/>
+          </a:fontRef>
+        </p:style>
+        <p:txBody>
+          <a:bodyPr rtlCol="0" anchor="ctr"/>
+          <a:lstStyle/>
+          <a:p>
+            <a:pPr algn="ctr"/>
+            <a:r>
+              <a:rPr lang="en-US" dirty="0"/>
+              <a:t>Apply Logistic regression ML model</a:t>
+            </a:r>
+            <a:endParaRPr lang="en-DE" dirty="0"/>
+          </a:p>
+        </p:txBody>
+      </p:sp>
+      <p:sp>
+        <p:nvSpPr>
+          <p:cNvPr id="22" name="Flowchart: Alternate Process 21">
+            <a:extLst>
+              <a:ext uri="{FF2B5EF4-FFF2-40B4-BE49-F238E27FC236}">
+                <a16:creationId xmlns:a16="http://schemas.microsoft.com/office/drawing/2014/main" id="{A61F81D4-BE55-8C40-0743-62D492D21948}"/>
+              </a:ext>
+            </a:extLst>
+          </p:cNvPr>
+          <p:cNvSpPr/>
+          <p:nvPr/>
+        </p:nvSpPr>
+        <p:spPr>
+          <a:xfrm>
+            <a:off x="4722743" y="3334848"/>
+            <a:ext cx="1567956" cy="798883"/>
+          </a:xfrm>
+          <a:prstGeom prst="flowChartAlternateProcess">
+            <a:avLst/>
+          </a:prstGeom>
+        </p:spPr>
+        <p:style>
+          <a:lnRef idx="1">
+            <a:schemeClr val="accent4"/>
+          </a:lnRef>
+          <a:fillRef idx="2">
+            <a:schemeClr val="accent4"/>
+          </a:fillRef>
+          <a:effectRef idx="1">
+            <a:schemeClr val="accent4"/>
+          </a:effectRef>
+          <a:fontRef idx="minor">
+            <a:schemeClr val="dk1"/>
+          </a:fontRef>
+        </p:style>
+        <p:txBody>
+          <a:bodyPr rtlCol="0" anchor="ctr"/>
+          <a:lstStyle/>
+          <a:p>
+            <a:pPr algn="ctr"/>
+            <a:r>
+              <a:rPr lang="en-US" dirty="0"/>
+              <a:t>Verified model</a:t>
+            </a:r>
+            <a:endParaRPr lang="en-DE" dirty="0"/>
+          </a:p>
+        </p:txBody>
+      </p:sp>
+      <p:sp>
+        <p:nvSpPr>
+          <p:cNvPr id="23" name="Flowchart: Alternate Process 22">
+            <a:extLst>
+              <a:ext uri="{FF2B5EF4-FFF2-40B4-BE49-F238E27FC236}">
+                <a16:creationId xmlns:a16="http://schemas.microsoft.com/office/drawing/2014/main" id="{0C95882E-CD7B-903C-06F7-203FC2092D01}"/>
+              </a:ext>
+            </a:extLst>
+          </p:cNvPr>
+          <p:cNvSpPr/>
+          <p:nvPr/>
+        </p:nvSpPr>
+        <p:spPr>
+          <a:xfrm>
+            <a:off x="2431663" y="3334848"/>
+            <a:ext cx="1567956" cy="798883"/>
+          </a:xfrm>
+          <a:prstGeom prst="flowChartAlternateProcess">
+            <a:avLst/>
+          </a:prstGeom>
+        </p:spPr>
+        <p:style>
+          <a:lnRef idx="1">
+            <a:schemeClr val="accent6"/>
+          </a:lnRef>
+          <a:fillRef idx="2">
+            <a:schemeClr val="accent6"/>
+          </a:fillRef>
+          <a:effectRef idx="1">
+            <a:schemeClr val="accent6"/>
+          </a:effectRef>
+          <a:fontRef idx="minor">
+            <a:schemeClr val="dk1"/>
+          </a:fontRef>
+        </p:style>
+        <p:txBody>
+          <a:bodyPr rtlCol="0" anchor="ctr"/>
+          <a:lstStyle/>
+          <a:p>
+            <a:pPr algn="ctr"/>
+            <a:r>
+              <a:rPr lang="en-US" dirty="0"/>
+              <a:t>Plot graphs</a:t>
+            </a:r>
+            <a:endParaRPr lang="en-DE" dirty="0"/>
+          </a:p>
+        </p:txBody>
+      </p:sp>
+      <p:sp>
+        <p:nvSpPr>
+          <p:cNvPr id="24" name="Flowchart: Alternate Process 23">
+            <a:extLst>
+              <a:ext uri="{FF2B5EF4-FFF2-40B4-BE49-F238E27FC236}">
+                <a16:creationId xmlns:a16="http://schemas.microsoft.com/office/drawing/2014/main" id="{AAECEAED-8DC4-E619-85C0-0AECD8D195B1}"/>
+              </a:ext>
+            </a:extLst>
+          </p:cNvPr>
+          <p:cNvSpPr/>
+          <p:nvPr/>
+        </p:nvSpPr>
+        <p:spPr>
+          <a:xfrm>
+            <a:off x="155428" y="3329066"/>
+            <a:ext cx="1567956" cy="798883"/>
+          </a:xfrm>
+          <a:prstGeom prst="flowChartAlternateProcess">
+            <a:avLst/>
+          </a:prstGeom>
+        </p:spPr>
+        <p:style>
+          <a:lnRef idx="1">
+            <a:schemeClr val="accent6"/>
+          </a:lnRef>
+          <a:fillRef idx="2">
+            <a:schemeClr val="accent6"/>
+          </a:fillRef>
+          <a:effectRef idx="1">
+            <a:schemeClr val="accent6"/>
+          </a:effectRef>
+          <a:fontRef idx="minor">
+            <a:schemeClr val="dk1"/>
+          </a:fontRef>
+        </p:style>
+        <p:txBody>
+          <a:bodyPr rtlCol="0" anchor="ctr"/>
+          <a:lstStyle/>
+          <a:p>
+            <a:pPr algn="ctr"/>
+            <a:r>
+              <a:rPr lang="en-US" dirty="0"/>
+              <a:t>CSV File</a:t>
+            </a:r>
+            <a:endParaRPr lang="en-DE" dirty="0"/>
+          </a:p>
+        </p:txBody>
+      </p:sp>
+      <p:sp>
+        <p:nvSpPr>
+          <p:cNvPr id="25" name="Flowchart: Alternate Process 24">
+            <a:extLst>
+              <a:ext uri="{FF2B5EF4-FFF2-40B4-BE49-F238E27FC236}">
+                <a16:creationId xmlns:a16="http://schemas.microsoft.com/office/drawing/2014/main" id="{B8174135-FFEA-9327-ACBA-4D6065EF457D}"/>
+              </a:ext>
+            </a:extLst>
+          </p:cNvPr>
+          <p:cNvSpPr/>
+          <p:nvPr/>
+        </p:nvSpPr>
+        <p:spPr>
+          <a:xfrm>
+            <a:off x="55786" y="5021676"/>
+            <a:ext cx="1769497" cy="964972"/>
+          </a:xfrm>
+          <a:prstGeom prst="flowChartAlternateProcess">
+            <a:avLst/>
+          </a:prstGeom>
+        </p:spPr>
+        <p:style>
+          <a:lnRef idx="1">
+            <a:schemeClr val="accent4"/>
+          </a:lnRef>
+          <a:fillRef idx="2">
+            <a:schemeClr val="accent4"/>
+          </a:fillRef>
+          <a:effectRef idx="1">
+            <a:schemeClr val="accent4"/>
+          </a:effectRef>
+          <a:fontRef idx="minor">
+            <a:schemeClr val="dk1"/>
+          </a:fontRef>
+        </p:style>
+        <p:txBody>
+          <a:bodyPr rtlCol="0" anchor="ctr"/>
+          <a:lstStyle/>
+          <a:p>
+            <a:pPr algn="ctr"/>
+            <a:r>
+              <a:rPr lang="en-US" dirty="0"/>
+              <a:t>Compare economical model</a:t>
+            </a:r>
+            <a:endParaRPr lang="en-DE" dirty="0"/>
+          </a:p>
+        </p:txBody>
+      </p:sp>
+      <p:sp>
+        <p:nvSpPr>
+          <p:cNvPr id="26" name="Flowchart: Alternate Process 25">
+            <a:extLst>
+              <a:ext uri="{FF2B5EF4-FFF2-40B4-BE49-F238E27FC236}">
+                <a16:creationId xmlns:a16="http://schemas.microsoft.com/office/drawing/2014/main" id="{A1038547-10F8-B3E9-2DDF-38F34F066C94}"/>
+              </a:ext>
+            </a:extLst>
+          </p:cNvPr>
+          <p:cNvSpPr/>
+          <p:nvPr/>
+        </p:nvSpPr>
+        <p:spPr>
+          <a:xfrm>
+            <a:off x="2209800" y="5100054"/>
+            <a:ext cx="1567956" cy="798883"/>
+          </a:xfrm>
+          <a:prstGeom prst="flowChartAlternateProcess">
+            <a:avLst/>
+          </a:prstGeom>
+        </p:spPr>
+        <p:style>
+          <a:lnRef idx="1">
+            <a:schemeClr val="accent6"/>
+          </a:lnRef>
+          <a:fillRef idx="2">
+            <a:schemeClr val="accent6"/>
+          </a:fillRef>
+          <a:effectRef idx="1">
+            <a:schemeClr val="accent6"/>
+          </a:effectRef>
+          <a:fontRef idx="minor">
+            <a:schemeClr val="dk1"/>
+          </a:fontRef>
+        </p:style>
+        <p:txBody>
+          <a:bodyPr rtlCol="0" anchor="ctr"/>
+          <a:lstStyle/>
+          <a:p>
+            <a:pPr algn="ctr"/>
+            <a:r>
+              <a:rPr lang="en-US" dirty="0"/>
+              <a:t>Create plots</a:t>
+            </a:r>
+            <a:endParaRPr lang="en-DE" dirty="0"/>
+          </a:p>
+        </p:txBody>
+      </p:sp>
+      <p:sp>
+        <p:nvSpPr>
+          <p:cNvPr id="28" name="Flowchart: Connector 27">
+            <a:extLst>
+              <a:ext uri="{FF2B5EF4-FFF2-40B4-BE49-F238E27FC236}">
+                <a16:creationId xmlns:a16="http://schemas.microsoft.com/office/drawing/2014/main" id="{A01B4F21-B33A-377D-3755-31DF0CB1BD84}"/>
+              </a:ext>
+            </a:extLst>
+          </p:cNvPr>
+          <p:cNvSpPr/>
+          <p:nvPr/>
+        </p:nvSpPr>
+        <p:spPr>
+          <a:xfrm>
+            <a:off x="4661784" y="5188595"/>
+            <a:ext cx="995680" cy="640080"/>
+          </a:xfrm>
+          <a:prstGeom prst="flowChartConnector">
+            <a:avLst/>
+          </a:prstGeom>
+        </p:spPr>
+        <p:style>
+          <a:lnRef idx="1">
+            <a:schemeClr val="accent2"/>
+          </a:lnRef>
+          <a:fillRef idx="2">
+            <a:schemeClr val="accent2"/>
+          </a:fillRef>
+          <a:effectRef idx="1">
+            <a:schemeClr val="accent2"/>
+          </a:effectRef>
+          <a:fontRef idx="minor">
+            <a:schemeClr val="dk1"/>
+          </a:fontRef>
+        </p:style>
+        <p:txBody>
+          <a:bodyPr rtlCol="0" anchor="ctr"/>
+          <a:lstStyle/>
+          <a:p>
+            <a:pPr algn="ctr"/>
+            <a:r>
+              <a:rPr lang="en-US" dirty="0"/>
+              <a:t>Stop</a:t>
+            </a:r>
+            <a:endParaRPr lang="en-DE" dirty="0"/>
+          </a:p>
+        </p:txBody>
+      </p:sp>
+      <p:cxnSp>
+        <p:nvCxnSpPr>
+          <p:cNvPr id="30" name="Straight Arrow Connector 29">
+            <a:extLst>
+              <a:ext uri="{FF2B5EF4-FFF2-40B4-BE49-F238E27FC236}">
+                <a16:creationId xmlns:a16="http://schemas.microsoft.com/office/drawing/2014/main" id="{170FB258-945E-62F7-F846-B54B3A5CBC06}"/>
+              </a:ext>
+            </a:extLst>
+          </p:cNvPr>
+          <p:cNvCxnSpPr>
+            <a:stCxn id="9" idx="6"/>
+            <a:endCxn id="12" idx="1"/>
+          </p:cNvCxnSpPr>
+          <p:nvPr/>
+        </p:nvCxnSpPr>
+        <p:spPr>
+          <a:xfrm>
+            <a:off x="1422401" y="1832681"/>
+            <a:ext cx="402882" cy="6942"/>
+          </a:xfrm>
+          <a:prstGeom prst="straightConnector1">
+            <a:avLst/>
+          </a:prstGeom>
+          <a:ln>
+            <a:tailEnd type="triangle"/>
+          </a:ln>
+        </p:spPr>
+        <p:style>
+          <a:lnRef idx="1">
+            <a:schemeClr val="accent1"/>
+          </a:lnRef>
+          <a:fillRef idx="0">
+            <a:schemeClr val="accent1"/>
+          </a:fillRef>
+          <a:effectRef idx="0">
+            <a:schemeClr val="accent1"/>
+          </a:effectRef>
+          <a:fontRef idx="minor">
+            <a:schemeClr val="tx1"/>
+          </a:fontRef>
+        </p:style>
+      </p:cxnSp>
+      <p:cxnSp>
+        <p:nvCxnSpPr>
+          <p:cNvPr id="32" name="Straight Arrow Connector 31">
+            <a:extLst>
+              <a:ext uri="{FF2B5EF4-FFF2-40B4-BE49-F238E27FC236}">
+                <a16:creationId xmlns:a16="http://schemas.microsoft.com/office/drawing/2014/main" id="{52356286-C3D8-F17B-D46D-289D22AA6D26}"/>
+              </a:ext>
+            </a:extLst>
+          </p:cNvPr>
+          <p:cNvCxnSpPr>
+            <a:stCxn id="12" idx="3"/>
+            <a:endCxn id="15" idx="1"/>
+          </p:cNvCxnSpPr>
+          <p:nvPr/>
+        </p:nvCxnSpPr>
+        <p:spPr>
+          <a:xfrm>
+            <a:off x="4113823" y="1839623"/>
+            <a:ext cx="443342" cy="2412"/>
+          </a:xfrm>
+          <a:prstGeom prst="straightConnector1">
+            <a:avLst/>
+          </a:prstGeom>
+          <a:ln>
+            <a:tailEnd type="triangle"/>
+          </a:ln>
+        </p:spPr>
+        <p:style>
+          <a:lnRef idx="1">
+            <a:schemeClr val="accent1"/>
+          </a:lnRef>
+          <a:fillRef idx="0">
+            <a:schemeClr val="accent1"/>
+          </a:fillRef>
+          <a:effectRef idx="0">
+            <a:schemeClr val="accent1"/>
+          </a:effectRef>
+          <a:fontRef idx="minor">
+            <a:schemeClr val="tx1"/>
+          </a:fontRef>
+        </p:style>
+      </p:cxnSp>
+      <p:cxnSp>
+        <p:nvCxnSpPr>
+          <p:cNvPr id="35" name="Straight Arrow Connector 34">
+            <a:extLst>
+              <a:ext uri="{FF2B5EF4-FFF2-40B4-BE49-F238E27FC236}">
+                <a16:creationId xmlns:a16="http://schemas.microsoft.com/office/drawing/2014/main" id="{D6446554-A7D8-C17D-B72C-2B4B7ED5591E}"/>
+              </a:ext>
+            </a:extLst>
+          </p:cNvPr>
+          <p:cNvCxnSpPr>
+            <a:stCxn id="15" idx="3"/>
+            <a:endCxn id="16" idx="1"/>
+          </p:cNvCxnSpPr>
+          <p:nvPr/>
+        </p:nvCxnSpPr>
+        <p:spPr>
+          <a:xfrm flipV="1">
+            <a:off x="6238060" y="1839623"/>
+            <a:ext cx="597484" cy="2412"/>
+          </a:xfrm>
+          <a:prstGeom prst="straightConnector1">
+            <a:avLst/>
+          </a:prstGeom>
+          <a:ln>
+            <a:tailEnd type="triangle"/>
+          </a:ln>
+        </p:spPr>
+        <p:style>
+          <a:lnRef idx="1">
+            <a:schemeClr val="accent1"/>
+          </a:lnRef>
+          <a:fillRef idx="0">
+            <a:schemeClr val="accent1"/>
+          </a:fillRef>
+          <a:effectRef idx="0">
+            <a:schemeClr val="accent1"/>
+          </a:effectRef>
+          <a:fontRef idx="minor">
+            <a:schemeClr val="tx1"/>
+          </a:fontRef>
+        </p:style>
+      </p:cxnSp>
+      <p:cxnSp>
+        <p:nvCxnSpPr>
+          <p:cNvPr id="38" name="Straight Arrow Connector 37">
+            <a:extLst>
+              <a:ext uri="{FF2B5EF4-FFF2-40B4-BE49-F238E27FC236}">
+                <a16:creationId xmlns:a16="http://schemas.microsoft.com/office/drawing/2014/main" id="{6001A3E8-1A60-4CA3-DF0D-72E6A1B2ED26}"/>
+              </a:ext>
+            </a:extLst>
+          </p:cNvPr>
+          <p:cNvCxnSpPr>
+            <a:cxnSpLocks/>
+            <a:stCxn id="16" idx="3"/>
+            <a:endCxn id="19" idx="1"/>
+          </p:cNvCxnSpPr>
+          <p:nvPr/>
+        </p:nvCxnSpPr>
+        <p:spPr>
+          <a:xfrm>
+            <a:off x="9177020" y="1839623"/>
+            <a:ext cx="380245" cy="14121"/>
+          </a:xfrm>
+          <a:prstGeom prst="straightConnector1">
+            <a:avLst/>
+          </a:prstGeom>
+          <a:ln>
+            <a:tailEnd type="triangle"/>
+          </a:ln>
+        </p:spPr>
+        <p:style>
+          <a:lnRef idx="1">
+            <a:schemeClr val="accent1"/>
+          </a:lnRef>
+          <a:fillRef idx="0">
+            <a:schemeClr val="accent1"/>
+          </a:fillRef>
+          <a:effectRef idx="0">
+            <a:schemeClr val="accent1"/>
+          </a:effectRef>
+          <a:fontRef idx="minor">
+            <a:schemeClr val="tx1"/>
+          </a:fontRef>
+        </p:style>
+      </p:cxnSp>
+      <p:cxnSp>
+        <p:nvCxnSpPr>
+          <p:cNvPr id="43" name="Straight Arrow Connector 42">
+            <a:extLst>
+              <a:ext uri="{FF2B5EF4-FFF2-40B4-BE49-F238E27FC236}">
+                <a16:creationId xmlns:a16="http://schemas.microsoft.com/office/drawing/2014/main" id="{F4F87ED1-CCBB-65AE-70C6-4C837227E54A}"/>
+              </a:ext>
+            </a:extLst>
+          </p:cNvPr>
+          <p:cNvCxnSpPr>
+            <a:stCxn id="19" idx="2"/>
+            <a:endCxn id="20" idx="0"/>
+          </p:cNvCxnSpPr>
+          <p:nvPr/>
+        </p:nvCxnSpPr>
+        <p:spPr>
+          <a:xfrm>
+            <a:off x="10728003" y="2377238"/>
+            <a:ext cx="0" cy="830310"/>
+          </a:xfrm>
+          <a:prstGeom prst="straightConnector1">
+            <a:avLst/>
+          </a:prstGeom>
+          <a:ln>
+            <a:tailEnd type="triangle"/>
+          </a:ln>
+        </p:spPr>
+        <p:style>
+          <a:lnRef idx="1">
+            <a:schemeClr val="accent1"/>
+          </a:lnRef>
+          <a:fillRef idx="0">
+            <a:schemeClr val="accent1"/>
+          </a:fillRef>
+          <a:effectRef idx="0">
+            <a:schemeClr val="accent1"/>
+          </a:effectRef>
+          <a:fontRef idx="minor">
+            <a:schemeClr val="tx1"/>
+          </a:fontRef>
+        </p:style>
+      </p:cxnSp>
+      <p:cxnSp>
+        <p:nvCxnSpPr>
+          <p:cNvPr id="46" name="Straight Arrow Connector 45">
+            <a:extLst>
+              <a:ext uri="{FF2B5EF4-FFF2-40B4-BE49-F238E27FC236}">
+                <a16:creationId xmlns:a16="http://schemas.microsoft.com/office/drawing/2014/main" id="{6246BB1A-5C89-338E-A782-AEEB0C95DB9A}"/>
+              </a:ext>
+            </a:extLst>
+          </p:cNvPr>
+          <p:cNvCxnSpPr>
+            <a:stCxn id="20" idx="1"/>
+            <a:endCxn id="21" idx="3"/>
+          </p:cNvCxnSpPr>
+          <p:nvPr/>
+        </p:nvCxnSpPr>
+        <p:spPr>
+          <a:xfrm flipH="1">
+            <a:off x="9028430" y="3731042"/>
+            <a:ext cx="677425" cy="0"/>
+          </a:xfrm>
+          <a:prstGeom prst="straightConnector1">
+            <a:avLst/>
+          </a:prstGeom>
+          <a:ln>
+            <a:tailEnd type="triangle"/>
+          </a:ln>
+        </p:spPr>
+        <p:style>
+          <a:lnRef idx="1">
+            <a:schemeClr val="accent1"/>
+          </a:lnRef>
+          <a:fillRef idx="0">
+            <a:schemeClr val="accent1"/>
+          </a:fillRef>
+          <a:effectRef idx="0">
+            <a:schemeClr val="accent1"/>
+          </a:effectRef>
+          <a:fontRef idx="minor">
+            <a:schemeClr val="tx1"/>
+          </a:fontRef>
+        </p:style>
+      </p:cxnSp>
+      <p:cxnSp>
+        <p:nvCxnSpPr>
+          <p:cNvPr id="49" name="Straight Arrow Connector 48">
+            <a:extLst>
+              <a:ext uri="{FF2B5EF4-FFF2-40B4-BE49-F238E27FC236}">
+                <a16:creationId xmlns:a16="http://schemas.microsoft.com/office/drawing/2014/main" id="{2B13980E-4A91-27E0-6EE8-4C0374FAB715}"/>
+              </a:ext>
+            </a:extLst>
+          </p:cNvPr>
+          <p:cNvCxnSpPr>
+            <a:stCxn id="21" idx="1"/>
+            <a:endCxn id="22" idx="3"/>
+          </p:cNvCxnSpPr>
+          <p:nvPr/>
+        </p:nvCxnSpPr>
+        <p:spPr>
+          <a:xfrm flipH="1">
+            <a:off x="6290699" y="3731042"/>
+            <a:ext cx="693435" cy="3248"/>
+          </a:xfrm>
+          <a:prstGeom prst="straightConnector1">
+            <a:avLst/>
+          </a:prstGeom>
+          <a:ln>
+            <a:tailEnd type="triangle"/>
+          </a:ln>
+        </p:spPr>
+        <p:style>
+          <a:lnRef idx="1">
+            <a:schemeClr val="accent1"/>
+          </a:lnRef>
+          <a:fillRef idx="0">
+            <a:schemeClr val="accent1"/>
+          </a:fillRef>
+          <a:effectRef idx="0">
+            <a:schemeClr val="accent1"/>
+          </a:effectRef>
+          <a:fontRef idx="minor">
+            <a:schemeClr val="tx1"/>
+          </a:fontRef>
+        </p:style>
+      </p:cxnSp>
+      <p:cxnSp>
+        <p:nvCxnSpPr>
+          <p:cNvPr id="52" name="Straight Arrow Connector 51">
+            <a:extLst>
+              <a:ext uri="{FF2B5EF4-FFF2-40B4-BE49-F238E27FC236}">
+                <a16:creationId xmlns:a16="http://schemas.microsoft.com/office/drawing/2014/main" id="{93F2FDBE-DDD2-CA5E-DF32-3DCD4FBE3855}"/>
+              </a:ext>
+            </a:extLst>
+          </p:cNvPr>
+          <p:cNvCxnSpPr>
+            <a:stCxn id="22" idx="1"/>
+            <a:endCxn id="23" idx="3"/>
+          </p:cNvCxnSpPr>
+          <p:nvPr/>
+        </p:nvCxnSpPr>
+        <p:spPr>
+          <a:xfrm flipH="1">
+            <a:off x="3999619" y="3734290"/>
+            <a:ext cx="723124" cy="0"/>
+          </a:xfrm>
+          <a:prstGeom prst="straightConnector1">
+            <a:avLst/>
+          </a:prstGeom>
+          <a:ln>
+            <a:tailEnd type="triangle"/>
+          </a:ln>
+        </p:spPr>
+        <p:style>
+          <a:lnRef idx="1">
+            <a:schemeClr val="accent1"/>
+          </a:lnRef>
+          <a:fillRef idx="0">
+            <a:schemeClr val="accent1"/>
+          </a:fillRef>
+          <a:effectRef idx="0">
+            <a:schemeClr val="accent1"/>
+          </a:effectRef>
+          <a:fontRef idx="minor">
+            <a:schemeClr val="tx1"/>
+          </a:fontRef>
+        </p:style>
+      </p:cxnSp>
+      <p:cxnSp>
+        <p:nvCxnSpPr>
+          <p:cNvPr id="55" name="Straight Arrow Connector 54">
+            <a:extLst>
+              <a:ext uri="{FF2B5EF4-FFF2-40B4-BE49-F238E27FC236}">
+                <a16:creationId xmlns:a16="http://schemas.microsoft.com/office/drawing/2014/main" id="{4D3E12DF-8416-393D-888C-D10837911B6E}"/>
+              </a:ext>
+            </a:extLst>
+          </p:cNvPr>
+          <p:cNvCxnSpPr>
+            <a:stCxn id="23" idx="1"/>
+            <a:endCxn id="24" idx="3"/>
+          </p:cNvCxnSpPr>
+          <p:nvPr/>
+        </p:nvCxnSpPr>
+        <p:spPr>
+          <a:xfrm flipH="1" flipV="1">
+            <a:off x="1723384" y="3728508"/>
+            <a:ext cx="708279" cy="5782"/>
+          </a:xfrm>
+          <a:prstGeom prst="straightConnector1">
+            <a:avLst/>
+          </a:prstGeom>
+          <a:ln>
+            <a:tailEnd type="triangle"/>
+          </a:ln>
+        </p:spPr>
+        <p:style>
+          <a:lnRef idx="1">
+            <a:schemeClr val="accent1"/>
+          </a:lnRef>
+          <a:fillRef idx="0">
+            <a:schemeClr val="accent1"/>
+          </a:fillRef>
+          <a:effectRef idx="0">
+            <a:schemeClr val="accent1"/>
+          </a:effectRef>
+          <a:fontRef idx="minor">
+            <a:schemeClr val="tx1"/>
+          </a:fontRef>
+        </p:style>
+      </p:cxnSp>
+      <p:cxnSp>
+        <p:nvCxnSpPr>
+          <p:cNvPr id="58" name="Straight Arrow Connector 57">
+            <a:extLst>
+              <a:ext uri="{FF2B5EF4-FFF2-40B4-BE49-F238E27FC236}">
+                <a16:creationId xmlns:a16="http://schemas.microsoft.com/office/drawing/2014/main" id="{14C329E2-520A-D12A-2AAF-C20593D8CEC9}"/>
+              </a:ext>
+            </a:extLst>
+          </p:cNvPr>
+          <p:cNvCxnSpPr>
+            <a:stCxn id="24" idx="2"/>
+            <a:endCxn id="25" idx="0"/>
+          </p:cNvCxnSpPr>
+          <p:nvPr/>
+        </p:nvCxnSpPr>
+        <p:spPr>
+          <a:xfrm>
+            <a:off x="939406" y="4127949"/>
+            <a:ext cx="1129" cy="893727"/>
+          </a:xfrm>
+          <a:prstGeom prst="straightConnector1">
+            <a:avLst/>
+          </a:prstGeom>
+          <a:ln>
+            <a:tailEnd type="triangle"/>
+          </a:ln>
+        </p:spPr>
+        <p:style>
+          <a:lnRef idx="1">
+            <a:schemeClr val="accent1"/>
+          </a:lnRef>
+          <a:fillRef idx="0">
+            <a:schemeClr val="accent1"/>
+          </a:fillRef>
+          <a:effectRef idx="0">
+            <a:schemeClr val="accent1"/>
+          </a:effectRef>
+          <a:fontRef idx="minor">
+            <a:schemeClr val="tx1"/>
+          </a:fontRef>
+        </p:style>
+      </p:cxnSp>
+      <p:cxnSp>
+        <p:nvCxnSpPr>
+          <p:cNvPr id="60" name="Straight Arrow Connector 59">
+            <a:extLst>
+              <a:ext uri="{FF2B5EF4-FFF2-40B4-BE49-F238E27FC236}">
+                <a16:creationId xmlns:a16="http://schemas.microsoft.com/office/drawing/2014/main" id="{1A2BA325-1A94-80CE-B027-7004D0B1451C}"/>
+              </a:ext>
+            </a:extLst>
+          </p:cNvPr>
+          <p:cNvCxnSpPr>
+            <a:stCxn id="25" idx="3"/>
+            <a:endCxn id="26" idx="1"/>
+          </p:cNvCxnSpPr>
+          <p:nvPr/>
+        </p:nvCxnSpPr>
+        <p:spPr>
+          <a:xfrm flipV="1">
+            <a:off x="1825283" y="5499496"/>
+            <a:ext cx="384517" cy="4666"/>
+          </a:xfrm>
+          <a:prstGeom prst="straightConnector1">
+            <a:avLst/>
+          </a:prstGeom>
+          <a:ln>
+            <a:tailEnd type="triangle"/>
+          </a:ln>
+        </p:spPr>
+        <p:style>
+          <a:lnRef idx="1">
+            <a:schemeClr val="accent1"/>
+          </a:lnRef>
+          <a:fillRef idx="0">
+            <a:schemeClr val="accent1"/>
+          </a:fillRef>
+          <a:effectRef idx="0">
+            <a:schemeClr val="accent1"/>
+          </a:effectRef>
+          <a:fontRef idx="minor">
+            <a:schemeClr val="tx1"/>
+          </a:fontRef>
+        </p:style>
+      </p:cxnSp>
+      <p:cxnSp>
+        <p:nvCxnSpPr>
+          <p:cNvPr id="63" name="Straight Arrow Connector 62">
+            <a:extLst>
+              <a:ext uri="{FF2B5EF4-FFF2-40B4-BE49-F238E27FC236}">
+                <a16:creationId xmlns:a16="http://schemas.microsoft.com/office/drawing/2014/main" id="{6E292733-1859-91C2-301F-9FA4B5FE1A5A}"/>
+              </a:ext>
+            </a:extLst>
+          </p:cNvPr>
+          <p:cNvCxnSpPr>
+            <a:stCxn id="26" idx="3"/>
+            <a:endCxn id="28" idx="2"/>
+          </p:cNvCxnSpPr>
+          <p:nvPr/>
+        </p:nvCxnSpPr>
+        <p:spPr>
+          <a:xfrm>
+            <a:off x="3777756" y="5499496"/>
+            <a:ext cx="884028" cy="9139"/>
+          </a:xfrm>
+          <a:prstGeom prst="straightConnector1">
+            <a:avLst/>
+          </a:prstGeom>
+          <a:ln>
+            <a:tailEnd type="triangle"/>
+          </a:ln>
+        </p:spPr>
+        <p:style>
+          <a:lnRef idx="1">
+            <a:schemeClr val="accent1"/>
+          </a:lnRef>
+          <a:fillRef idx="0">
+            <a:schemeClr val="accent1"/>
+          </a:fillRef>
+          <a:effectRef idx="0">
+            <a:schemeClr val="accent1"/>
+          </a:effectRef>
+          <a:fontRef idx="minor">
+            <a:schemeClr val="tx1"/>
+          </a:fontRef>
+        </p:style>
+      </p:cxnSp>
+    </p:spTree>
+    <p:extLst>
+      <p:ext uri="{BB962C8B-B14F-4D97-AF65-F5344CB8AC3E}">
+        <p14:creationId xmlns:p14="http://schemas.microsoft.com/office/powerpoint/2010/main" val="953746604"/>
+      </p:ext>
+    </p:extLst>
+  </p:cSld>
+  <p:clrMapOvr>
+    <a:masterClrMapping/>
+  </p:clrMapOvr>
+</p:sld>
+</file>
+
+<file path=ppt/slides/slide7.xml><?xml version="1.0" encoding="utf-8"?>
+<p:sld xmlns:a="http://schemas.openxmlformats.org/drawingml/2006/main" xmlns:r="http://schemas.openxmlformats.org/officeDocument/2006/relationships" xmlns:p="http://schemas.openxmlformats.org/presentationml/2006/main">
+  <p:cSld>
+    <p:spTree>
+      <p:nvGrpSpPr>
+        <p:cNvPr id="1" name="">
+          <a:extLst>
+            <a:ext uri="{FF2B5EF4-FFF2-40B4-BE49-F238E27FC236}">
+              <a16:creationId xmlns:a16="http://schemas.microsoft.com/office/drawing/2014/main" id="{B5319D3D-ACC3-35FF-8D59-35F513F84AEB}"/>
+            </a:ext>
+          </a:extLst>
+        </p:cNvPr>
+        <p:cNvGrpSpPr/>
+        <p:nvPr/>
+      </p:nvGrpSpPr>
+      <p:grpSpPr>
+        <a:xfrm>
+          <a:off x="0" y="0"/>
+          <a:ext cx="0" cy="0"/>
+          <a:chOff x="0" y="0"/>
+          <a:chExt cx="0" cy="0"/>
+        </a:xfrm>
+      </p:grpSpPr>
+      <p:sp>
+        <p:nvSpPr>
+          <p:cNvPr id="2" name="Title 1">
+            <a:extLst>
+              <a:ext uri="{FF2B5EF4-FFF2-40B4-BE49-F238E27FC236}">
+                <a16:creationId xmlns:a16="http://schemas.microsoft.com/office/drawing/2014/main" id="{2827B026-CC74-1C59-CCA9-5C9684E1B7D4}"/>
+              </a:ext>
+            </a:extLst>
+          </p:cNvPr>
+          <p:cNvSpPr>
+            <a:spLocks noGrp="1"/>
+          </p:cNvSpPr>
+          <p:nvPr>
+            <p:ph type="title"/>
+          </p:nvPr>
+        </p:nvSpPr>
+        <p:spPr>
+          <a:xfrm>
+            <a:off x="819665" y="235576"/>
+            <a:ext cx="10515600" cy="839755"/>
+          </a:xfrm>
+        </p:spPr>
+        <p:txBody>
+          <a:bodyPr>
+            <a:normAutofit/>
+          </a:bodyPr>
+          <a:lstStyle/>
+          <a:p>
+            <a:pPr algn="ctr"/>
+            <a:r>
+              <a:rPr lang="en-GB" b="1" dirty="0">
+                <a:solidFill>
+                  <a:schemeClr val="accent2">
+                    <a:lumMod val="50000"/>
+                  </a:schemeClr>
+                </a:solidFill>
+              </a:rPr>
+              <a:t>5. Machine Learning Models</a:t>
+            </a:r>
+            <a:endParaRPr lang="en-IN" b="1" dirty="0">
+              <a:solidFill>
+                <a:schemeClr val="accent2">
+                  <a:lumMod val="50000"/>
+                </a:schemeClr>
+              </a:solidFill>
+            </a:endParaRPr>
+          </a:p>
+        </p:txBody>
+      </p:sp>
+      <p:pic>
+        <p:nvPicPr>
+          <p:cNvPr id="7" name="Picture 6">
+            <a:extLst>
+              <a:ext uri="{FF2B5EF4-FFF2-40B4-BE49-F238E27FC236}">
+                <a16:creationId xmlns:a16="http://schemas.microsoft.com/office/drawing/2014/main" id="{A9D0EDC2-361F-2DFA-6D01-E559F71660A1}"/>
+              </a:ext>
+            </a:extLst>
+          </p:cNvPr>
+          <p:cNvPicPr>
+            <a:picLocks noChangeAspect="1"/>
+          </p:cNvPicPr>
+          <p:nvPr/>
+        </p:nvPicPr>
+        <p:blipFill>
+          <a:blip r:embed="rId2">
+            <a:extLst>
+              <a:ext uri="{28A0092B-C50C-407E-A947-70E740481C1C}">
+                <a14:useLocalDpi xmlns:a14="http://schemas.microsoft.com/office/drawing/2010/main" val="0"/>
+              </a:ext>
+            </a:extLst>
+          </a:blip>
+          <a:srcRect/>
+          <a:stretch/>
+        </p:blipFill>
+        <p:spPr>
+          <a:xfrm>
+            <a:off x="229098" y="-104177"/>
+            <a:ext cx="2511357" cy="1412637"/>
+          </a:xfrm>
+          <a:prstGeom prst="rect">
+            <a:avLst/>
+          </a:prstGeom>
+        </p:spPr>
+      </p:pic>
+      <p:sp>
+        <p:nvSpPr>
+          <p:cNvPr id="6" name="Rectangle 5">
+            <a:extLst>
+              <a:ext uri="{FF2B5EF4-FFF2-40B4-BE49-F238E27FC236}">
+                <a16:creationId xmlns:a16="http://schemas.microsoft.com/office/drawing/2014/main" id="{271E1980-3BA2-0571-E248-0DC584DC9E21}"/>
+              </a:ext>
+            </a:extLst>
+          </p:cNvPr>
+          <p:cNvSpPr/>
+          <p:nvPr/>
+        </p:nvSpPr>
+        <p:spPr>
+          <a:xfrm>
+            <a:off x="0" y="6356350"/>
+            <a:ext cx="12192000" cy="501650"/>
+          </a:xfrm>
+          <a:prstGeom prst="rect">
+            <a:avLst/>
+          </a:prstGeom>
+          <a:solidFill>
+            <a:schemeClr val="accent1">
+              <a:lumMod val="60000"/>
+              <a:lumOff val="40000"/>
+            </a:schemeClr>
+          </a:solidFill>
+        </p:spPr>
+        <p:style>
+          <a:lnRef idx="2">
+            <a:schemeClr val="accent1">
+              <a:shade val="15000"/>
+            </a:schemeClr>
+          </a:lnRef>
+          <a:fillRef idx="1">
+            <a:schemeClr val="accent1"/>
+          </a:fillRef>
+          <a:effectRef idx="0">
+            <a:schemeClr val="accent1"/>
+          </a:effectRef>
+          <a:fontRef idx="minor">
+            <a:schemeClr val="lt1"/>
+          </a:fontRef>
+        </p:style>
+        <p:txBody>
+          <a:bodyPr rtlCol="0" anchor="ctr"/>
+          <a:lstStyle/>
+          <a:p>
+            <a:pPr algn="ctr"/>
+            <a:endParaRPr lang="LID4096"/>
+          </a:p>
+        </p:txBody>
+      </p:sp>
+      <p:cxnSp>
+        <p:nvCxnSpPr>
+          <p:cNvPr id="5" name="Straight Connector 4">
+            <a:extLst>
+              <a:ext uri="{FF2B5EF4-FFF2-40B4-BE49-F238E27FC236}">
+                <a16:creationId xmlns:a16="http://schemas.microsoft.com/office/drawing/2014/main" id="{279DC129-1340-3F70-4C94-23A24071FC39}"/>
+              </a:ext>
+            </a:extLst>
+          </p:cNvPr>
+          <p:cNvCxnSpPr>
+            <a:cxnSpLocks/>
+          </p:cNvCxnSpPr>
+          <p:nvPr/>
+        </p:nvCxnSpPr>
+        <p:spPr>
+          <a:xfrm>
+            <a:off x="0" y="1183609"/>
+            <a:ext cx="12192000" cy="0"/>
+          </a:xfrm>
+          <a:prstGeom prst="line">
+            <a:avLst/>
+          </a:prstGeom>
+          <a:ln>
+            <a:solidFill>
+              <a:schemeClr val="accent1">
+                <a:lumMod val="60000"/>
+                <a:lumOff val="40000"/>
+              </a:schemeClr>
+            </a:solidFill>
+          </a:ln>
+        </p:spPr>
+        <p:style>
+          <a:lnRef idx="1">
+            <a:schemeClr val="accent1"/>
+          </a:lnRef>
+          <a:fillRef idx="0">
+            <a:schemeClr val="accent1"/>
+          </a:fillRef>
+          <a:effectRef idx="0">
+            <a:schemeClr val="accent1"/>
+          </a:effectRef>
+          <a:fontRef idx="minor">
+            <a:schemeClr val="tx1"/>
+          </a:fontRef>
+        </p:style>
+      </p:cxnSp>
+      <p:sp>
+        <p:nvSpPr>
+          <p:cNvPr id="17" name="Date Placeholder 16">
+            <a:extLst>
+              <a:ext uri="{FF2B5EF4-FFF2-40B4-BE49-F238E27FC236}">
+                <a16:creationId xmlns:a16="http://schemas.microsoft.com/office/drawing/2014/main" id="{26033DBC-66E8-5E48-D847-25B7C760148A}"/>
+              </a:ext>
+            </a:extLst>
+          </p:cNvPr>
+          <p:cNvSpPr>
+            <a:spLocks noGrp="1"/>
+          </p:cNvSpPr>
+          <p:nvPr>
+            <p:ph type="dt" sz="half" idx="10"/>
+          </p:nvPr>
+        </p:nvSpPr>
+        <p:spPr/>
+        <p:txBody>
+          <a:bodyPr/>
+          <a:lstStyle/>
+          <a:p>
+            <a:fld id="{036257E0-A100-4250-97F9-3E5E02DD86B0}" type="datetime1">
+              <a:rPr lang="en-IN" smtClean="0">
+                <a:solidFill>
+                  <a:schemeClr val="tx1"/>
+                </a:solidFill>
+              </a:rPr>
+              <a:t>26-12-2025</a:t>
+            </a:fld>
+            <a:endParaRPr lang="en-IN" dirty="0">
+              <a:solidFill>
+                <a:schemeClr val="tx1"/>
+              </a:solidFill>
+            </a:endParaRPr>
+          </a:p>
+        </p:txBody>
+      </p:sp>
+      <p:sp>
+        <p:nvSpPr>
+          <p:cNvPr id="18" name="Slide Number Placeholder 17">
+            <a:extLst>
+              <a:ext uri="{FF2B5EF4-FFF2-40B4-BE49-F238E27FC236}">
+                <a16:creationId xmlns:a16="http://schemas.microsoft.com/office/drawing/2014/main" id="{FE37CC7D-1BCC-E5BD-2395-1A5E2C70D1E4}"/>
+              </a:ext>
+            </a:extLst>
+          </p:cNvPr>
+          <p:cNvSpPr>
+            <a:spLocks noGrp="1"/>
+          </p:cNvSpPr>
+          <p:nvPr>
+            <p:ph type="sldNum" sz="quarter" idx="12"/>
+          </p:nvPr>
+        </p:nvSpPr>
+        <p:spPr/>
+        <p:txBody>
+          <a:bodyPr/>
+          <a:lstStyle/>
+          <a:p>
+            <a:fld id="{E7687761-FC87-4A57-BD27-270B4C7228C2}" type="slidenum">
+              <a:rPr lang="en-IN" smtClean="0">
+                <a:solidFill>
+                  <a:schemeClr val="tx1"/>
+                </a:solidFill>
+              </a:rPr>
+              <a:t>7</a:t>
+            </a:fld>
+            <a:endParaRPr lang="en-IN" dirty="0">
+              <a:solidFill>
+                <a:schemeClr val="tx1"/>
+              </a:solidFill>
+            </a:endParaRPr>
+          </a:p>
+        </p:txBody>
+      </p:sp>
+      <p:pic>
+        <p:nvPicPr>
+          <p:cNvPr id="10" name="Picture 9">
+            <a:extLst>
+              <a:ext uri="{FF2B5EF4-FFF2-40B4-BE49-F238E27FC236}">
+                <a16:creationId xmlns:a16="http://schemas.microsoft.com/office/drawing/2014/main" id="{816AEC2F-D774-09F5-7B21-A6A59352BA46}"/>
+              </a:ext>
+            </a:extLst>
+          </p:cNvPr>
+          <p:cNvPicPr>
+            <a:picLocks noChangeAspect="1"/>
+          </p:cNvPicPr>
+          <p:nvPr/>
+        </p:nvPicPr>
+        <p:blipFill>
+          <a:blip r:embed="rId3">
+            <a:extLst>
+              <a:ext uri="{28A0092B-C50C-407E-A947-70E740481C1C}">
+                <a14:useLocalDpi xmlns:a14="http://schemas.microsoft.com/office/drawing/2010/main" val="0"/>
+              </a:ext>
+            </a:extLst>
+          </a:blip>
+          <a:srcRect/>
+          <a:stretch/>
+        </p:blipFill>
+        <p:spPr>
+          <a:xfrm>
+            <a:off x="10180973" y="31395"/>
+            <a:ext cx="1904503" cy="1058057"/>
+          </a:xfrm>
+          <a:prstGeom prst="rect">
+            <a:avLst/>
+          </a:prstGeom>
+        </p:spPr>
+      </p:pic>
+      <p:sp>
+        <p:nvSpPr>
+          <p:cNvPr id="11" name="Footer Placeholder 1">
+            <a:extLst>
+              <a:ext uri="{FF2B5EF4-FFF2-40B4-BE49-F238E27FC236}">
+                <a16:creationId xmlns:a16="http://schemas.microsoft.com/office/drawing/2014/main" id="{0DCC4A28-F3F2-2D09-3295-9211A401737B}"/>
+              </a:ext>
+            </a:extLst>
+          </p:cNvPr>
+          <p:cNvSpPr>
+            <a:spLocks noGrp="1"/>
+          </p:cNvSpPr>
+          <p:nvPr>
+            <p:ph type="ftr" sz="quarter" idx="11"/>
+          </p:nvPr>
+        </p:nvSpPr>
+        <p:spPr>
+          <a:xfrm>
+            <a:off x="3014980" y="6472294"/>
+            <a:ext cx="6162040" cy="269761"/>
+          </a:xfrm>
+        </p:spPr>
+        <p:txBody>
+          <a:bodyPr/>
+          <a:lstStyle/>
+          <a:p>
+            <a:r>
+              <a:rPr lang="en-US" b="1" dirty="0">
+                <a:solidFill>
+                  <a:schemeClr val="tx1"/>
+                </a:solidFill>
+              </a:rPr>
+              <a:t>Power Prediction and Energy Arbitrage Modeling for Wind Farms Using ML</a:t>
+            </a:r>
+            <a:endParaRPr lang="en-IN" dirty="0">
+              <a:solidFill>
+                <a:schemeClr val="tx1"/>
+              </a:solidFill>
+            </a:endParaRPr>
+          </a:p>
+        </p:txBody>
+      </p:sp>
+      <p:sp>
+        <p:nvSpPr>
+          <p:cNvPr id="12" name="TextBox 11">
+            <a:extLst>
+              <a:ext uri="{FF2B5EF4-FFF2-40B4-BE49-F238E27FC236}">
+                <a16:creationId xmlns:a16="http://schemas.microsoft.com/office/drawing/2014/main" id="{F09F2E2F-5D44-3E67-CC17-529C1BD9F4DF}"/>
+              </a:ext>
+            </a:extLst>
+          </p:cNvPr>
+          <p:cNvSpPr txBox="1"/>
+          <p:nvPr/>
+        </p:nvSpPr>
+        <p:spPr>
+          <a:xfrm>
+            <a:off x="229098" y="1317341"/>
+            <a:ext cx="2011680" cy="646331"/>
+          </a:xfrm>
+          <a:prstGeom prst="rect">
+            <a:avLst/>
+          </a:prstGeom>
+          <a:noFill/>
+        </p:spPr>
+        <p:txBody>
+          <a:bodyPr wrap="square" rtlCol="0">
+            <a:spAutoFit/>
+          </a:bodyPr>
+          <a:lstStyle/>
+          <a:p>
+            <a:r>
+              <a:rPr lang="en-US" sz="3600" b="1" dirty="0"/>
+              <a:t>Why ML?</a:t>
+            </a:r>
+            <a:endParaRPr lang="en-DE" sz="3600" b="1" dirty="0"/>
+          </a:p>
+        </p:txBody>
+      </p:sp>
+      <p:sp>
+        <p:nvSpPr>
+          <p:cNvPr id="15" name="Rectangle: Rounded Corners 14">
+            <a:extLst>
+              <a:ext uri="{FF2B5EF4-FFF2-40B4-BE49-F238E27FC236}">
+                <a16:creationId xmlns:a16="http://schemas.microsoft.com/office/drawing/2014/main" id="{B940BFA5-1DE1-BDC5-D721-7515B00E77A8}"/>
+              </a:ext>
+            </a:extLst>
+          </p:cNvPr>
+          <p:cNvSpPr/>
+          <p:nvPr/>
+        </p:nvSpPr>
+        <p:spPr>
+          <a:xfrm>
+            <a:off x="1234939" y="2911832"/>
+            <a:ext cx="5186182" cy="557160"/>
+          </a:xfrm>
+          <a:prstGeom prst="roundRect">
+            <a:avLst/>
+          </a:prstGeom>
+          <a:solidFill>
+            <a:schemeClr val="accent6">
+              <a:lumMod val="20000"/>
+              <a:lumOff val="80000"/>
+            </a:schemeClr>
+          </a:solidFill>
+        </p:spPr>
+        <p:style>
+          <a:lnRef idx="2">
+            <a:schemeClr val="accent1">
+              <a:shade val="15000"/>
+            </a:schemeClr>
+          </a:lnRef>
+          <a:fillRef idx="1">
+            <a:schemeClr val="accent1"/>
+          </a:fillRef>
+          <a:effectRef idx="0">
+            <a:schemeClr val="accent1"/>
+          </a:effectRef>
+          <a:fontRef idx="minor">
+            <a:schemeClr val="lt1"/>
+          </a:fontRef>
+        </p:style>
+        <p:txBody>
+          <a:bodyPr rtlCol="0" anchor="ctr"/>
+          <a:lstStyle/>
+          <a:p>
+            <a:pPr lvl="0" eaLnBrk="0" fontAlgn="base" hangingPunct="0">
+              <a:lnSpc>
+                <a:spcPct val="150000"/>
+              </a:lnSpc>
+              <a:spcBef>
+                <a:spcPct val="0"/>
+              </a:spcBef>
+              <a:spcAft>
+                <a:spcPct val="0"/>
+              </a:spcAft>
+            </a:pPr>
+            <a:r>
+              <a:rPr lang="en-DE" altLang="en-DE" dirty="0">
+                <a:solidFill>
+                  <a:schemeClr val="tx1"/>
+                </a:solidFill>
+              </a:rPr>
+              <a:t>Wind power and electricity prices change every hour</a:t>
+            </a:r>
+          </a:p>
+        </p:txBody>
+      </p:sp>
+      <p:sp>
+        <p:nvSpPr>
+          <p:cNvPr id="16" name="Rectangle: Rounded Corners 15">
+            <a:extLst>
+              <a:ext uri="{FF2B5EF4-FFF2-40B4-BE49-F238E27FC236}">
+                <a16:creationId xmlns:a16="http://schemas.microsoft.com/office/drawing/2014/main" id="{F82AC912-1F44-0287-F060-F7FDC6A66669}"/>
+              </a:ext>
+            </a:extLst>
+          </p:cNvPr>
+          <p:cNvSpPr/>
+          <p:nvPr/>
+        </p:nvSpPr>
+        <p:spPr>
+          <a:xfrm>
+            <a:off x="1000658" y="2173627"/>
+            <a:ext cx="4859216" cy="557160"/>
+          </a:xfrm>
+          <a:prstGeom prst="roundRect">
+            <a:avLst/>
+          </a:prstGeom>
+          <a:solidFill>
+            <a:schemeClr val="accent6">
+              <a:lumMod val="20000"/>
+              <a:lumOff val="80000"/>
+            </a:schemeClr>
+          </a:solidFill>
+        </p:spPr>
+        <p:style>
+          <a:lnRef idx="2">
+            <a:schemeClr val="accent1">
+              <a:shade val="15000"/>
+            </a:schemeClr>
+          </a:lnRef>
+          <a:fillRef idx="1">
+            <a:schemeClr val="accent1"/>
+          </a:fillRef>
+          <a:effectRef idx="0">
+            <a:schemeClr val="accent1"/>
+          </a:effectRef>
+          <a:fontRef idx="minor">
+            <a:schemeClr val="lt1"/>
+          </a:fontRef>
+        </p:style>
+        <p:txBody>
+          <a:bodyPr rtlCol="0" anchor="ctr"/>
+          <a:lstStyle/>
+          <a:p>
+            <a:pPr lvl="0">
+              <a:lnSpc>
+                <a:spcPct val="150000"/>
+              </a:lnSpc>
+              <a:defRPr/>
+            </a:pPr>
+            <a:r>
+              <a:rPr lang="en-DE" altLang="en-DE" dirty="0">
+                <a:solidFill>
+                  <a:schemeClr val="tx1"/>
+                </a:solidFill>
+              </a:rPr>
+              <a:t>ML helps automate STORE vs SELL decisions</a:t>
+            </a:r>
+            <a:endParaRPr kumimoji="0" lang="en-IN" sz="1800" b="0" i="0" u="none" strike="noStrike" kern="1200" cap="none" spc="0" normalizeH="0" baseline="0" noProof="0" dirty="0">
+              <a:ln>
+                <a:noFill/>
+              </a:ln>
+              <a:solidFill>
+                <a:prstClr val="black"/>
+              </a:solidFill>
+              <a:effectLst/>
+              <a:uLnTx/>
+              <a:uFillTx/>
+              <a:latin typeface="Calibri" panose="020F0502020204030204"/>
+              <a:ea typeface="+mn-ea"/>
+              <a:cs typeface="+mn-cs"/>
+            </a:endParaRPr>
+          </a:p>
+        </p:txBody>
+      </p:sp>
+      <p:sp>
+        <p:nvSpPr>
+          <p:cNvPr id="19" name="Rectangle: Rounded Corners 18">
+            <a:extLst>
+              <a:ext uri="{FF2B5EF4-FFF2-40B4-BE49-F238E27FC236}">
+                <a16:creationId xmlns:a16="http://schemas.microsoft.com/office/drawing/2014/main" id="{EC38BE94-EF75-1C75-B91F-59EC98D41151}"/>
+              </a:ext>
+            </a:extLst>
+          </p:cNvPr>
+          <p:cNvSpPr/>
+          <p:nvPr/>
+        </p:nvSpPr>
+        <p:spPr>
+          <a:xfrm>
+            <a:off x="2354044" y="5117231"/>
+            <a:ext cx="6037039" cy="557160"/>
+          </a:xfrm>
+          <a:prstGeom prst="roundRect">
+            <a:avLst/>
+          </a:prstGeom>
+          <a:solidFill>
+            <a:schemeClr val="accent6">
+              <a:lumMod val="20000"/>
+              <a:lumOff val="80000"/>
+            </a:schemeClr>
+          </a:solidFill>
+        </p:spPr>
+        <p:style>
+          <a:lnRef idx="2">
+            <a:schemeClr val="accent1">
+              <a:shade val="15000"/>
+            </a:schemeClr>
+          </a:lnRef>
+          <a:fillRef idx="1">
+            <a:schemeClr val="accent1"/>
+          </a:fillRef>
+          <a:effectRef idx="0">
+            <a:schemeClr val="accent1"/>
+          </a:effectRef>
+          <a:fontRef idx="minor">
+            <a:schemeClr val="lt1"/>
+          </a:fontRef>
+        </p:style>
+        <p:txBody>
+          <a:bodyPr rtlCol="0" anchor="ctr"/>
+          <a:lstStyle/>
+          <a:p>
+            <a:pPr lvl="0" eaLnBrk="0" fontAlgn="base" hangingPunct="0">
+              <a:lnSpc>
+                <a:spcPct val="150000"/>
+              </a:lnSpc>
+              <a:spcBef>
+                <a:spcPct val="0"/>
+              </a:spcBef>
+              <a:spcAft>
+                <a:spcPct val="0"/>
+              </a:spcAft>
+            </a:pPr>
+            <a:r>
+              <a:rPr lang="en-DE" altLang="en-DE" dirty="0">
+                <a:solidFill>
+                  <a:schemeClr val="tx1"/>
+                </a:solidFill>
+              </a:rPr>
+              <a:t>ML learns from historical data and improves decision accuracy</a:t>
+            </a:r>
+          </a:p>
+        </p:txBody>
+      </p:sp>
+      <p:sp>
+        <p:nvSpPr>
+          <p:cNvPr id="22" name="Rectangle: Rounded Corners 21">
+            <a:extLst>
+              <a:ext uri="{FF2B5EF4-FFF2-40B4-BE49-F238E27FC236}">
+                <a16:creationId xmlns:a16="http://schemas.microsoft.com/office/drawing/2014/main" id="{D84D146A-F1BF-1D6E-F4A8-F717A11B2B76}"/>
+              </a:ext>
+            </a:extLst>
+          </p:cNvPr>
+          <p:cNvSpPr/>
+          <p:nvPr/>
+        </p:nvSpPr>
+        <p:spPr>
+          <a:xfrm>
+            <a:off x="1668605" y="3673440"/>
+            <a:ext cx="5506926" cy="557160"/>
+          </a:xfrm>
+          <a:prstGeom prst="roundRect">
+            <a:avLst/>
+          </a:prstGeom>
+          <a:solidFill>
+            <a:schemeClr val="accent6">
+              <a:lumMod val="20000"/>
+              <a:lumOff val="80000"/>
+            </a:schemeClr>
+          </a:solidFill>
+        </p:spPr>
+        <p:style>
+          <a:lnRef idx="2">
+            <a:schemeClr val="accent1">
+              <a:shade val="15000"/>
+            </a:schemeClr>
+          </a:lnRef>
+          <a:fillRef idx="1">
+            <a:schemeClr val="accent1"/>
+          </a:fillRef>
+          <a:effectRef idx="0">
+            <a:schemeClr val="accent1"/>
+          </a:effectRef>
+          <a:fontRef idx="minor">
+            <a:schemeClr val="lt1"/>
+          </a:fontRef>
+        </p:style>
+        <p:txBody>
+          <a:bodyPr rtlCol="0" anchor="ctr"/>
+          <a:lstStyle/>
+          <a:p>
+            <a:pPr lvl="0" eaLnBrk="0" fontAlgn="base" hangingPunct="0">
+              <a:lnSpc>
+                <a:spcPct val="150000"/>
+              </a:lnSpc>
+              <a:spcBef>
+                <a:spcPct val="0"/>
+              </a:spcBef>
+              <a:spcAft>
+                <a:spcPct val="0"/>
+              </a:spcAft>
+            </a:pPr>
+            <a:r>
+              <a:rPr lang="en-DE" altLang="en-DE" dirty="0">
+                <a:solidFill>
+                  <a:schemeClr val="tx1"/>
+                </a:solidFill>
+              </a:rPr>
+              <a:t>Patterns are </a:t>
+            </a:r>
+            <a:r>
+              <a:rPr lang="en-DE" altLang="en-DE" b="1" dirty="0">
+                <a:solidFill>
+                  <a:schemeClr val="tx1"/>
+                </a:solidFill>
+              </a:rPr>
+              <a:t>non‑linear</a:t>
+            </a:r>
+            <a:r>
+              <a:rPr lang="en-DE" altLang="en-DE" dirty="0">
+                <a:solidFill>
+                  <a:schemeClr val="tx1"/>
+                </a:solidFill>
+              </a:rPr>
+              <a:t> and difficult to capture manually</a:t>
+            </a:r>
+          </a:p>
+        </p:txBody>
+      </p:sp>
+      <p:sp>
+        <p:nvSpPr>
+          <p:cNvPr id="24" name="Oval 23">
+            <a:extLst>
+              <a:ext uri="{FF2B5EF4-FFF2-40B4-BE49-F238E27FC236}">
+                <a16:creationId xmlns:a16="http://schemas.microsoft.com/office/drawing/2014/main" id="{D6B0685D-1502-F43A-ACE7-095ABED19984}"/>
+              </a:ext>
+            </a:extLst>
+          </p:cNvPr>
+          <p:cNvSpPr/>
+          <p:nvPr/>
+        </p:nvSpPr>
+        <p:spPr>
+          <a:xfrm>
+            <a:off x="276058" y="2229982"/>
+            <a:ext cx="541195" cy="482827"/>
+          </a:xfrm>
+          <a:prstGeom prst="ellipse">
+            <a:avLst/>
+          </a:prstGeom>
+          <a:solidFill>
+            <a:schemeClr val="accent4">
+              <a:lumMod val="20000"/>
+              <a:lumOff val="80000"/>
+            </a:schemeClr>
+          </a:solidFill>
+        </p:spPr>
+        <p:style>
+          <a:lnRef idx="2">
+            <a:schemeClr val="accent1">
+              <a:shade val="15000"/>
+            </a:schemeClr>
+          </a:lnRef>
+          <a:fillRef idx="1">
+            <a:schemeClr val="accent1"/>
+          </a:fillRef>
+          <a:effectRef idx="0">
+            <a:schemeClr val="accent1"/>
+          </a:effectRef>
+          <a:fontRef idx="minor">
+            <a:schemeClr val="lt1"/>
+          </a:fontRef>
+        </p:style>
+        <p:txBody>
+          <a:bodyPr rtlCol="0" anchor="ctr"/>
+          <a:lstStyle/>
+          <a:p>
+            <a:pPr marL="0" marR="0" lvl="0" indent="0" algn="ctr" defTabSz="914400" rtl="0" eaLnBrk="1" fontAlgn="auto" latinLnBrk="0" hangingPunct="1">
+              <a:lnSpc>
+                <a:spcPct val="100000"/>
+              </a:lnSpc>
+              <a:spcBef>
+                <a:spcPts val="0"/>
+              </a:spcBef>
+              <a:spcAft>
+                <a:spcPts val="0"/>
+              </a:spcAft>
+              <a:buClrTx/>
+              <a:buSzTx/>
+              <a:buFontTx/>
+              <a:buNone/>
+              <a:tabLst/>
+              <a:defRPr/>
+            </a:pPr>
+            <a:r>
+              <a:rPr kumimoji="0" lang="en-GB" sz="1800" b="0" i="0" u="none" strike="noStrike" kern="1200" cap="none" spc="0" normalizeH="0" baseline="0" noProof="0" dirty="0">
+                <a:ln>
+                  <a:noFill/>
+                </a:ln>
+                <a:solidFill>
+                  <a:prstClr val="black"/>
+                </a:solidFill>
+                <a:effectLst/>
+                <a:uLnTx/>
+                <a:uFillTx/>
+                <a:latin typeface="Calibri" panose="020F0502020204030204"/>
+                <a:ea typeface="+mn-ea"/>
+                <a:cs typeface="+mn-cs"/>
+              </a:rPr>
+              <a:t>1</a:t>
+            </a:r>
+            <a:endParaRPr kumimoji="0" lang="LID4096" sz="1800" b="0" i="0" u="none" strike="noStrike" kern="1200" cap="none" spc="0" normalizeH="0" baseline="0" noProof="0" dirty="0">
+              <a:ln>
+                <a:noFill/>
+              </a:ln>
+              <a:solidFill>
+                <a:prstClr val="black"/>
+              </a:solidFill>
+              <a:effectLst/>
+              <a:uLnTx/>
+              <a:uFillTx/>
+              <a:latin typeface="Calibri" panose="020F0502020204030204"/>
+              <a:ea typeface="+mn-ea"/>
+              <a:cs typeface="+mn-cs"/>
+            </a:endParaRPr>
+          </a:p>
+        </p:txBody>
+      </p:sp>
+      <p:sp>
+        <p:nvSpPr>
+          <p:cNvPr id="25" name="Oval 24">
+            <a:extLst>
+              <a:ext uri="{FF2B5EF4-FFF2-40B4-BE49-F238E27FC236}">
+                <a16:creationId xmlns:a16="http://schemas.microsoft.com/office/drawing/2014/main" id="{D8E77D1E-2001-C4B6-C83A-2A81872151E0}"/>
+              </a:ext>
+            </a:extLst>
+          </p:cNvPr>
+          <p:cNvSpPr/>
+          <p:nvPr/>
+        </p:nvSpPr>
+        <p:spPr>
+          <a:xfrm>
+            <a:off x="517858" y="2979119"/>
+            <a:ext cx="541195" cy="482827"/>
+          </a:xfrm>
+          <a:prstGeom prst="ellipse">
+            <a:avLst/>
+          </a:prstGeom>
+          <a:solidFill>
+            <a:schemeClr val="accent4">
+              <a:lumMod val="20000"/>
+              <a:lumOff val="80000"/>
+            </a:schemeClr>
+          </a:solidFill>
+        </p:spPr>
+        <p:style>
+          <a:lnRef idx="2">
+            <a:schemeClr val="accent1">
+              <a:shade val="15000"/>
+            </a:schemeClr>
+          </a:lnRef>
+          <a:fillRef idx="1">
+            <a:schemeClr val="accent1"/>
+          </a:fillRef>
+          <a:effectRef idx="0">
+            <a:schemeClr val="accent1"/>
+          </a:effectRef>
+          <a:fontRef idx="minor">
+            <a:schemeClr val="lt1"/>
+          </a:fontRef>
+        </p:style>
+        <p:txBody>
+          <a:bodyPr rtlCol="0" anchor="ctr"/>
+          <a:lstStyle/>
+          <a:p>
+            <a:pPr marL="0" marR="0" lvl="0" indent="0" algn="ctr" defTabSz="914400" rtl="0" eaLnBrk="1" fontAlgn="auto" latinLnBrk="0" hangingPunct="1">
+              <a:lnSpc>
+                <a:spcPct val="100000"/>
+              </a:lnSpc>
+              <a:spcBef>
+                <a:spcPts val="0"/>
+              </a:spcBef>
+              <a:spcAft>
+                <a:spcPts val="0"/>
+              </a:spcAft>
+              <a:buClrTx/>
+              <a:buSzTx/>
+              <a:buFontTx/>
+              <a:buNone/>
+              <a:tabLst/>
+              <a:defRPr/>
+            </a:pPr>
+            <a:r>
+              <a:rPr kumimoji="0" lang="en-GB" sz="1800" b="0" i="0" u="none" strike="noStrike" kern="1200" cap="none" spc="0" normalizeH="0" baseline="0" noProof="0" dirty="0">
+                <a:ln>
+                  <a:noFill/>
+                </a:ln>
+                <a:solidFill>
+                  <a:prstClr val="black"/>
+                </a:solidFill>
+                <a:effectLst/>
+                <a:uLnTx/>
+                <a:uFillTx/>
+                <a:latin typeface="Calibri" panose="020F0502020204030204"/>
+                <a:ea typeface="+mn-ea"/>
+                <a:cs typeface="+mn-cs"/>
+              </a:rPr>
+              <a:t>2</a:t>
+            </a:r>
+            <a:endParaRPr kumimoji="0" lang="LID4096" sz="1800" b="0" i="0" u="none" strike="noStrike" kern="1200" cap="none" spc="0" normalizeH="0" baseline="0" noProof="0" dirty="0">
+              <a:ln>
+                <a:noFill/>
+              </a:ln>
+              <a:solidFill>
+                <a:prstClr val="black"/>
+              </a:solidFill>
+              <a:effectLst/>
+              <a:uLnTx/>
+              <a:uFillTx/>
+              <a:latin typeface="Calibri" panose="020F0502020204030204"/>
+              <a:ea typeface="+mn-ea"/>
+              <a:cs typeface="+mn-cs"/>
+            </a:endParaRPr>
+          </a:p>
+        </p:txBody>
+      </p:sp>
+      <p:sp>
+        <p:nvSpPr>
+          <p:cNvPr id="26" name="Oval 25">
+            <a:extLst>
+              <a:ext uri="{FF2B5EF4-FFF2-40B4-BE49-F238E27FC236}">
+                <a16:creationId xmlns:a16="http://schemas.microsoft.com/office/drawing/2014/main" id="{DFBFD14D-8CDF-40E8-FAEB-F4221F79DF58}"/>
+              </a:ext>
+            </a:extLst>
+          </p:cNvPr>
+          <p:cNvSpPr/>
+          <p:nvPr/>
+        </p:nvSpPr>
+        <p:spPr>
+          <a:xfrm>
+            <a:off x="838900" y="3728321"/>
+            <a:ext cx="541195" cy="482827"/>
+          </a:xfrm>
+          <a:prstGeom prst="ellipse">
+            <a:avLst/>
+          </a:prstGeom>
+          <a:solidFill>
+            <a:schemeClr val="accent4">
+              <a:lumMod val="20000"/>
+              <a:lumOff val="80000"/>
+            </a:schemeClr>
+          </a:solidFill>
+        </p:spPr>
+        <p:style>
+          <a:lnRef idx="2">
+            <a:schemeClr val="accent1">
+              <a:shade val="15000"/>
+            </a:schemeClr>
+          </a:lnRef>
+          <a:fillRef idx="1">
+            <a:schemeClr val="accent1"/>
+          </a:fillRef>
+          <a:effectRef idx="0">
+            <a:schemeClr val="accent1"/>
+          </a:effectRef>
+          <a:fontRef idx="minor">
+            <a:schemeClr val="lt1"/>
+          </a:fontRef>
+        </p:style>
+        <p:txBody>
+          <a:bodyPr rtlCol="0" anchor="ctr"/>
+          <a:lstStyle/>
+          <a:p>
+            <a:pPr marL="0" marR="0" lvl="0" indent="0" algn="ctr" defTabSz="914400" rtl="0" eaLnBrk="1" fontAlgn="auto" latinLnBrk="0" hangingPunct="1">
+              <a:lnSpc>
+                <a:spcPct val="100000"/>
+              </a:lnSpc>
+              <a:spcBef>
+                <a:spcPts val="0"/>
+              </a:spcBef>
+              <a:spcAft>
+                <a:spcPts val="0"/>
+              </a:spcAft>
+              <a:buClrTx/>
+              <a:buSzTx/>
+              <a:buFontTx/>
+              <a:buNone/>
+              <a:tabLst/>
+              <a:defRPr/>
+            </a:pPr>
+            <a:r>
+              <a:rPr kumimoji="0" lang="en-GB" sz="1800" b="0" i="0" u="none" strike="noStrike" kern="1200" cap="none" spc="0" normalizeH="0" baseline="0" noProof="0" dirty="0">
+                <a:ln>
+                  <a:noFill/>
+                </a:ln>
+                <a:solidFill>
+                  <a:prstClr val="black"/>
+                </a:solidFill>
+                <a:effectLst/>
+                <a:uLnTx/>
+                <a:uFillTx/>
+                <a:latin typeface="Calibri" panose="020F0502020204030204"/>
+                <a:ea typeface="+mn-ea"/>
+                <a:cs typeface="+mn-cs"/>
+              </a:rPr>
+              <a:t>3</a:t>
+            </a:r>
+            <a:endParaRPr kumimoji="0" lang="LID4096" sz="1800" b="0" i="0" u="none" strike="noStrike" kern="1200" cap="none" spc="0" normalizeH="0" baseline="0" noProof="0" dirty="0">
+              <a:ln>
+                <a:noFill/>
+              </a:ln>
+              <a:solidFill>
+                <a:prstClr val="black"/>
+              </a:solidFill>
+              <a:effectLst/>
+              <a:uLnTx/>
+              <a:uFillTx/>
+              <a:latin typeface="Calibri" panose="020F0502020204030204"/>
+              <a:ea typeface="+mn-ea"/>
+              <a:cs typeface="+mn-cs"/>
+            </a:endParaRPr>
+          </a:p>
+        </p:txBody>
+      </p:sp>
+      <p:sp>
+        <p:nvSpPr>
+          <p:cNvPr id="27" name="Oval 26">
+            <a:extLst>
+              <a:ext uri="{FF2B5EF4-FFF2-40B4-BE49-F238E27FC236}">
+                <a16:creationId xmlns:a16="http://schemas.microsoft.com/office/drawing/2014/main" id="{C4ACC668-9D48-DA14-FFB1-A1C09332460B}"/>
+              </a:ext>
+            </a:extLst>
+          </p:cNvPr>
+          <p:cNvSpPr/>
+          <p:nvPr/>
+        </p:nvSpPr>
+        <p:spPr>
+          <a:xfrm>
+            <a:off x="1214178" y="4469174"/>
+            <a:ext cx="541195" cy="482827"/>
+          </a:xfrm>
+          <a:prstGeom prst="ellipse">
+            <a:avLst/>
+          </a:prstGeom>
+          <a:solidFill>
+            <a:schemeClr val="accent4">
+              <a:lumMod val="20000"/>
+              <a:lumOff val="80000"/>
+            </a:schemeClr>
+          </a:solidFill>
+        </p:spPr>
+        <p:style>
+          <a:lnRef idx="2">
+            <a:schemeClr val="accent1">
+              <a:shade val="15000"/>
+            </a:schemeClr>
+          </a:lnRef>
+          <a:fillRef idx="1">
+            <a:schemeClr val="accent1"/>
+          </a:fillRef>
+          <a:effectRef idx="0">
+            <a:schemeClr val="accent1"/>
+          </a:effectRef>
+          <a:fontRef idx="minor">
+            <a:schemeClr val="lt1"/>
+          </a:fontRef>
+        </p:style>
+        <p:txBody>
+          <a:bodyPr rtlCol="0" anchor="ctr"/>
+          <a:lstStyle/>
+          <a:p>
+            <a:pPr marL="0" marR="0" lvl="0" indent="0" algn="ctr" defTabSz="914400" rtl="0" eaLnBrk="1" fontAlgn="auto" latinLnBrk="0" hangingPunct="1">
+              <a:lnSpc>
+                <a:spcPct val="100000"/>
+              </a:lnSpc>
+              <a:spcBef>
+                <a:spcPts val="0"/>
+              </a:spcBef>
+              <a:spcAft>
+                <a:spcPts val="0"/>
+              </a:spcAft>
+              <a:buClrTx/>
+              <a:buSzTx/>
+              <a:buFontTx/>
+              <a:buNone/>
+              <a:tabLst/>
+              <a:defRPr/>
+            </a:pPr>
+            <a:r>
+              <a:rPr kumimoji="0" lang="en-GB" sz="1800" b="0" i="0" u="none" strike="noStrike" kern="1200" cap="none" spc="0" normalizeH="0" baseline="0" noProof="0" dirty="0">
+                <a:ln>
+                  <a:noFill/>
+                </a:ln>
+                <a:solidFill>
+                  <a:prstClr val="black"/>
+                </a:solidFill>
+                <a:effectLst/>
+                <a:uLnTx/>
+                <a:uFillTx/>
+                <a:latin typeface="Calibri" panose="020F0502020204030204"/>
+                <a:ea typeface="+mn-ea"/>
+                <a:cs typeface="+mn-cs"/>
+              </a:rPr>
+              <a:t>4</a:t>
+            </a:r>
+            <a:endParaRPr kumimoji="0" lang="LID4096" sz="1800" b="0" i="0" u="none" strike="noStrike" kern="1200" cap="none" spc="0" normalizeH="0" baseline="0" noProof="0" dirty="0">
+              <a:ln>
+                <a:noFill/>
+              </a:ln>
+              <a:solidFill>
+                <a:prstClr val="black"/>
+              </a:solidFill>
+              <a:effectLst/>
+              <a:uLnTx/>
+              <a:uFillTx/>
+              <a:latin typeface="Calibri" panose="020F0502020204030204"/>
+              <a:ea typeface="+mn-ea"/>
+              <a:cs typeface="+mn-cs"/>
+            </a:endParaRPr>
+          </a:p>
+        </p:txBody>
+      </p:sp>
+      <p:sp>
+        <p:nvSpPr>
+          <p:cNvPr id="28" name="Oval 27">
+            <a:extLst>
+              <a:ext uri="{FF2B5EF4-FFF2-40B4-BE49-F238E27FC236}">
+                <a16:creationId xmlns:a16="http://schemas.microsoft.com/office/drawing/2014/main" id="{6261D969-6FD0-865F-04E6-2B83B3941846}"/>
+              </a:ext>
+            </a:extLst>
+          </p:cNvPr>
+          <p:cNvSpPr/>
+          <p:nvPr/>
+        </p:nvSpPr>
+        <p:spPr>
+          <a:xfrm>
+            <a:off x="1668605" y="5210027"/>
+            <a:ext cx="541195" cy="482827"/>
+          </a:xfrm>
+          <a:prstGeom prst="ellipse">
+            <a:avLst/>
+          </a:prstGeom>
+          <a:solidFill>
+            <a:schemeClr val="accent4">
+              <a:lumMod val="20000"/>
+              <a:lumOff val="80000"/>
+            </a:schemeClr>
+          </a:solidFill>
+        </p:spPr>
+        <p:style>
+          <a:lnRef idx="2">
+            <a:schemeClr val="accent1">
+              <a:shade val="15000"/>
+            </a:schemeClr>
+          </a:lnRef>
+          <a:fillRef idx="1">
+            <a:schemeClr val="accent1"/>
+          </a:fillRef>
+          <a:effectRef idx="0">
+            <a:schemeClr val="accent1"/>
+          </a:effectRef>
+          <a:fontRef idx="minor">
+            <a:schemeClr val="lt1"/>
+          </a:fontRef>
+        </p:style>
+        <p:txBody>
+          <a:bodyPr rtlCol="0" anchor="ctr"/>
+          <a:lstStyle/>
+          <a:p>
+            <a:pPr marL="0" marR="0" lvl="0" indent="0" algn="ctr" defTabSz="914400" rtl="0" eaLnBrk="1" fontAlgn="auto" latinLnBrk="0" hangingPunct="1">
+              <a:lnSpc>
+                <a:spcPct val="100000"/>
+              </a:lnSpc>
+              <a:spcBef>
+                <a:spcPts val="0"/>
+              </a:spcBef>
+              <a:spcAft>
+                <a:spcPts val="0"/>
+              </a:spcAft>
+              <a:buClrTx/>
+              <a:buSzTx/>
+              <a:buFontTx/>
+              <a:buNone/>
+              <a:tabLst/>
+              <a:defRPr/>
+            </a:pPr>
+            <a:r>
+              <a:rPr kumimoji="0" lang="en-GB" sz="1800" b="0" i="0" u="none" strike="noStrike" kern="1200" cap="none" spc="0" normalizeH="0" baseline="0" noProof="0" dirty="0">
+                <a:ln>
+                  <a:noFill/>
+                </a:ln>
+                <a:solidFill>
+                  <a:prstClr val="black"/>
+                </a:solidFill>
+                <a:effectLst/>
+                <a:uLnTx/>
+                <a:uFillTx/>
+                <a:latin typeface="Calibri" panose="020F0502020204030204"/>
+                <a:ea typeface="+mn-ea"/>
+                <a:cs typeface="+mn-cs"/>
+              </a:rPr>
+              <a:t>5</a:t>
+            </a:r>
+            <a:endParaRPr kumimoji="0" lang="LID4096" sz="1800" b="0" i="0" u="none" strike="noStrike" kern="1200" cap="none" spc="0" normalizeH="0" baseline="0" noProof="0" dirty="0">
+              <a:ln>
+                <a:noFill/>
+              </a:ln>
+              <a:solidFill>
+                <a:prstClr val="black"/>
+              </a:solidFill>
+              <a:effectLst/>
+              <a:uLnTx/>
+              <a:uFillTx/>
+              <a:latin typeface="Calibri" panose="020F0502020204030204"/>
+              <a:ea typeface="+mn-ea"/>
+              <a:cs typeface="+mn-cs"/>
+            </a:endParaRPr>
+          </a:p>
+        </p:txBody>
+      </p:sp>
+      <p:sp>
+        <p:nvSpPr>
+          <p:cNvPr id="31" name="Rectangle: Rounded Corners 30">
+            <a:extLst>
+              <a:ext uri="{FF2B5EF4-FFF2-40B4-BE49-F238E27FC236}">
+                <a16:creationId xmlns:a16="http://schemas.microsoft.com/office/drawing/2014/main" id="{4EBEA870-536C-E592-F83A-B744E7A11792}"/>
+              </a:ext>
+            </a:extLst>
+          </p:cNvPr>
+          <p:cNvSpPr/>
+          <p:nvPr/>
+        </p:nvSpPr>
+        <p:spPr>
+          <a:xfrm>
+            <a:off x="2049704" y="4383505"/>
+            <a:ext cx="5855974" cy="557160"/>
+          </a:xfrm>
+          <a:prstGeom prst="roundRect">
+            <a:avLst/>
+          </a:prstGeom>
+          <a:solidFill>
+            <a:schemeClr val="accent6">
+              <a:lumMod val="20000"/>
+              <a:lumOff val="80000"/>
+            </a:schemeClr>
+          </a:solidFill>
+        </p:spPr>
+        <p:style>
+          <a:lnRef idx="2">
+            <a:schemeClr val="accent1">
+              <a:shade val="15000"/>
+            </a:schemeClr>
+          </a:lnRef>
+          <a:fillRef idx="1">
+            <a:schemeClr val="accent1"/>
+          </a:fillRef>
+          <a:effectRef idx="0">
+            <a:schemeClr val="accent1"/>
+          </a:effectRef>
+          <a:fontRef idx="minor">
+            <a:schemeClr val="lt1"/>
+          </a:fontRef>
+        </p:style>
+        <p:txBody>
+          <a:bodyPr rtlCol="0" anchor="ctr"/>
+          <a:lstStyle/>
+          <a:p>
+            <a:pPr lvl="0" eaLnBrk="0" fontAlgn="base" hangingPunct="0">
+              <a:lnSpc>
+                <a:spcPct val="150000"/>
+              </a:lnSpc>
+              <a:spcBef>
+                <a:spcPct val="0"/>
+              </a:spcBef>
+              <a:spcAft>
+                <a:spcPct val="0"/>
+              </a:spcAft>
+            </a:pPr>
+            <a:r>
+              <a:rPr lang="en-DE" altLang="en-DE" dirty="0">
+                <a:solidFill>
+                  <a:schemeClr val="tx1"/>
+                </a:solidFill>
+              </a:rPr>
+              <a:t>ML reduces human guesswork and increases profit potential</a:t>
+            </a:r>
+          </a:p>
+        </p:txBody>
+      </p:sp>
+      <p:pic>
+        <p:nvPicPr>
+          <p:cNvPr id="2051" name="Picture 3">
+            <a:extLst>
+              <a:ext uri="{FF2B5EF4-FFF2-40B4-BE49-F238E27FC236}">
+                <a16:creationId xmlns:a16="http://schemas.microsoft.com/office/drawing/2014/main" id="{838B9613-B8A4-F852-242B-00B926F6053A}"/>
+              </a:ext>
+            </a:extLst>
+          </p:cNvPr>
+          <p:cNvPicPr>
+            <a:picLocks noChangeAspect="1" noChangeArrowheads="1"/>
+          </p:cNvPicPr>
+          <p:nvPr/>
+        </p:nvPicPr>
+        <p:blipFill>
+          <a:blip r:embed="rId4">
+            <a:extLst>
+              <a:ext uri="{28A0092B-C50C-407E-A947-70E740481C1C}">
+                <a14:useLocalDpi xmlns:a14="http://schemas.microsoft.com/office/drawing/2010/main" val="0"/>
+              </a:ext>
+            </a:extLst>
+          </a:blip>
+          <a:srcRect/>
+          <a:stretch>
+            <a:fillRect/>
+          </a:stretch>
+        </p:blipFill>
+        <p:spPr bwMode="auto">
+          <a:xfrm>
+            <a:off x="7501422" y="1318615"/>
+            <a:ext cx="4414520" cy="2120464"/>
+          </a:xfrm>
+          <a:prstGeom prst="rect">
+            <a:avLst/>
+          </a:prstGeom>
+          <a:noFill/>
+          <a:extLst>
+            <a:ext uri="{909E8E84-426E-40DD-AFC4-6F175D3DCCD1}">
+              <a14:hiddenFill xmlns:a14="http://schemas.microsoft.com/office/drawing/2010/main">
+                <a:solidFill>
+                  <a:srgbClr val="FFFFFF"/>
+                </a:solidFill>
+              </a14:hiddenFill>
+            </a:ext>
+          </a:extLst>
+        </p:spPr>
+      </p:pic>
+      <p:sp>
+        <p:nvSpPr>
+          <p:cNvPr id="32" name="TextBox 31">
+            <a:extLst>
+              <a:ext uri="{FF2B5EF4-FFF2-40B4-BE49-F238E27FC236}">
+                <a16:creationId xmlns:a16="http://schemas.microsoft.com/office/drawing/2014/main" id="{E6744C8F-F838-715C-E793-4BB2FEE1F717}"/>
+              </a:ext>
+            </a:extLst>
+          </p:cNvPr>
+          <p:cNvSpPr txBox="1"/>
+          <p:nvPr/>
+        </p:nvSpPr>
+        <p:spPr>
+          <a:xfrm>
+            <a:off x="7824002" y="3484009"/>
+            <a:ext cx="3793258" cy="244312"/>
+          </a:xfrm>
+          <a:prstGeom prst="rect">
+            <a:avLst/>
+          </a:prstGeom>
+          <a:noFill/>
+        </p:spPr>
+        <p:txBody>
+          <a:bodyPr wrap="square" rtlCol="0">
+            <a:spAutoFit/>
+          </a:bodyPr>
+          <a:lstStyle/>
+          <a:p>
+            <a:r>
+              <a:rPr lang="en-US" sz="1000" dirty="0"/>
+              <a:t>Reference: </a:t>
+            </a:r>
+            <a:r>
+              <a:rPr lang="en-US" sz="1000" dirty="0">
+                <a:hlinkClick r:id="rId5"/>
+              </a:rPr>
+              <a:t>https://www.vecteezy.com/free-photos/machine-learning</a:t>
+            </a:r>
+            <a:r>
+              <a:rPr lang="en-US" sz="1000" dirty="0"/>
+              <a:t> </a:t>
+            </a:r>
+            <a:endParaRPr lang="en-DE" sz="1000" dirty="0"/>
+          </a:p>
+        </p:txBody>
+      </p:sp>
+    </p:spTree>
+    <p:extLst>
+      <p:ext uri="{BB962C8B-B14F-4D97-AF65-F5344CB8AC3E}">
+        <p14:creationId xmlns:p14="http://schemas.microsoft.com/office/powerpoint/2010/main" val="2106249000"/>
+      </p:ext>
+    </p:extLst>
+  </p:cSld>
+  <p:clrMapOvr>
+    <a:masterClrMapping/>
+  </p:clrMapOvr>
+  <p:timing>
+    <p:tnLst>
+      <p:par>
+        <p:cTn id="1" dur="indefinite" restart="never" nodeType="tmRoot">
+          <p:childTnLst>
+            <p:seq concurrent="1" nextAc="seek">
+              <p:cTn id="2" dur="indefinite" nodeType="mainSeq">
+                <p:childTnLst>
+                  <p:par>
+                    <p:cTn id="3" fill="hold">
+                      <p:stCondLst>
+                        <p:cond delay="indefinite"/>
+                        <p:cond evt="onBegin" delay="0">
+                          <p:tn val="2"/>
+                        </p:cond>
+                      </p:stCondLst>
+                      <p:childTnLst>
+                        <p:par>
+                          <p:cTn id="4" fill="hold">
+                            <p:stCondLst>
+                              <p:cond delay="0"/>
+                            </p:stCondLst>
+                            <p:childTnLst>
+                              <p:par>
+                                <p:cTn id="5" presetID="2" presetClass="entr" presetSubtype="4" fill="hold" grpId="0" nodeType="withEffect">
+                                  <p:stCondLst>
+                                    <p:cond delay="0"/>
+                                  </p:stCondLst>
+                                  <p:childTnLst>
+                                    <p:set>
+                                      <p:cBhvr>
+                                        <p:cTn id="6" dur="1" fill="hold">
+                                          <p:stCondLst>
+                                            <p:cond delay="0"/>
+                                          </p:stCondLst>
+                                        </p:cTn>
+                                        <p:tgtEl>
+                                          <p:spTgt spid="24"/>
+                                        </p:tgtEl>
+                                        <p:attrNameLst>
+                                          <p:attrName>style.visibility</p:attrName>
+                                        </p:attrNameLst>
+                                      </p:cBhvr>
+                                      <p:to>
+                                        <p:strVal val="visible"/>
+                                      </p:to>
+                                    </p:set>
+                                    <p:anim calcmode="lin" valueType="num">
+                                      <p:cBhvr additive="base">
+                                        <p:cTn id="7" dur="500" fill="hold"/>
+                                        <p:tgtEl>
+                                          <p:spTgt spid="24"/>
+                                        </p:tgtEl>
+                                        <p:attrNameLst>
+                                          <p:attrName>ppt_x</p:attrName>
+                                        </p:attrNameLst>
+                                      </p:cBhvr>
+                                      <p:tavLst>
+                                        <p:tav tm="0">
+                                          <p:val>
+                                            <p:strVal val="#ppt_x"/>
+                                          </p:val>
+                                        </p:tav>
+                                        <p:tav tm="100000">
+                                          <p:val>
+                                            <p:strVal val="#ppt_x"/>
+                                          </p:val>
+                                        </p:tav>
+                                      </p:tavLst>
+                                    </p:anim>
+                                    <p:anim calcmode="lin" valueType="num">
+                                      <p:cBhvr additive="base">
+                                        <p:cTn id="8" dur="500" fill="hold"/>
+                                        <p:tgtEl>
+                                          <p:spTgt spid="24"/>
+                                        </p:tgtEl>
+                                        <p:attrNameLst>
+                                          <p:attrName>ppt_y</p:attrName>
+                                        </p:attrNameLst>
+                                      </p:cBhvr>
+                                      <p:tavLst>
+                                        <p:tav tm="0">
+                                          <p:val>
+                                            <p:strVal val="1+#ppt_h/2"/>
+                                          </p:val>
+                                        </p:tav>
+                                        <p:tav tm="100000">
+                                          <p:val>
+                                            <p:strVal val="#ppt_y"/>
+                                          </p:val>
+                                        </p:tav>
+                                      </p:tavLst>
+                                    </p:anim>
+                                  </p:childTnLst>
+                                </p:cTn>
+                              </p:par>
+                            </p:childTnLst>
+                          </p:cTn>
+                        </p:par>
+                      </p:childTnLst>
+                    </p:cTn>
+                  </p:par>
+                  <p:par>
+                    <p:cTn id="9" fill="hold">
+                      <p:stCondLst>
+                        <p:cond delay="indefinite"/>
+                      </p:stCondLst>
+                      <p:childTnLst>
+                        <p:par>
+                          <p:cTn id="10" fill="hold">
+                            <p:stCondLst>
+                              <p:cond delay="0"/>
+                            </p:stCondLst>
+                            <p:childTnLst>
+                              <p:par>
+                                <p:cTn id="11" presetID="2" presetClass="entr" presetSubtype="4" fill="hold" grpId="0" nodeType="clickEffect">
+                                  <p:stCondLst>
+                                    <p:cond delay="0"/>
+                                  </p:stCondLst>
+                                  <p:childTnLst>
+                                    <p:set>
+                                      <p:cBhvr>
+                                        <p:cTn id="12" dur="1" fill="hold">
+                                          <p:stCondLst>
+                                            <p:cond delay="0"/>
+                                          </p:stCondLst>
+                                        </p:cTn>
+                                        <p:tgtEl>
+                                          <p:spTgt spid="15"/>
+                                        </p:tgtEl>
+                                        <p:attrNameLst>
+                                          <p:attrName>style.visibility</p:attrName>
+                                        </p:attrNameLst>
+                                      </p:cBhvr>
+                                      <p:to>
+                                        <p:strVal val="visible"/>
+                                      </p:to>
+                                    </p:set>
+                                    <p:anim calcmode="lin" valueType="num">
+                                      <p:cBhvr additive="base">
+                                        <p:cTn id="13" dur="500" fill="hold"/>
+                                        <p:tgtEl>
+                                          <p:spTgt spid="15"/>
+                                        </p:tgtEl>
+                                        <p:attrNameLst>
+                                          <p:attrName>ppt_x</p:attrName>
+                                        </p:attrNameLst>
+                                      </p:cBhvr>
+                                      <p:tavLst>
+                                        <p:tav tm="0">
+                                          <p:val>
+                                            <p:strVal val="#ppt_x"/>
+                                          </p:val>
+                                        </p:tav>
+                                        <p:tav tm="100000">
+                                          <p:val>
+                                            <p:strVal val="#ppt_x"/>
+                                          </p:val>
+                                        </p:tav>
+                                      </p:tavLst>
+                                    </p:anim>
+                                    <p:anim calcmode="lin" valueType="num">
+                                      <p:cBhvr additive="base">
+                                        <p:cTn id="14" dur="500" fill="hold"/>
+                                        <p:tgtEl>
+                                          <p:spTgt spid="15"/>
+                                        </p:tgtEl>
+                                        <p:attrNameLst>
+                                          <p:attrName>ppt_y</p:attrName>
+                                        </p:attrNameLst>
+                                      </p:cBhvr>
+                                      <p:tavLst>
+                                        <p:tav tm="0">
+                                          <p:val>
+                                            <p:strVal val="1+#ppt_h/2"/>
+                                          </p:val>
+                                        </p:tav>
+                                        <p:tav tm="100000">
+                                          <p:val>
+                                            <p:strVal val="#ppt_y"/>
+                                          </p:val>
+                                        </p:tav>
+                                      </p:tavLst>
+                                    </p:anim>
+                                  </p:childTnLst>
+                                </p:cTn>
+                              </p:par>
+                              <p:par>
+                                <p:cTn id="15" presetID="2" presetClass="entr" presetSubtype="4" fill="hold" grpId="0" nodeType="withEffect">
+                                  <p:stCondLst>
+                                    <p:cond delay="0"/>
+                                  </p:stCondLst>
+                                  <p:childTnLst>
+                                    <p:set>
+                                      <p:cBhvr>
+                                        <p:cTn id="16" dur="1" fill="hold">
+                                          <p:stCondLst>
+                                            <p:cond delay="0"/>
+                                          </p:stCondLst>
+                                        </p:cTn>
+                                        <p:tgtEl>
+                                          <p:spTgt spid="25"/>
+                                        </p:tgtEl>
+                                        <p:attrNameLst>
+                                          <p:attrName>style.visibility</p:attrName>
+                                        </p:attrNameLst>
+                                      </p:cBhvr>
+                                      <p:to>
+                                        <p:strVal val="visible"/>
+                                      </p:to>
+                                    </p:set>
+                                    <p:anim calcmode="lin" valueType="num">
+                                      <p:cBhvr additive="base">
+                                        <p:cTn id="17" dur="500" fill="hold"/>
+                                        <p:tgtEl>
+                                          <p:spTgt spid="25"/>
+                                        </p:tgtEl>
+                                        <p:attrNameLst>
+                                          <p:attrName>ppt_x</p:attrName>
+                                        </p:attrNameLst>
+                                      </p:cBhvr>
+                                      <p:tavLst>
+                                        <p:tav tm="0">
+                                          <p:val>
+                                            <p:strVal val="#ppt_x"/>
+                                          </p:val>
+                                        </p:tav>
+                                        <p:tav tm="100000">
+                                          <p:val>
+                                            <p:strVal val="#ppt_x"/>
+                                          </p:val>
+                                        </p:tav>
+                                      </p:tavLst>
+                                    </p:anim>
+                                    <p:anim calcmode="lin" valueType="num">
+                                      <p:cBhvr additive="base">
+                                        <p:cTn id="18" dur="500" fill="hold"/>
+                                        <p:tgtEl>
+                                          <p:spTgt spid="25"/>
+                                        </p:tgtEl>
+                                        <p:attrNameLst>
+                                          <p:attrName>ppt_y</p:attrName>
+                                        </p:attrNameLst>
+                                      </p:cBhvr>
+                                      <p:tavLst>
+                                        <p:tav tm="0">
+                                          <p:val>
+                                            <p:strVal val="1+#ppt_h/2"/>
+                                          </p:val>
+                                        </p:tav>
+                                        <p:tav tm="100000">
+                                          <p:val>
+                                            <p:strVal val="#ppt_y"/>
+                                          </p:val>
+                                        </p:tav>
+                                      </p:tavLst>
+                                    </p:anim>
+                                  </p:childTnLst>
+                                </p:cTn>
+                              </p:par>
+                            </p:childTnLst>
+                          </p:cTn>
+                        </p:par>
+                      </p:childTnLst>
+                    </p:cTn>
+                  </p:par>
+                  <p:par>
+                    <p:cTn id="19" fill="hold">
+                      <p:stCondLst>
+                        <p:cond delay="indefinite"/>
+                      </p:stCondLst>
+                      <p:childTnLst>
+                        <p:par>
+                          <p:cTn id="20" fill="hold">
+                            <p:stCondLst>
+                              <p:cond delay="0"/>
+                            </p:stCondLst>
+                            <p:childTnLst>
+                              <p:par>
+                                <p:cTn id="21" presetID="2" presetClass="entr" presetSubtype="4" fill="hold" grpId="0" nodeType="clickEffect">
+                                  <p:stCondLst>
+                                    <p:cond delay="0"/>
+                                  </p:stCondLst>
+                                  <p:childTnLst>
+                                    <p:set>
+                                      <p:cBhvr>
+                                        <p:cTn id="22" dur="1" fill="hold">
+                                          <p:stCondLst>
+                                            <p:cond delay="0"/>
+                                          </p:stCondLst>
+                                        </p:cTn>
+                                        <p:tgtEl>
+                                          <p:spTgt spid="22"/>
+                                        </p:tgtEl>
+                                        <p:attrNameLst>
+                                          <p:attrName>style.visibility</p:attrName>
+                                        </p:attrNameLst>
+                                      </p:cBhvr>
+                                      <p:to>
+                                        <p:strVal val="visible"/>
+                                      </p:to>
+                                    </p:set>
+                                    <p:anim calcmode="lin" valueType="num">
+                                      <p:cBhvr additive="base">
+                                        <p:cTn id="23" dur="500" fill="hold"/>
+                                        <p:tgtEl>
+                                          <p:spTgt spid="22"/>
+                                        </p:tgtEl>
+                                        <p:attrNameLst>
+                                          <p:attrName>ppt_x</p:attrName>
+                                        </p:attrNameLst>
+                                      </p:cBhvr>
+                                      <p:tavLst>
+                                        <p:tav tm="0">
+                                          <p:val>
+                                            <p:strVal val="#ppt_x"/>
+                                          </p:val>
+                                        </p:tav>
+                                        <p:tav tm="100000">
+                                          <p:val>
+                                            <p:strVal val="#ppt_x"/>
+                                          </p:val>
+                                        </p:tav>
+                                      </p:tavLst>
+                                    </p:anim>
+                                    <p:anim calcmode="lin" valueType="num">
+                                      <p:cBhvr additive="base">
+                                        <p:cTn id="24" dur="500" fill="hold"/>
+                                        <p:tgtEl>
+                                          <p:spTgt spid="22"/>
+                                        </p:tgtEl>
+                                        <p:attrNameLst>
+                                          <p:attrName>ppt_y</p:attrName>
+                                        </p:attrNameLst>
+                                      </p:cBhvr>
+                                      <p:tavLst>
+                                        <p:tav tm="0">
+                                          <p:val>
+                                            <p:strVal val="1+#ppt_h/2"/>
+                                          </p:val>
+                                        </p:tav>
+                                        <p:tav tm="100000">
+                                          <p:val>
+                                            <p:strVal val="#ppt_y"/>
+                                          </p:val>
+                                        </p:tav>
+                                      </p:tavLst>
+                                    </p:anim>
+                                  </p:childTnLst>
+                                </p:cTn>
+                              </p:par>
+                              <p:par>
+                                <p:cTn id="25" presetID="2" presetClass="entr" presetSubtype="4" fill="hold" grpId="0" nodeType="withEffect">
+                                  <p:stCondLst>
+                                    <p:cond delay="0"/>
+                                  </p:stCondLst>
+                                  <p:childTnLst>
+                                    <p:set>
+                                      <p:cBhvr>
+                                        <p:cTn id="26" dur="1" fill="hold">
+                                          <p:stCondLst>
+                                            <p:cond delay="0"/>
+                                          </p:stCondLst>
+                                        </p:cTn>
+                                        <p:tgtEl>
+                                          <p:spTgt spid="26"/>
+                                        </p:tgtEl>
+                                        <p:attrNameLst>
+                                          <p:attrName>style.visibility</p:attrName>
+                                        </p:attrNameLst>
+                                      </p:cBhvr>
+                                      <p:to>
+                                        <p:strVal val="visible"/>
+                                      </p:to>
+                                    </p:set>
+                                    <p:anim calcmode="lin" valueType="num">
+                                      <p:cBhvr additive="base">
+                                        <p:cTn id="27" dur="500" fill="hold"/>
+                                        <p:tgtEl>
+                                          <p:spTgt spid="26"/>
+                                        </p:tgtEl>
+                                        <p:attrNameLst>
+                                          <p:attrName>ppt_x</p:attrName>
+                                        </p:attrNameLst>
+                                      </p:cBhvr>
+                                      <p:tavLst>
+                                        <p:tav tm="0">
+                                          <p:val>
+                                            <p:strVal val="#ppt_x"/>
+                                          </p:val>
+                                        </p:tav>
+                                        <p:tav tm="100000">
+                                          <p:val>
+                                            <p:strVal val="#ppt_x"/>
+                                          </p:val>
+                                        </p:tav>
+                                      </p:tavLst>
+                                    </p:anim>
+                                    <p:anim calcmode="lin" valueType="num">
+                                      <p:cBhvr additive="base">
+                                        <p:cTn id="28" dur="500" fill="hold"/>
+                                        <p:tgtEl>
+                                          <p:spTgt spid="26"/>
+                                        </p:tgtEl>
+                                        <p:attrNameLst>
+                                          <p:attrName>ppt_y</p:attrName>
+                                        </p:attrNameLst>
+                                      </p:cBhvr>
+                                      <p:tavLst>
+                                        <p:tav tm="0">
+                                          <p:val>
+                                            <p:strVal val="1+#ppt_h/2"/>
+                                          </p:val>
+                                        </p:tav>
+                                        <p:tav tm="100000">
+                                          <p:val>
+                                            <p:strVal val="#ppt_y"/>
+                                          </p:val>
+                                        </p:tav>
+                                      </p:tavLst>
+                                    </p:anim>
+                                  </p:childTnLst>
+                                </p:cTn>
+                              </p:par>
+                            </p:childTnLst>
+                          </p:cTn>
+                        </p:par>
+                      </p:childTnLst>
+                    </p:cTn>
+                  </p:par>
+                  <p:par>
+                    <p:cTn id="29" fill="hold">
+                      <p:stCondLst>
+                        <p:cond delay="indefinite"/>
+                      </p:stCondLst>
+                      <p:childTnLst>
+                        <p:par>
+                          <p:cTn id="30" fill="hold">
+                            <p:stCondLst>
+                              <p:cond delay="0"/>
+                            </p:stCondLst>
+                            <p:childTnLst>
+                              <p:par>
+                                <p:cTn id="31" presetID="2" presetClass="entr" presetSubtype="4" fill="hold" grpId="0" nodeType="clickEffect">
+                                  <p:stCondLst>
+                                    <p:cond delay="0"/>
+                                  </p:stCondLst>
+                                  <p:childTnLst>
+                                    <p:set>
+                                      <p:cBhvr>
+                                        <p:cTn id="32" dur="1" fill="hold">
+                                          <p:stCondLst>
+                                            <p:cond delay="0"/>
+                                          </p:stCondLst>
+                                        </p:cTn>
+                                        <p:tgtEl>
+                                          <p:spTgt spid="19"/>
+                                        </p:tgtEl>
+                                        <p:attrNameLst>
+                                          <p:attrName>style.visibility</p:attrName>
+                                        </p:attrNameLst>
+                                      </p:cBhvr>
+                                      <p:to>
+                                        <p:strVal val="visible"/>
+                                      </p:to>
+                                    </p:set>
+                                    <p:anim calcmode="lin" valueType="num">
+                                      <p:cBhvr additive="base">
+                                        <p:cTn id="33" dur="500" fill="hold"/>
+                                        <p:tgtEl>
+                                          <p:spTgt spid="19"/>
+                                        </p:tgtEl>
+                                        <p:attrNameLst>
+                                          <p:attrName>ppt_x</p:attrName>
+                                        </p:attrNameLst>
+                                      </p:cBhvr>
+                                      <p:tavLst>
+                                        <p:tav tm="0">
+                                          <p:val>
+                                            <p:strVal val="#ppt_x"/>
+                                          </p:val>
+                                        </p:tav>
+                                        <p:tav tm="100000">
+                                          <p:val>
+                                            <p:strVal val="#ppt_x"/>
+                                          </p:val>
+                                        </p:tav>
+                                      </p:tavLst>
+                                    </p:anim>
+                                    <p:anim calcmode="lin" valueType="num">
+                                      <p:cBhvr additive="base">
+                                        <p:cTn id="34" dur="500" fill="hold"/>
+                                        <p:tgtEl>
+                                          <p:spTgt spid="19"/>
+                                        </p:tgtEl>
+                                        <p:attrNameLst>
+                                          <p:attrName>ppt_y</p:attrName>
+                                        </p:attrNameLst>
+                                      </p:cBhvr>
+                                      <p:tavLst>
+                                        <p:tav tm="0">
+                                          <p:val>
+                                            <p:strVal val="1+#ppt_h/2"/>
+                                          </p:val>
+                                        </p:tav>
+                                        <p:tav tm="100000">
+                                          <p:val>
+                                            <p:strVal val="#ppt_y"/>
+                                          </p:val>
+                                        </p:tav>
+                                      </p:tavLst>
+                                    </p:anim>
+                                  </p:childTnLst>
+                                </p:cTn>
+                              </p:par>
+                              <p:par>
+                                <p:cTn id="35" presetID="2" presetClass="entr" presetSubtype="4" fill="hold" grpId="0" nodeType="withEffect">
+                                  <p:stCondLst>
+                                    <p:cond delay="0"/>
+                                  </p:stCondLst>
+                                  <p:childTnLst>
+                                    <p:set>
+                                      <p:cBhvr>
+                                        <p:cTn id="36" dur="1" fill="hold">
+                                          <p:stCondLst>
+                                            <p:cond delay="0"/>
+                                          </p:stCondLst>
+                                        </p:cTn>
+                                        <p:tgtEl>
+                                          <p:spTgt spid="27"/>
+                                        </p:tgtEl>
+                                        <p:attrNameLst>
+                                          <p:attrName>style.visibility</p:attrName>
+                                        </p:attrNameLst>
+                                      </p:cBhvr>
+                                      <p:to>
+                                        <p:strVal val="visible"/>
+                                      </p:to>
+                                    </p:set>
+                                    <p:anim calcmode="lin" valueType="num">
+                                      <p:cBhvr additive="base">
+                                        <p:cTn id="37" dur="500" fill="hold"/>
+                                        <p:tgtEl>
+                                          <p:spTgt spid="27"/>
+                                        </p:tgtEl>
+                                        <p:attrNameLst>
+                                          <p:attrName>ppt_x</p:attrName>
+                                        </p:attrNameLst>
+                                      </p:cBhvr>
+                                      <p:tavLst>
+                                        <p:tav tm="0">
+                                          <p:val>
+                                            <p:strVal val="#ppt_x"/>
+                                          </p:val>
+                                        </p:tav>
+                                        <p:tav tm="100000">
+                                          <p:val>
+                                            <p:strVal val="#ppt_x"/>
+                                          </p:val>
+                                        </p:tav>
+                                      </p:tavLst>
+                                    </p:anim>
+                                    <p:anim calcmode="lin" valueType="num">
+                                      <p:cBhvr additive="base">
+                                        <p:cTn id="38" dur="500" fill="hold"/>
+                                        <p:tgtEl>
+                                          <p:spTgt spid="27"/>
+                                        </p:tgtEl>
+                                        <p:attrNameLst>
+                                          <p:attrName>ppt_y</p:attrName>
+                                        </p:attrNameLst>
+                                      </p:cBhvr>
+                                      <p:tavLst>
+                                        <p:tav tm="0">
+                                          <p:val>
+                                            <p:strVal val="1+#ppt_h/2"/>
+                                          </p:val>
+                                        </p:tav>
+                                        <p:tav tm="100000">
+                                          <p:val>
+                                            <p:strVal val="#ppt_y"/>
+                                          </p:val>
+                                        </p:tav>
+                                      </p:tavLst>
+                                    </p:anim>
+                                  </p:childTnLst>
+                                </p:cTn>
+                              </p:par>
+                            </p:childTnLst>
+                          </p:cTn>
+                        </p:par>
+                      </p:childTnLst>
+                    </p:cTn>
+                  </p:par>
+                  <p:par>
+                    <p:cTn id="39" fill="hold">
+                      <p:stCondLst>
+                        <p:cond delay="indefinite"/>
+                      </p:stCondLst>
+                      <p:childTnLst>
+                        <p:par>
+                          <p:cTn id="40" fill="hold">
+                            <p:stCondLst>
+                              <p:cond delay="0"/>
+                            </p:stCondLst>
+                            <p:childTnLst>
+                              <p:par>
+                                <p:cTn id="41" presetID="2" presetClass="entr" presetSubtype="4" fill="hold" grpId="0" nodeType="clickEffect">
+                                  <p:stCondLst>
+                                    <p:cond delay="0"/>
+                                  </p:stCondLst>
+                                  <p:childTnLst>
+                                    <p:set>
+                                      <p:cBhvr>
+                                        <p:cTn id="42" dur="1" fill="hold">
+                                          <p:stCondLst>
+                                            <p:cond delay="0"/>
+                                          </p:stCondLst>
+                                        </p:cTn>
+                                        <p:tgtEl>
+                                          <p:spTgt spid="28"/>
+                                        </p:tgtEl>
+                                        <p:attrNameLst>
+                                          <p:attrName>style.visibility</p:attrName>
+                                        </p:attrNameLst>
+                                      </p:cBhvr>
+                                      <p:to>
+                                        <p:strVal val="visible"/>
+                                      </p:to>
+                                    </p:set>
+                                    <p:anim calcmode="lin" valueType="num">
+                                      <p:cBhvr additive="base">
+                                        <p:cTn id="43" dur="500" fill="hold"/>
+                                        <p:tgtEl>
+                                          <p:spTgt spid="28"/>
+                                        </p:tgtEl>
+                                        <p:attrNameLst>
+                                          <p:attrName>ppt_x</p:attrName>
+                                        </p:attrNameLst>
+                                      </p:cBhvr>
+                                      <p:tavLst>
+                                        <p:tav tm="0">
+                                          <p:val>
+                                            <p:strVal val="#ppt_x"/>
+                                          </p:val>
+                                        </p:tav>
+                                        <p:tav tm="100000">
+                                          <p:val>
+                                            <p:strVal val="#ppt_x"/>
+                                          </p:val>
+                                        </p:tav>
+                                      </p:tavLst>
+                                    </p:anim>
+                                    <p:anim calcmode="lin" valueType="num">
+                                      <p:cBhvr additive="base">
+                                        <p:cTn id="44" dur="500" fill="hold"/>
+                                        <p:tgtEl>
+                                          <p:spTgt spid="28"/>
+                                        </p:tgtEl>
+                                        <p:attrNameLst>
+                                          <p:attrName>ppt_y</p:attrName>
+                                        </p:attrNameLst>
+                                      </p:cBhvr>
+                                      <p:tavLst>
+                                        <p:tav tm="0">
+                                          <p:val>
+                                            <p:strVal val="1+#ppt_h/2"/>
+                                          </p:val>
+                                        </p:tav>
+                                        <p:tav tm="100000">
+                                          <p:val>
+                                            <p:strVal val="#ppt_y"/>
+                                          </p:val>
+                                        </p:tav>
+                                      </p:tavLst>
+                                    </p:anim>
+                                  </p:childTnLst>
+                                </p:cTn>
+                              </p:par>
+                              <p:par>
+                                <p:cTn id="45" presetID="2" presetClass="entr" presetSubtype="4" fill="hold" grpId="0" nodeType="withEffect">
+                                  <p:stCondLst>
+                                    <p:cond delay="0"/>
+                                  </p:stCondLst>
+                                  <p:childTnLst>
+                                    <p:set>
+                                      <p:cBhvr>
+                                        <p:cTn id="46" dur="1" fill="hold">
+                                          <p:stCondLst>
+                                            <p:cond delay="0"/>
+                                          </p:stCondLst>
+                                        </p:cTn>
+                                        <p:tgtEl>
+                                          <p:spTgt spid="16"/>
+                                        </p:tgtEl>
+                                        <p:attrNameLst>
+                                          <p:attrName>style.visibility</p:attrName>
+                                        </p:attrNameLst>
+                                      </p:cBhvr>
+                                      <p:to>
+                                        <p:strVal val="visible"/>
+                                      </p:to>
+                                    </p:set>
+                                    <p:anim calcmode="lin" valueType="num">
+                                      <p:cBhvr additive="base">
+                                        <p:cTn id="47" dur="500" fill="hold"/>
+                                        <p:tgtEl>
+                                          <p:spTgt spid="16"/>
+                                        </p:tgtEl>
+                                        <p:attrNameLst>
+                                          <p:attrName>ppt_x</p:attrName>
+                                        </p:attrNameLst>
+                                      </p:cBhvr>
+                                      <p:tavLst>
+                                        <p:tav tm="0">
+                                          <p:val>
+                                            <p:strVal val="#ppt_x"/>
+                                          </p:val>
+                                        </p:tav>
+                                        <p:tav tm="100000">
+                                          <p:val>
+                                            <p:strVal val="#ppt_x"/>
+                                          </p:val>
+                                        </p:tav>
+                                      </p:tavLst>
+                                    </p:anim>
+                                    <p:anim calcmode="lin" valueType="num">
+                                      <p:cBhvr additive="base">
+                                        <p:cTn id="48" dur="500" fill="hold"/>
+                                        <p:tgtEl>
+                                          <p:spTgt spid="16"/>
+                                        </p:tgtEl>
+                                        <p:attrNameLst>
+                                          <p:attrName>ppt_y</p:attrName>
+                                        </p:attrNameLst>
+                                      </p:cBhvr>
+                                      <p:tavLst>
+                                        <p:tav tm="0">
+                                          <p:val>
+                                            <p:strVal val="1+#ppt_h/2"/>
+                                          </p:val>
+                                        </p:tav>
+                                        <p:tav tm="100000">
+                                          <p:val>
+                                            <p:strVal val="#ppt_y"/>
+                                          </p:val>
+                                        </p:tav>
+                                      </p:tavLst>
+                                    </p:anim>
+                                  </p:childTnLst>
+                                </p:cTn>
+                              </p:par>
+                              <p:par>
+                                <p:cTn id="49" presetID="2" presetClass="entr" presetSubtype="4" fill="hold" grpId="0" nodeType="withEffect">
+                                  <p:stCondLst>
+                                    <p:cond delay="0"/>
+                                  </p:stCondLst>
+                                  <p:childTnLst>
+                                    <p:set>
+                                      <p:cBhvr>
+                                        <p:cTn id="50" dur="1" fill="hold">
+                                          <p:stCondLst>
+                                            <p:cond delay="0"/>
+                                          </p:stCondLst>
+                                        </p:cTn>
+                                        <p:tgtEl>
+                                          <p:spTgt spid="31"/>
+                                        </p:tgtEl>
+                                        <p:attrNameLst>
+                                          <p:attrName>style.visibility</p:attrName>
+                                        </p:attrNameLst>
+                                      </p:cBhvr>
+                                      <p:to>
+                                        <p:strVal val="visible"/>
+                                      </p:to>
+                                    </p:set>
+                                    <p:anim calcmode="lin" valueType="num">
+                                      <p:cBhvr additive="base">
+                                        <p:cTn id="51" dur="500" fill="hold"/>
+                                        <p:tgtEl>
+                                          <p:spTgt spid="31"/>
+                                        </p:tgtEl>
+                                        <p:attrNameLst>
+                                          <p:attrName>ppt_x</p:attrName>
+                                        </p:attrNameLst>
+                                      </p:cBhvr>
+                                      <p:tavLst>
+                                        <p:tav tm="0">
+                                          <p:val>
+                                            <p:strVal val="#ppt_x"/>
+                                          </p:val>
+                                        </p:tav>
+                                        <p:tav tm="100000">
+                                          <p:val>
+                                            <p:strVal val="#ppt_x"/>
+                                          </p:val>
+                                        </p:tav>
+                                      </p:tavLst>
+                                    </p:anim>
+                                    <p:anim calcmode="lin" valueType="num">
+                                      <p:cBhvr additive="base">
+                                        <p:cTn id="52" dur="500" fill="hold"/>
+                                        <p:tgtEl>
+                                          <p:spTgt spid="31"/>
+                                        </p:tgtEl>
+                                        <p:attrNameLst>
+                                          <p:attrName>ppt_y</p:attrName>
+                                        </p:attrNameLst>
+                                      </p:cBhvr>
+                                      <p:tavLst>
+                                        <p:tav tm="0">
+                                          <p:val>
+                                            <p:strVal val="1+#ppt_h/2"/>
+                                          </p:val>
+                                        </p:tav>
+                                        <p:tav tm="100000">
+                                          <p:val>
+                                            <p:strVal val="#ppt_y"/>
+                                          </p:val>
+                                        </p:tav>
+                                      </p:tavLst>
+                                    </p:anim>
+                                  </p:childTnLst>
+                                </p:cTn>
+                              </p:par>
+                            </p:childTnLst>
+                          </p:cTn>
+                        </p:par>
+                      </p:childTnLst>
+                    </p:cTn>
+                  </p:par>
+                </p:childTnLst>
+              </p:cTn>
+              <p:prevCondLst>
+                <p:cond evt="onPrev" delay="0">
+                  <p:tgtEl>
+                    <p:sldTgt/>
+                  </p:tgtEl>
+                </p:cond>
+              </p:prevCondLst>
+              <p:nextCondLst>
+                <p:cond evt="onNext" delay="0">
+                  <p:tgtEl>
+                    <p:sldTgt/>
+                  </p:tgtEl>
+                </p:cond>
+              </p:nextCondLst>
+            </p:seq>
+          </p:childTnLst>
+        </p:cTn>
+      </p:par>
+    </p:tnLst>
+    <p:bldLst>
+      <p:bldP spid="15" grpId="0" animBg="1"/>
+      <p:bldP spid="16" grpId="0" animBg="1"/>
+      <p:bldP spid="19" grpId="0" animBg="1"/>
+      <p:bldP spid="22" grpId="0" animBg="1"/>
+      <p:bldP spid="24" grpId="0" animBg="1"/>
+      <p:bldP spid="25" grpId="0" animBg="1"/>
+      <p:bldP spid="26" grpId="0" animBg="1"/>
+      <p:bldP spid="27" grpId="0" animBg="1"/>
+      <p:bldP spid="28" grpId="0" animBg="1"/>
+      <p:bldP spid="31" grpId="0" animBg="1"/>
+    </p:bldLst>
+  </p:timing>
+</p:sld>
+</file>
+
+<file path=ppt/slides/slide8.xml><?xml version="1.0" encoding="utf-8"?>
+<p:sld xmlns:a="http://schemas.openxmlformats.org/drawingml/2006/main" xmlns:r="http://schemas.openxmlformats.org/officeDocument/2006/relationships" xmlns:p="http://schemas.openxmlformats.org/presentationml/2006/main">
+  <p:cSld>
+    <p:spTree>
+      <p:nvGrpSpPr>
+        <p:cNvPr id="1" name="">
+          <a:extLst>
+            <a:ext uri="{FF2B5EF4-FFF2-40B4-BE49-F238E27FC236}">
+              <a16:creationId xmlns:a16="http://schemas.microsoft.com/office/drawing/2014/main" id="{72EAC08E-7F36-CB15-E414-CB782C04AF5E}"/>
+            </a:ext>
+          </a:extLst>
+        </p:cNvPr>
+        <p:cNvGrpSpPr/>
+        <p:nvPr/>
+      </p:nvGrpSpPr>
+      <p:grpSpPr>
+        <a:xfrm>
+          <a:off x="0" y="0"/>
+          <a:ext cx="0" cy="0"/>
+          <a:chOff x="0" y="0"/>
+          <a:chExt cx="0" cy="0"/>
+        </a:xfrm>
+      </p:grpSpPr>
+      <p:sp>
+        <p:nvSpPr>
+          <p:cNvPr id="2" name="Title 1">
+            <a:extLst>
+              <a:ext uri="{FF2B5EF4-FFF2-40B4-BE49-F238E27FC236}">
+                <a16:creationId xmlns:a16="http://schemas.microsoft.com/office/drawing/2014/main" id="{C9E01D7D-CBC8-29FA-E6FE-2A58B57B9469}"/>
+              </a:ext>
+            </a:extLst>
+          </p:cNvPr>
+          <p:cNvSpPr>
+            <a:spLocks noGrp="1"/>
+          </p:cNvSpPr>
+          <p:nvPr>
+            <p:ph type="title"/>
+          </p:nvPr>
+        </p:nvSpPr>
+        <p:spPr>
+          <a:xfrm>
+            <a:off x="819665" y="235576"/>
+            <a:ext cx="10515600" cy="839755"/>
+          </a:xfrm>
+        </p:spPr>
+        <p:txBody>
+          <a:bodyPr>
+            <a:normAutofit/>
+          </a:bodyPr>
+          <a:lstStyle/>
+          <a:p>
+            <a:pPr algn="ctr"/>
+            <a:r>
+              <a:rPr lang="en-GB" b="1" dirty="0">
+                <a:solidFill>
+                  <a:schemeClr val="accent2">
+                    <a:lumMod val="50000"/>
+                  </a:schemeClr>
+                </a:solidFill>
+              </a:rPr>
+              <a:t>References</a:t>
+            </a:r>
+            <a:endParaRPr lang="en-IN" b="1" dirty="0">
+              <a:solidFill>
+                <a:schemeClr val="accent2">
+                  <a:lumMod val="50000"/>
+                </a:schemeClr>
+              </a:solidFill>
+            </a:endParaRPr>
+          </a:p>
+        </p:txBody>
+      </p:sp>
+      <p:pic>
+        <p:nvPicPr>
+          <p:cNvPr id="7" name="Picture 6">
+            <a:extLst>
+              <a:ext uri="{FF2B5EF4-FFF2-40B4-BE49-F238E27FC236}">
+                <a16:creationId xmlns:a16="http://schemas.microsoft.com/office/drawing/2014/main" id="{F6184AD1-DC46-BA3B-D13F-2445EAC047F5}"/>
+              </a:ext>
+            </a:extLst>
+          </p:cNvPr>
+          <p:cNvPicPr>
+            <a:picLocks noChangeAspect="1"/>
+          </p:cNvPicPr>
+          <p:nvPr/>
+        </p:nvPicPr>
+        <p:blipFill>
+          <a:blip r:embed="rId2">
+            <a:extLst>
+              <a:ext uri="{28A0092B-C50C-407E-A947-70E740481C1C}">
+                <a14:useLocalDpi xmlns:a14="http://schemas.microsoft.com/office/drawing/2010/main" val="0"/>
+              </a:ext>
+            </a:extLst>
+          </a:blip>
+          <a:srcRect/>
+          <a:stretch/>
+        </p:blipFill>
+        <p:spPr>
+          <a:xfrm>
+            <a:off x="229098" y="-104177"/>
+            <a:ext cx="2511357" cy="1412637"/>
+          </a:xfrm>
+          <a:prstGeom prst="rect">
+            <a:avLst/>
+          </a:prstGeom>
+        </p:spPr>
+      </p:pic>
+      <p:sp>
+        <p:nvSpPr>
+          <p:cNvPr id="6" name="Rectangle 5">
+            <a:extLst>
+              <a:ext uri="{FF2B5EF4-FFF2-40B4-BE49-F238E27FC236}">
+                <a16:creationId xmlns:a16="http://schemas.microsoft.com/office/drawing/2014/main" id="{5E1D04C0-D241-58AA-D09C-954B48A9746B}"/>
+              </a:ext>
+            </a:extLst>
+          </p:cNvPr>
+          <p:cNvSpPr/>
+          <p:nvPr/>
+        </p:nvSpPr>
+        <p:spPr>
+          <a:xfrm>
+            <a:off x="0" y="6356350"/>
+            <a:ext cx="12192000" cy="501650"/>
+          </a:xfrm>
+          <a:prstGeom prst="rect">
+            <a:avLst/>
+          </a:prstGeom>
+          <a:solidFill>
+            <a:schemeClr val="accent1">
+              <a:lumMod val="60000"/>
+              <a:lumOff val="40000"/>
+            </a:schemeClr>
+          </a:solidFill>
+        </p:spPr>
+        <p:style>
+          <a:lnRef idx="2">
+            <a:schemeClr val="accent1">
+              <a:shade val="15000"/>
+            </a:schemeClr>
+          </a:lnRef>
+          <a:fillRef idx="1">
+            <a:schemeClr val="accent1"/>
+          </a:fillRef>
+          <a:effectRef idx="0">
+            <a:schemeClr val="accent1"/>
+          </a:effectRef>
+          <a:fontRef idx="minor">
+            <a:schemeClr val="lt1"/>
+          </a:fontRef>
+        </p:style>
+        <p:txBody>
+          <a:bodyPr rtlCol="0" anchor="ctr"/>
+          <a:lstStyle/>
+          <a:p>
+            <a:pPr algn="ctr"/>
+            <a:endParaRPr lang="LID4096"/>
+          </a:p>
+        </p:txBody>
+      </p:sp>
+      <p:cxnSp>
+        <p:nvCxnSpPr>
+          <p:cNvPr id="5" name="Straight Connector 4">
+            <a:extLst>
+              <a:ext uri="{FF2B5EF4-FFF2-40B4-BE49-F238E27FC236}">
+                <a16:creationId xmlns:a16="http://schemas.microsoft.com/office/drawing/2014/main" id="{8098EF98-EE70-99B4-00DA-F28D718F9A65}"/>
+              </a:ext>
+            </a:extLst>
+          </p:cNvPr>
+          <p:cNvCxnSpPr>
+            <a:cxnSpLocks/>
+          </p:cNvCxnSpPr>
+          <p:nvPr/>
+        </p:nvCxnSpPr>
+        <p:spPr>
+          <a:xfrm>
+            <a:off x="0" y="1183609"/>
+            <a:ext cx="12192000" cy="0"/>
+          </a:xfrm>
+          <a:prstGeom prst="line">
+            <a:avLst/>
+          </a:prstGeom>
+          <a:ln>
+            <a:solidFill>
+              <a:schemeClr val="accent1">
+                <a:lumMod val="60000"/>
+                <a:lumOff val="40000"/>
+              </a:schemeClr>
+            </a:solidFill>
+          </a:ln>
+        </p:spPr>
+        <p:style>
+          <a:lnRef idx="1">
+            <a:schemeClr val="accent1"/>
+          </a:lnRef>
+          <a:fillRef idx="0">
+            <a:schemeClr val="accent1"/>
+          </a:fillRef>
+          <a:effectRef idx="0">
+            <a:schemeClr val="accent1"/>
+          </a:effectRef>
+          <a:fontRef idx="minor">
+            <a:schemeClr val="tx1"/>
+          </a:fontRef>
+        </p:style>
+      </p:cxnSp>
+      <p:sp>
+        <p:nvSpPr>
+          <p:cNvPr id="17" name="Date Placeholder 16">
+            <a:extLst>
+              <a:ext uri="{FF2B5EF4-FFF2-40B4-BE49-F238E27FC236}">
+                <a16:creationId xmlns:a16="http://schemas.microsoft.com/office/drawing/2014/main" id="{7FA929B9-3BAC-89F3-E3E1-98C911541D5A}"/>
+              </a:ext>
+            </a:extLst>
+          </p:cNvPr>
+          <p:cNvSpPr>
+            <a:spLocks noGrp="1"/>
+          </p:cNvSpPr>
+          <p:nvPr>
+            <p:ph type="dt" sz="half" idx="10"/>
+          </p:nvPr>
+        </p:nvSpPr>
+        <p:spPr/>
+        <p:txBody>
+          <a:bodyPr/>
+          <a:lstStyle/>
+          <a:p>
+            <a:fld id="{036257E0-A100-4250-97F9-3E5E02DD86B0}" type="datetime1">
+              <a:rPr lang="en-IN" smtClean="0">
+                <a:solidFill>
+                  <a:schemeClr val="tx1"/>
+                </a:solidFill>
+              </a:rPr>
+              <a:t>25-12-2025</a:t>
+            </a:fld>
+            <a:endParaRPr lang="en-IN" dirty="0">
+              <a:solidFill>
+                <a:schemeClr val="tx1"/>
+              </a:solidFill>
+            </a:endParaRPr>
+          </a:p>
+        </p:txBody>
+      </p:sp>
+      <p:sp>
+        <p:nvSpPr>
+          <p:cNvPr id="18" name="Slide Number Placeholder 17">
+            <a:extLst>
+              <a:ext uri="{FF2B5EF4-FFF2-40B4-BE49-F238E27FC236}">
+                <a16:creationId xmlns:a16="http://schemas.microsoft.com/office/drawing/2014/main" id="{D7E8EC4F-1829-2D36-DE3E-6BA0B882609F}"/>
+              </a:ext>
+            </a:extLst>
+          </p:cNvPr>
+          <p:cNvSpPr>
+            <a:spLocks noGrp="1"/>
+          </p:cNvSpPr>
+          <p:nvPr>
+            <p:ph type="sldNum" sz="quarter" idx="12"/>
+          </p:nvPr>
+        </p:nvSpPr>
+        <p:spPr/>
+        <p:txBody>
+          <a:bodyPr/>
+          <a:lstStyle/>
+          <a:p>
+            <a:fld id="{E7687761-FC87-4A57-BD27-270B4C7228C2}" type="slidenum">
+              <a:rPr lang="en-IN" smtClean="0">
+                <a:solidFill>
+                  <a:schemeClr val="tx1"/>
+                </a:solidFill>
+              </a:rPr>
+              <a:t>8</a:t>
+            </a:fld>
+            <a:endParaRPr lang="en-IN" dirty="0">
+              <a:solidFill>
+                <a:schemeClr val="tx1"/>
+              </a:solidFill>
+            </a:endParaRPr>
+          </a:p>
+        </p:txBody>
+      </p:sp>
+      <p:pic>
+        <p:nvPicPr>
+          <p:cNvPr id="10" name="Picture 9">
+            <a:extLst>
+              <a:ext uri="{FF2B5EF4-FFF2-40B4-BE49-F238E27FC236}">
+                <a16:creationId xmlns:a16="http://schemas.microsoft.com/office/drawing/2014/main" id="{CE5CD8E4-635C-2836-9570-FEAC9DCB2841}"/>
+              </a:ext>
+            </a:extLst>
+          </p:cNvPr>
+          <p:cNvPicPr>
+            <a:picLocks noChangeAspect="1"/>
+          </p:cNvPicPr>
+          <p:nvPr/>
+        </p:nvPicPr>
+        <p:blipFill>
+          <a:blip r:embed="rId3">
+            <a:extLst>
+              <a:ext uri="{28A0092B-C50C-407E-A947-70E740481C1C}">
+                <a14:useLocalDpi xmlns:a14="http://schemas.microsoft.com/office/drawing/2010/main" val="0"/>
+              </a:ext>
+            </a:extLst>
+          </a:blip>
+          <a:srcRect/>
+          <a:stretch/>
+        </p:blipFill>
+        <p:spPr>
+          <a:xfrm>
+            <a:off x="10180973" y="31395"/>
+            <a:ext cx="1904503" cy="1058057"/>
+          </a:xfrm>
+          <a:prstGeom prst="rect">
+            <a:avLst/>
+          </a:prstGeom>
+        </p:spPr>
+      </p:pic>
+      <p:sp>
+        <p:nvSpPr>
+          <p:cNvPr id="11" name="Footer Placeholder 1">
+            <a:extLst>
+              <a:ext uri="{FF2B5EF4-FFF2-40B4-BE49-F238E27FC236}">
+                <a16:creationId xmlns:a16="http://schemas.microsoft.com/office/drawing/2014/main" id="{E850E8BC-E362-3812-20A6-400F942A9835}"/>
+              </a:ext>
+            </a:extLst>
+          </p:cNvPr>
+          <p:cNvSpPr>
+            <a:spLocks noGrp="1"/>
+          </p:cNvSpPr>
+          <p:nvPr>
+            <p:ph type="ftr" sz="quarter" idx="11"/>
+          </p:nvPr>
+        </p:nvSpPr>
+        <p:spPr>
+          <a:xfrm>
+            <a:off x="3014980" y="6472294"/>
+            <a:ext cx="6162040" cy="269761"/>
+          </a:xfrm>
+        </p:spPr>
+        <p:txBody>
+          <a:bodyPr/>
+          <a:lstStyle/>
+          <a:p>
+            <a:r>
+              <a:rPr lang="en-US" b="1" dirty="0">
+                <a:solidFill>
+                  <a:schemeClr val="tx1"/>
+                </a:solidFill>
+              </a:rPr>
+              <a:t>Power Prediction and Energy Arbitrage Modeling for Wind Farms Using ML</a:t>
+            </a:r>
+            <a:endParaRPr lang="en-IN" dirty="0">
+              <a:solidFill>
+                <a:schemeClr val="tx1"/>
+              </a:solidFill>
+            </a:endParaRPr>
+          </a:p>
+        </p:txBody>
+      </p:sp>
+      <p:sp>
+        <p:nvSpPr>
+          <p:cNvPr id="4" name="TextBox 3">
+            <a:extLst>
+              <a:ext uri="{FF2B5EF4-FFF2-40B4-BE49-F238E27FC236}">
+                <a16:creationId xmlns:a16="http://schemas.microsoft.com/office/drawing/2014/main" id="{E89E7D12-89E9-533C-631D-F78DC24F9F5B}"/>
+              </a:ext>
+            </a:extLst>
+          </p:cNvPr>
+          <p:cNvSpPr txBox="1"/>
+          <p:nvPr/>
+        </p:nvSpPr>
+        <p:spPr>
+          <a:xfrm>
+            <a:off x="229098" y="1277767"/>
+            <a:ext cx="11658102" cy="1323439"/>
+          </a:xfrm>
+          <a:prstGeom prst="rect">
+            <a:avLst/>
+          </a:prstGeom>
+          <a:noFill/>
+        </p:spPr>
+        <p:txBody>
+          <a:bodyPr wrap="square">
+            <a:spAutoFit/>
+          </a:bodyPr>
+          <a:lstStyle/>
+          <a:p>
+            <a:pPr marL="457200" indent="-457200">
+              <a:buFont typeface="+mj-lt"/>
+              <a:buAutoNum type="arabicPeriod"/>
+            </a:pPr>
+            <a:r>
+              <a:rPr lang="en-US" sz="2000" dirty="0">
+                <a:hlinkClick r:id="rId4"/>
+              </a:rPr>
+              <a:t>https://www.nsenergybusiness.com/projects/reusenkoge-wind-farm-expansion/?cf-view</a:t>
+            </a:r>
+            <a:endParaRPr lang="en-US" sz="2000" dirty="0"/>
+          </a:p>
+          <a:p>
+            <a:pPr marL="457200" indent="-457200">
+              <a:buFont typeface="+mj-lt"/>
+              <a:buAutoNum type="arabicPeriod"/>
+            </a:pPr>
+            <a:r>
+              <a:rPr lang="en-US" sz="2000" dirty="0">
+                <a:hlinkClick r:id="rId5"/>
+              </a:rPr>
+              <a:t>https://en.wind-turbine-models.com/turbines/693-vestas-v112-3.3</a:t>
+            </a:r>
+            <a:endParaRPr lang="en-US" sz="2000" dirty="0"/>
+          </a:p>
+          <a:p>
+            <a:pPr marL="457200" indent="-457200">
+              <a:buFont typeface="+mj-lt"/>
+              <a:buAutoNum type="arabicPeriod"/>
+            </a:pPr>
+            <a:endParaRPr lang="en-US" sz="2000" dirty="0"/>
+          </a:p>
+          <a:p>
+            <a:pPr marL="457200" indent="-457200">
+              <a:buFont typeface="+mj-lt"/>
+              <a:buAutoNum type="arabicPeriod"/>
+            </a:pPr>
+            <a:endParaRPr lang="en-US" sz="2000" dirty="0"/>
+          </a:p>
+        </p:txBody>
+      </p:sp>
+    </p:spTree>
+    <p:extLst>
+      <p:ext uri="{BB962C8B-B14F-4D97-AF65-F5344CB8AC3E}">
+        <p14:creationId xmlns:p14="http://schemas.microsoft.com/office/powerpoint/2010/main" val="3947873372"/>
       </p:ext>
     </p:extLst>
   </p:cSld>
